--- a/slides.pptx
+++ b/slides.pptx
@@ -5,64 +5,66 @@
     <p:sldMasterId id="2147483696" r:id="rId1"/>
   </p:sldMasterIdLst>
   <p:notesMasterIdLst>
-    <p:notesMasterId r:id="rId54"/>
+    <p:notesMasterId r:id="rId56"/>
   </p:notesMasterIdLst>
   <p:handoutMasterIdLst>
-    <p:handoutMasterId r:id="rId55"/>
+    <p:handoutMasterId r:id="rId57"/>
   </p:handoutMasterIdLst>
   <p:sldIdLst>
     <p:sldId id="256" r:id="rId2"/>
     <p:sldId id="725" r:id="rId3"/>
-    <p:sldId id="726" r:id="rId4"/>
-    <p:sldId id="727" r:id="rId5"/>
-    <p:sldId id="728" r:id="rId6"/>
-    <p:sldId id="729" r:id="rId7"/>
-    <p:sldId id="730" r:id="rId8"/>
-    <p:sldId id="731" r:id="rId9"/>
-    <p:sldId id="733" r:id="rId10"/>
-    <p:sldId id="710" r:id="rId11"/>
-    <p:sldId id="682" r:id="rId12"/>
-    <p:sldId id="683" r:id="rId13"/>
-    <p:sldId id="711" r:id="rId14"/>
-    <p:sldId id="712" r:id="rId15"/>
-    <p:sldId id="684" r:id="rId16"/>
-    <p:sldId id="685" r:id="rId17"/>
-    <p:sldId id="686" r:id="rId18"/>
-    <p:sldId id="687" r:id="rId19"/>
-    <p:sldId id="713" r:id="rId20"/>
-    <p:sldId id="688" r:id="rId21"/>
-    <p:sldId id="735" r:id="rId22"/>
-    <p:sldId id="714" r:id="rId23"/>
-    <p:sldId id="691" r:id="rId24"/>
-    <p:sldId id="694" r:id="rId25"/>
-    <p:sldId id="715" r:id="rId26"/>
-    <p:sldId id="738" r:id="rId27"/>
-    <p:sldId id="695" r:id="rId28"/>
-    <p:sldId id="716" r:id="rId29"/>
-    <p:sldId id="696" r:id="rId30"/>
-    <p:sldId id="700" r:id="rId31"/>
-    <p:sldId id="701" r:id="rId32"/>
-    <p:sldId id="697" r:id="rId33"/>
-    <p:sldId id="717" r:id="rId34"/>
-    <p:sldId id="698" r:id="rId35"/>
-    <p:sldId id="704" r:id="rId36"/>
-    <p:sldId id="736" r:id="rId37"/>
-    <p:sldId id="739" r:id="rId38"/>
-    <p:sldId id="740" r:id="rId39"/>
-    <p:sldId id="718" r:id="rId40"/>
-    <p:sldId id="699" r:id="rId41"/>
-    <p:sldId id="702" r:id="rId42"/>
-    <p:sldId id="703" r:id="rId43"/>
-    <p:sldId id="705" r:id="rId44"/>
-    <p:sldId id="719" r:id="rId45"/>
-    <p:sldId id="720" r:id="rId46"/>
-    <p:sldId id="706" r:id="rId47"/>
-    <p:sldId id="721" r:id="rId48"/>
-    <p:sldId id="708" r:id="rId49"/>
-    <p:sldId id="722" r:id="rId50"/>
-    <p:sldId id="707" r:id="rId51"/>
-    <p:sldId id="723" r:id="rId52"/>
-    <p:sldId id="737" r:id="rId53"/>
+    <p:sldId id="727" r:id="rId4"/>
+    <p:sldId id="728" r:id="rId5"/>
+    <p:sldId id="729" r:id="rId6"/>
+    <p:sldId id="730" r:id="rId7"/>
+    <p:sldId id="731" r:id="rId8"/>
+    <p:sldId id="741" r:id="rId9"/>
+    <p:sldId id="710" r:id="rId10"/>
+    <p:sldId id="682" r:id="rId11"/>
+    <p:sldId id="683" r:id="rId12"/>
+    <p:sldId id="711" r:id="rId13"/>
+    <p:sldId id="712" r:id="rId14"/>
+    <p:sldId id="684" r:id="rId15"/>
+    <p:sldId id="685" r:id="rId16"/>
+    <p:sldId id="686" r:id="rId17"/>
+    <p:sldId id="687" r:id="rId18"/>
+    <p:sldId id="713" r:id="rId19"/>
+    <p:sldId id="688" r:id="rId20"/>
+    <p:sldId id="735" r:id="rId21"/>
+    <p:sldId id="714" r:id="rId22"/>
+    <p:sldId id="691" r:id="rId23"/>
+    <p:sldId id="694" r:id="rId24"/>
+    <p:sldId id="715" r:id="rId25"/>
+    <p:sldId id="738" r:id="rId26"/>
+    <p:sldId id="695" r:id="rId27"/>
+    <p:sldId id="716" r:id="rId28"/>
+    <p:sldId id="696" r:id="rId29"/>
+    <p:sldId id="697" r:id="rId30"/>
+    <p:sldId id="701" r:id="rId31"/>
+    <p:sldId id="717" r:id="rId32"/>
+    <p:sldId id="698" r:id="rId33"/>
+    <p:sldId id="700" r:id="rId34"/>
+    <p:sldId id="704" r:id="rId35"/>
+    <p:sldId id="736" r:id="rId36"/>
+    <p:sldId id="743" r:id="rId37"/>
+    <p:sldId id="742" r:id="rId38"/>
+    <p:sldId id="739" r:id="rId39"/>
+    <p:sldId id="740" r:id="rId40"/>
+    <p:sldId id="718" r:id="rId41"/>
+    <p:sldId id="699" r:id="rId42"/>
+    <p:sldId id="702" r:id="rId43"/>
+    <p:sldId id="744" r:id="rId44"/>
+    <p:sldId id="745" r:id="rId45"/>
+    <p:sldId id="703" r:id="rId46"/>
+    <p:sldId id="705" r:id="rId47"/>
+    <p:sldId id="719" r:id="rId48"/>
+    <p:sldId id="720" r:id="rId49"/>
+    <p:sldId id="706" r:id="rId50"/>
+    <p:sldId id="721" r:id="rId51"/>
+    <p:sldId id="708" r:id="rId52"/>
+    <p:sldId id="722" r:id="rId53"/>
+    <p:sldId id="707" r:id="rId54"/>
+    <p:sldId id="723" r:id="rId55"/>
   </p:sldIdLst>
   <p:sldSz cx="9144000" cy="6858000" type="screen4x3"/>
   <p:notesSz cx="6858000" cy="9144000"/>
@@ -277,7 +279,7 @@
           <a:p>
             <a:fld id="{6E62D6AC-8F8A-4E44-B278-FAA640A16F15}" type="datetimeFigureOut">
               <a:rPr lang="fr-FR" smtClean="0"/>
-              <a:t>13/12/2015</a:t>
+              <a:t>14/12/2015</a:t>
             </a:fld>
             <a:endParaRPr lang="fr-FR"/>
           </a:p>
@@ -442,7 +444,7 @@
           <a:p>
             <a:fld id="{865659F3-F9EC-428F-B501-E0BC197445D9}" type="datetimeFigureOut">
               <a:rPr lang="fr-FR" smtClean="0"/>
-              <a:t>13/12/2015</a:t>
+              <a:t>14/12/2015</a:t>
             </a:fld>
             <a:endParaRPr lang="fr-FR" dirty="0"/>
           </a:p>
@@ -872,7 +874,7 @@
           <a:p>
             <a:fld id="{7F421A2B-D86A-438C-8636-6AD70572CBB6}" type="slidenum">
               <a:rPr lang="fr-FR" smtClean="0"/>
-              <a:t>31</a:t>
+              <a:t>30</a:t>
             </a:fld>
             <a:endParaRPr lang="fr-FR"/>
           </a:p>
@@ -1022,7 +1024,7 @@
           <a:p>
             <a:fld id="{ADCC432E-409C-45C3-8992-ACB5CD768BDF}" type="datetime1">
               <a:rPr lang="fr-FR" smtClean="0"/>
-              <a:t>13/12/2015</a:t>
+              <a:t>14/12/2015</a:t>
             </a:fld>
             <a:endParaRPr lang="fr-FR" dirty="0"/>
           </a:p>
@@ -1286,7 +1288,7 @@
           <a:p>
             <a:fld id="{8D809DBC-7E81-4819-803D-1A0811B3E043}" type="datetime1">
               <a:rPr lang="fr-FR" smtClean="0"/>
-              <a:t>13/12/2015</a:t>
+              <a:t>14/12/2015</a:t>
             </a:fld>
             <a:endParaRPr lang="fr-FR" dirty="0"/>
           </a:p>
@@ -1456,7 +1458,7 @@
           <a:p>
             <a:fld id="{8CD70887-4A1D-4A12-A2B5-C0A0AEED7B3A}" type="datetime1">
               <a:rPr lang="fr-FR" smtClean="0"/>
-              <a:t>13/12/2015</a:t>
+              <a:t>14/12/2015</a:t>
             </a:fld>
             <a:endParaRPr lang="fr-FR" dirty="0"/>
           </a:p>
@@ -1610,7 +1612,7 @@
                 </a:solidFill>
               </a:rPr>
               <a:pPr/>
-              <a:t>13/12/2015</a:t>
+              <a:t>14/12/2015</a:t>
             </a:fld>
             <a:endParaRPr lang="fr-FR" dirty="0">
               <a:solidFill>
@@ -1817,7 +1819,7 @@
           <a:p>
             <a:fld id="{29B2A686-31B9-4679-9087-1FF3691B4776}" type="datetime1">
               <a:rPr lang="fr-FR" smtClean="0"/>
-              <a:t>13/12/2015</a:t>
+              <a:t>14/12/2015</a:t>
             </a:fld>
             <a:endParaRPr lang="fr-FR" dirty="0"/>
           </a:p>
@@ -1992,7 +1994,7 @@
           <a:p>
             <a:fld id="{1D1A14E8-3BBD-4201-A6CF-975CCF82E15C}" type="datetime1">
               <a:rPr lang="fr-FR" smtClean="0"/>
-              <a:t>13/12/2015</a:t>
+              <a:t>14/12/2015</a:t>
             </a:fld>
             <a:endParaRPr lang="fr-FR" dirty="0"/>
           </a:p>
@@ -2199,7 +2201,7 @@
                 </a:solidFill>
               </a:rPr>
               <a:pPr/>
-              <a:t>13/12/2015</a:t>
+              <a:t>14/12/2015</a:t>
             </a:fld>
             <a:endParaRPr lang="fr-FR" dirty="0">
               <a:solidFill>
@@ -2478,7 +2480,7 @@
             <a:fld id="{8632A60A-9CEC-42A4-A6A2-D3ED1B1E10C6}" type="datetime1">
               <a:rPr lang="fr-FR" smtClean="0"/>
               <a:pPr/>
-              <a:t>13/12/2015</a:t>
+              <a:t>14/12/2015</a:t>
             </a:fld>
             <a:endParaRPr lang="fr-FR" dirty="0"/>
           </a:p>
@@ -2758,7 +2760,7 @@
             <a:fld id="{0A5F34F8-A09C-46F9-ACC6-3F1F107EA33F}" type="datetime1">
               <a:rPr lang="fr-FR" smtClean="0"/>
               <a:pPr/>
-              <a:t>13/12/2015</a:t>
+              <a:t>14/12/2015</a:t>
             </a:fld>
             <a:endParaRPr lang="fr-FR" dirty="0"/>
           </a:p>
@@ -3014,7 +3016,7 @@
           <a:p>
             <a:fld id="{8AAA6BFC-FEF1-4AC1-B970-BC568337334B}" type="datetime1">
               <a:rPr lang="fr-FR" smtClean="0"/>
-              <a:t>13/12/2015</a:t>
+              <a:t>14/12/2015</a:t>
             </a:fld>
             <a:endParaRPr lang="fr-FR" dirty="0"/>
           </a:p>
@@ -3388,7 +3390,7 @@
           <a:p>
             <a:fld id="{07382458-984F-4731-94C9-7FCACBCC51D1}" type="datetime1">
               <a:rPr lang="fr-FR" smtClean="0"/>
-              <a:t>13/12/2015</a:t>
+              <a:t>14/12/2015</a:t>
             </a:fld>
             <a:endParaRPr lang="fr-FR" dirty="0"/>
           </a:p>
@@ -3534,7 +3536,7 @@
           <a:p>
             <a:fld id="{4E19B8F4-3FD7-4FC3-A9F8-C983EDF65E99}" type="datetime1">
               <a:rPr lang="fr-FR" smtClean="0"/>
-              <a:t>13/12/2015</a:t>
+              <a:t>14/12/2015</a:t>
             </a:fld>
             <a:endParaRPr lang="fr-FR" dirty="0"/>
           </a:p>
@@ -3726,7 +3728,7 @@
           <a:p>
             <a:fld id="{4E19B8F4-3FD7-4FC3-A9F8-C983EDF65E99}" type="datetime1">
               <a:rPr lang="fr-FR" smtClean="0"/>
-              <a:t>13/12/2015</a:t>
+              <a:t>14/12/2015</a:t>
             </a:fld>
             <a:endParaRPr lang="fr-FR" dirty="0"/>
           </a:p>
@@ -3874,7 +3876,7 @@
           <a:p>
             <a:fld id="{1913509C-35DC-4F20-8185-554E3258A671}" type="datetime1">
               <a:rPr lang="fr-FR" smtClean="0"/>
-              <a:t>13/12/2015</a:t>
+              <a:t>14/12/2015</a:t>
             </a:fld>
             <a:endParaRPr lang="fr-FR" dirty="0"/>
           </a:p>
@@ -4158,7 +4160,7 @@
           <a:p>
             <a:fld id="{D20D6352-2F7C-458E-AEBB-FF81EFE71D94}" type="datetime1">
               <a:rPr lang="fr-FR" smtClean="0"/>
-              <a:t>13/12/2015</a:t>
+              <a:t>14/12/2015</a:t>
             </a:fld>
             <a:endParaRPr lang="fr-FR" dirty="0"/>
           </a:p>
@@ -4374,7 +4376,7 @@
           <a:p>
             <a:fld id="{29B2A686-31B9-4679-9087-1FF3691B4776}" type="datetime1">
               <a:rPr lang="fr-FR" smtClean="0"/>
-              <a:t>13/12/2015</a:t>
+              <a:t>14/12/2015</a:t>
             </a:fld>
             <a:endParaRPr lang="fr-FR" dirty="0"/>
           </a:p>
@@ -5401,94 +5403,6 @@
       </p:grpSpPr>
       <p:sp>
         <p:nvSpPr>
-          <p:cNvPr id="5" name="Titre 4"/>
-          <p:cNvSpPr>
-            <a:spLocks noGrp="1"/>
-          </p:cNvSpPr>
-          <p:nvPr>
-            <p:ph type="title"/>
-          </p:nvPr>
-        </p:nvSpPr>
-        <p:spPr/>
-        <p:txBody>
-          <a:bodyPr/>
-          <a:lstStyle/>
-          <a:p>
-            <a:r>
-              <a:rPr lang="fr-FR" dirty="0" err="1" smtClean="0"/>
-              <a:t>Réutisabilité</a:t>
-            </a:r>
-            <a:r>
-              <a:rPr lang="fr-FR" dirty="0" smtClean="0"/>
-              <a:t> de l’application</a:t>
-            </a:r>
-            <a:endParaRPr lang="fr-FR" dirty="0"/>
-          </a:p>
-        </p:txBody>
-      </p:sp>
-      <p:sp>
-        <p:nvSpPr>
-          <p:cNvPr id="4" name="Espace réservé du numéro de diapositive 3"/>
-          <p:cNvSpPr>
-            <a:spLocks noGrp="1"/>
-          </p:cNvSpPr>
-          <p:nvPr>
-            <p:ph type="sldNum" sz="quarter" idx="12"/>
-          </p:nvPr>
-        </p:nvSpPr>
-        <p:spPr/>
-        <p:txBody>
-          <a:bodyPr/>
-          <a:lstStyle/>
-          <a:p>
-            <a:fld id="{87D9652F-9609-4EC6-8E0A-C96E14B58A2A}" type="slidenum">
-              <a:rPr lang="fr-FR" smtClean="0"/>
-              <a:pPr/>
-              <a:t>10</a:t>
-            </a:fld>
-            <a:endParaRPr lang="fr-FR" dirty="0"/>
-          </a:p>
-        </p:txBody>
-      </p:sp>
-    </p:spTree>
-    <p:extLst>
-      <p:ext uri="{BB962C8B-B14F-4D97-AF65-F5344CB8AC3E}">
-        <p14:creationId xmlns:p14="http://schemas.microsoft.com/office/powerpoint/2010/main" val="2493481457"/>
-      </p:ext>
-    </p:extLst>
-  </p:cSld>
-  <p:clrMapOvr>
-    <a:masterClrMapping/>
-  </p:clrMapOvr>
-  <p:timing>
-    <p:tnLst>
-      <p:par>
-        <p:cTn id="1" dur="indefinite" restart="never" nodeType="tmRoot"/>
-      </p:par>
-    </p:tnLst>
-  </p:timing>
-</p:sld>
-</file>
-
-<file path=ppt/slides/slide11.xml><?xml version="1.0" encoding="utf-8"?>
-<p:sld xmlns:a="http://schemas.openxmlformats.org/drawingml/2006/main" xmlns:r="http://schemas.openxmlformats.org/officeDocument/2006/relationships" xmlns:p="http://schemas.openxmlformats.org/presentationml/2006/main">
-  <p:cSld>
-    <p:spTree>
-      <p:nvGrpSpPr>
-        <p:cNvPr id="1" name=""/>
-        <p:cNvGrpSpPr/>
-        <p:nvPr/>
-      </p:nvGrpSpPr>
-      <p:grpSpPr>
-        <a:xfrm>
-          <a:off x="0" y="0"/>
-          <a:ext cx="0" cy="0"/>
-          <a:chOff x="0" y="0"/>
-          <a:chExt cx="0" cy="0"/>
-        </a:xfrm>
-      </p:grpSpPr>
-      <p:sp>
-        <p:nvSpPr>
           <p:cNvPr id="2" name="Titre 1"/>
           <p:cNvSpPr>
             <a:spLocks noGrp="1"/>
@@ -5537,11 +5451,7 @@
           <a:p>
             <a:r>
               <a:rPr lang="fr-FR" dirty="0" smtClean="0"/>
-              <a:t>Rendre </a:t>
-            </a:r>
-            <a:r>
-              <a:rPr lang="fr-FR" dirty="0" smtClean="0"/>
-              <a:t>les sources compilables</a:t>
+              <a:t>Rendre les sources compilables</a:t>
             </a:r>
           </a:p>
           <a:p>
@@ -5570,7 +5480,7 @@
             <a:fld id="{87D9652F-9609-4EC6-8E0A-C96E14B58A2A}" type="slidenum">
               <a:rPr lang="fr-FR" smtClean="0"/>
               <a:pPr/>
-              <a:t>11</a:t>
+              <a:t>10</a:t>
             </a:fld>
             <a:endParaRPr lang="fr-FR" dirty="0"/>
           </a:p>
@@ -5637,7 +5547,7 @@
 </p:sld>
 </file>
 
-<file path=ppt/slides/slide12.xml><?xml version="1.0" encoding="utf-8"?>
+<file path=ppt/slides/slide11.xml><?xml version="1.0" encoding="utf-8"?>
 <p:sld xmlns:a="http://schemas.openxmlformats.org/drawingml/2006/main" xmlns:r="http://schemas.openxmlformats.org/officeDocument/2006/relationships" xmlns:p="http://schemas.openxmlformats.org/presentationml/2006/main">
   <p:cSld>
     <p:spTree>
@@ -5725,15 +5635,7 @@
           <a:p>
             <a:r>
               <a:rPr lang="fr-FR" b="1" dirty="0" smtClean="0"/>
-              <a:t>Sources </a:t>
-            </a:r>
-            <a:r>
-              <a:rPr lang="fr-FR" b="1" dirty="0" smtClean="0"/>
-              <a:t>fournies ne compilent </a:t>
-            </a:r>
-            <a:r>
-              <a:rPr lang="fr-FR" b="1" dirty="0" smtClean="0"/>
-              <a:t>pas</a:t>
+              <a:t>Sources fournies ne compilent pas</a:t>
             </a:r>
           </a:p>
           <a:p>
@@ -5782,7 +5684,7 @@
             <a:fld id="{87D9652F-9609-4EC6-8E0A-C96E14B58A2A}" type="slidenum">
               <a:rPr lang="fr-FR" smtClean="0"/>
               <a:pPr/>
-              <a:t>12</a:t>
+              <a:t>11</a:t>
             </a:fld>
             <a:endParaRPr lang="fr-FR" dirty="0"/>
           </a:p>
@@ -6040,7 +5942,7 @@
 </p:sld>
 </file>
 
-<file path=ppt/slides/slide13.xml><?xml version="1.0" encoding="utf-8"?>
+<file path=ppt/slides/slide12.xml><?xml version="1.0" encoding="utf-8"?>
 <p:sld xmlns:a="http://schemas.openxmlformats.org/drawingml/2006/main" xmlns:r="http://schemas.openxmlformats.org/officeDocument/2006/relationships" xmlns:p="http://schemas.openxmlformats.org/presentationml/2006/main">
   <p:cSld>
     <p:spTree>
@@ -6098,7 +6000,7 @@
             <a:fld id="{87D9652F-9609-4EC6-8E0A-C96E14B58A2A}" type="slidenum">
               <a:rPr lang="fr-FR" smtClean="0"/>
               <a:pPr/>
-              <a:t>13</a:t>
+              <a:t>12</a:t>
             </a:fld>
             <a:endParaRPr lang="fr-FR" dirty="0"/>
           </a:p>
@@ -6675,7 +6577,7 @@
 </p:sld>
 </file>
 
-<file path=ppt/slides/slide14.xml><?xml version="1.0" encoding="utf-8"?>
+<file path=ppt/slides/slide13.xml><?xml version="1.0" encoding="utf-8"?>
 <p:sld xmlns:a="http://schemas.openxmlformats.org/drawingml/2006/main" xmlns:r="http://schemas.openxmlformats.org/officeDocument/2006/relationships" xmlns:p="http://schemas.openxmlformats.org/presentationml/2006/main">
   <p:cSld>
     <p:spTree>
@@ -6733,7 +6635,7 @@
             <a:fld id="{87D9652F-9609-4EC6-8E0A-C96E14B58A2A}" type="slidenum">
               <a:rPr lang="fr-FR" smtClean="0"/>
               <a:pPr/>
-              <a:t>14</a:t>
+              <a:t>13</a:t>
             </a:fld>
             <a:endParaRPr lang="fr-FR" dirty="0"/>
           </a:p>
@@ -6759,7 +6661,7 @@
 </p:sld>
 </file>
 
-<file path=ppt/slides/slide15.xml><?xml version="1.0" encoding="utf-8"?>
+<file path=ppt/slides/slide14.xml><?xml version="1.0" encoding="utf-8"?>
 <p:sld xmlns:a="http://schemas.openxmlformats.org/drawingml/2006/main" xmlns:r="http://schemas.openxmlformats.org/officeDocument/2006/relationships" xmlns:p="http://schemas.openxmlformats.org/presentationml/2006/main">
   <p:cSld>
     <p:spTree>
@@ -7080,7 +6982,7 @@
             <a:fld id="{87D9652F-9609-4EC6-8E0A-C96E14B58A2A}" type="slidenum">
               <a:rPr lang="fr-FR" smtClean="0"/>
               <a:pPr/>
-              <a:t>15</a:t>
+              <a:t>14</a:t>
             </a:fld>
             <a:endParaRPr lang="fr-FR" dirty="0"/>
           </a:p>
@@ -7106,7 +7008,7 @@
 </p:sld>
 </file>
 
-<file path=ppt/slides/slide16.xml><?xml version="1.0" encoding="utf-8"?>
+<file path=ppt/slides/slide15.xml><?xml version="1.0" encoding="utf-8"?>
 <p:sld xmlns:a="http://schemas.openxmlformats.org/drawingml/2006/main" xmlns:r="http://schemas.openxmlformats.org/officeDocument/2006/relationships" xmlns:p="http://schemas.openxmlformats.org/presentationml/2006/main">
   <p:cSld>
     <p:spTree>
@@ -7123,8 +7025,8 @@
           <a:chExt cx="0" cy="0"/>
         </a:xfrm>
       </p:grpSpPr>
-      <mc:AlternateContent xmlns:mc="http://schemas.openxmlformats.org/markup-compatibility/2006">
-        <mc:Choice xmlns:a14="http://schemas.microsoft.com/office/drawing/2010/main" Requires="a14">
+      <mc:AlternateContent xmlns:mc="http://schemas.openxmlformats.org/markup-compatibility/2006" xmlns:a14="http://schemas.microsoft.com/office/drawing/2010/main">
+        <mc:Choice Requires="a14">
           <p:sp>
             <p:nvSpPr>
               <p:cNvPr id="3" name="Espace réservé du contenu 2"/>
@@ -7250,7 +7152,7 @@
             </p:txBody>
           </p:sp>
         </mc:Choice>
-        <mc:Fallback>
+        <mc:Fallback xmlns="">
           <p:sp>
             <p:nvSpPr>
               <p:cNvPr id="3" name="Espace réservé du contenu 2"/>
@@ -7329,7 +7231,7 @@
             <a:fld id="{87D9652F-9609-4EC6-8E0A-C96E14B58A2A}" type="slidenum">
               <a:rPr lang="fr-FR" smtClean="0"/>
               <a:pPr/>
-              <a:t>16</a:t>
+              <a:t>15</a:t>
             </a:fld>
             <a:endParaRPr lang="fr-FR" dirty="0"/>
           </a:p>
@@ -7598,7 +7500,7 @@
 </p:sld>
 </file>
 
-<file path=ppt/slides/slide17.xml><?xml version="1.0" encoding="utf-8"?>
+<file path=ppt/slides/slide16.xml><?xml version="1.0" encoding="utf-8"?>
 <p:sld xmlns:a="http://schemas.openxmlformats.org/drawingml/2006/main" xmlns:r="http://schemas.openxmlformats.org/officeDocument/2006/relationships" xmlns:p="http://schemas.openxmlformats.org/presentationml/2006/main">
   <p:cSld>
     <p:spTree>
@@ -7723,7 +7625,7 @@
             <a:fld id="{87D9652F-9609-4EC6-8E0A-C96E14B58A2A}" type="slidenum">
               <a:rPr lang="fr-FR" smtClean="0"/>
               <a:pPr/>
-              <a:t>17</a:t>
+              <a:t>16</a:t>
             </a:fld>
             <a:endParaRPr lang="fr-FR" dirty="0"/>
           </a:p>
@@ -7749,7 +7651,7 @@
 </p:sld>
 </file>
 
-<file path=ppt/slides/slide18.xml><?xml version="1.0" encoding="utf-8"?>
+<file path=ppt/slides/slide17.xml><?xml version="1.0" encoding="utf-8"?>
 <p:sld xmlns:a="http://schemas.openxmlformats.org/drawingml/2006/main" xmlns:r="http://schemas.openxmlformats.org/officeDocument/2006/relationships" xmlns:p="http://schemas.openxmlformats.org/presentationml/2006/main">
   <p:cSld>
     <p:spTree>
@@ -7862,7 +7764,7 @@
             <a:fld id="{87D9652F-9609-4EC6-8E0A-C96E14B58A2A}" type="slidenum">
               <a:rPr lang="fr-FR" smtClean="0"/>
               <a:pPr/>
-              <a:t>18</a:t>
+              <a:t>17</a:t>
             </a:fld>
             <a:endParaRPr lang="fr-FR" dirty="0"/>
           </a:p>
@@ -8124,6 +8026,90 @@
 </p:sld>
 </file>
 
+<file path=ppt/slides/slide18.xml><?xml version="1.0" encoding="utf-8"?>
+<p:sld xmlns:a="http://schemas.openxmlformats.org/drawingml/2006/main" xmlns:r="http://schemas.openxmlformats.org/officeDocument/2006/relationships" xmlns:p="http://schemas.openxmlformats.org/presentationml/2006/main">
+  <p:cSld>
+    <p:spTree>
+      <p:nvGrpSpPr>
+        <p:cNvPr id="1" name=""/>
+        <p:cNvGrpSpPr/>
+        <p:nvPr/>
+      </p:nvGrpSpPr>
+      <p:grpSpPr>
+        <a:xfrm>
+          <a:off x="0" y="0"/>
+          <a:ext cx="0" cy="0"/>
+          <a:chOff x="0" y="0"/>
+          <a:chExt cx="0" cy="0"/>
+        </a:xfrm>
+      </p:grpSpPr>
+      <p:sp>
+        <p:nvSpPr>
+          <p:cNvPr id="5" name="Titre 4"/>
+          <p:cNvSpPr>
+            <a:spLocks noGrp="1"/>
+          </p:cNvSpPr>
+          <p:nvPr>
+            <p:ph type="title"/>
+          </p:nvPr>
+        </p:nvSpPr>
+        <p:spPr/>
+        <p:txBody>
+          <a:bodyPr/>
+          <a:lstStyle/>
+          <a:p>
+            <a:r>
+              <a:rPr lang="fr-FR" dirty="0" smtClean="0"/>
+              <a:t>Administration du serveur</a:t>
+            </a:r>
+            <a:endParaRPr lang="fr-FR" dirty="0"/>
+          </a:p>
+        </p:txBody>
+      </p:sp>
+      <p:sp>
+        <p:nvSpPr>
+          <p:cNvPr id="4" name="Espace réservé du numéro de diapositive 3"/>
+          <p:cNvSpPr>
+            <a:spLocks noGrp="1"/>
+          </p:cNvSpPr>
+          <p:nvPr>
+            <p:ph type="sldNum" sz="quarter" idx="12"/>
+          </p:nvPr>
+        </p:nvSpPr>
+        <p:spPr/>
+        <p:txBody>
+          <a:bodyPr/>
+          <a:lstStyle/>
+          <a:p>
+            <a:fld id="{87D9652F-9609-4EC6-8E0A-C96E14B58A2A}" type="slidenum">
+              <a:rPr lang="fr-FR" smtClean="0"/>
+              <a:pPr/>
+              <a:t>18</a:t>
+            </a:fld>
+            <a:endParaRPr lang="fr-FR" dirty="0"/>
+          </a:p>
+        </p:txBody>
+      </p:sp>
+    </p:spTree>
+    <p:extLst>
+      <p:ext uri="{BB962C8B-B14F-4D97-AF65-F5344CB8AC3E}">
+        <p14:creationId xmlns:p14="http://schemas.microsoft.com/office/powerpoint/2010/main" val="412949011"/>
+      </p:ext>
+    </p:extLst>
+  </p:cSld>
+  <p:clrMapOvr>
+    <a:masterClrMapping/>
+  </p:clrMapOvr>
+  <p:timing>
+    <p:tnLst>
+      <p:par>
+        <p:cTn id="1" dur="indefinite" restart="never" nodeType="tmRoot"/>
+      </p:par>
+    </p:tnLst>
+  </p:timing>
+</p:sld>
+</file>
+
 <file path=ppt/slides/slide19.xml><?xml version="1.0" encoding="utf-8"?>
 <p:sld xmlns:a="http://schemas.openxmlformats.org/drawingml/2006/main" xmlns:r="http://schemas.openxmlformats.org/officeDocument/2006/relationships" xmlns:p="http://schemas.openxmlformats.org/presentationml/2006/main">
   <p:cSld>
@@ -8143,7 +8129,7 @@
       </p:grpSpPr>
       <p:sp>
         <p:nvSpPr>
-          <p:cNvPr id="5" name="Titre 4"/>
+          <p:cNvPr id="2" name="Titre 1"/>
           <p:cNvSpPr>
             <a:spLocks noGrp="1"/>
           </p:cNvSpPr>
@@ -8153,14 +8139,116 @@
         </p:nvSpPr>
         <p:spPr/>
         <p:txBody>
-          <a:bodyPr/>
-          <a:lstStyle/>
-          <a:p>
+          <a:bodyPr>
+            <a:noAutofit/>
+          </a:bodyPr>
+          <a:lstStyle/>
+          <a:p>
+            <a:r>
+              <a:rPr lang="en-US" sz="3200" dirty="0" err="1" smtClean="0"/>
+              <a:t>Organisation</a:t>
+            </a:r>
+            <a:r>
+              <a:rPr lang="en-US" sz="3200" dirty="0" smtClean="0"/>
+              <a:t> des </a:t>
+            </a:r>
+            <a:r>
+              <a:rPr lang="en-US" sz="3200" dirty="0" err="1" smtClean="0"/>
+              <a:t>répertoires</a:t>
+            </a:r>
+            <a:r>
+              <a:rPr lang="en-US" sz="3200" dirty="0" smtClean="0"/>
+              <a:t>/</a:t>
+            </a:r>
+            <a:r>
+              <a:rPr lang="en-US" sz="3200" dirty="0" err="1" smtClean="0"/>
+              <a:t>fichiers</a:t>
+            </a:r>
+            <a:r>
+              <a:rPr lang="en-US" sz="3200" dirty="0" smtClean="0"/>
+              <a:t> </a:t>
+            </a:r>
+            <a:r>
+              <a:rPr lang="en-US" sz="3200" dirty="0" err="1" smtClean="0"/>
+              <a:t>anarchiques</a:t>
+            </a:r>
+            <a:endParaRPr lang="en-US" sz="3200" dirty="0"/>
+          </a:p>
+        </p:txBody>
+      </p:sp>
+      <p:sp>
+        <p:nvSpPr>
+          <p:cNvPr id="3" name="Espace réservé du contenu 2"/>
+          <p:cNvSpPr>
+            <a:spLocks noGrp="1"/>
+          </p:cNvSpPr>
+          <p:nvPr>
+            <p:ph idx="1"/>
+          </p:nvPr>
+        </p:nvSpPr>
+        <p:spPr>
+          <a:xfrm>
+            <a:off x="247650" y="1771651"/>
+            <a:ext cx="8648700" cy="2400299"/>
+          </a:xfrm>
+          <a:noFill/>
+        </p:spPr>
+        <p:txBody>
+          <a:bodyPr>
+            <a:normAutofit/>
+          </a:bodyPr>
+          <a:lstStyle/>
+          <a:p>
+            <a:pPr lvl="1"/>
             <a:r>
               <a:rPr lang="fr-FR" dirty="0" smtClean="0"/>
-              <a:t>Administration du serveur</a:t>
-            </a:r>
-            <a:endParaRPr lang="fr-FR" dirty="0"/>
+              <a:t>Asymétrie entre les versions de </a:t>
+            </a:r>
+            <a:r>
+              <a:rPr lang="fr-FR" dirty="0" err="1" smtClean="0"/>
+              <a:t>dev</a:t>
+            </a:r>
+            <a:r>
+              <a:rPr lang="fr-FR" dirty="0" smtClean="0"/>
+              <a:t> et de </a:t>
+            </a:r>
+            <a:r>
+              <a:rPr lang="fr-FR" dirty="0" err="1" smtClean="0"/>
+              <a:t>prod</a:t>
+            </a:r>
+            <a:endParaRPr lang="fr-FR" dirty="0" smtClean="0"/>
+          </a:p>
+          <a:p>
+            <a:pPr lvl="1"/>
+            <a:r>
+              <a:rPr lang="fr-FR" dirty="0" smtClean="0"/>
+              <a:t>Présence d’une multitude de reliquats</a:t>
+            </a:r>
+          </a:p>
+          <a:p>
+            <a:pPr lvl="1"/>
+            <a:r>
+              <a:rPr lang="fr-FR" dirty="0" smtClean="0"/>
+              <a:t>Structure/nom/rôle des répertoires parfois obscurs</a:t>
+            </a:r>
+          </a:p>
+          <a:p>
+            <a:pPr lvl="1"/>
+            <a:r>
+              <a:rPr lang="fr-FR" dirty="0" smtClean="0"/>
+              <a:t>Dépendance avec les fichiers de configuration non/mal identifiée</a:t>
+            </a:r>
+          </a:p>
+          <a:p>
+            <a:pPr lvl="1"/>
+            <a:r>
+              <a:rPr lang="fr-FR" dirty="0" smtClean="0"/>
+              <a:t>Fichiers générés à de multiples endroits</a:t>
+            </a:r>
+          </a:p>
+          <a:p>
+            <a:pPr lvl="1"/>
+            <a:endParaRPr lang="fr-FR" dirty="0" smtClean="0"/>
           </a:p>
         </p:txBody>
       </p:sp>
@@ -8188,10 +8276,51 @@
           </a:p>
         </p:txBody>
       </p:sp>
+      <p:pic>
+        <p:nvPicPr>
+          <p:cNvPr id="14340" name="Picture 4" descr="Afficher l'image d'origine"/>
+          <p:cNvPicPr>
+            <a:picLocks noChangeAspect="1" noChangeArrowheads="1"/>
+          </p:cNvPicPr>
+          <p:nvPr/>
+        </p:nvPicPr>
+        <p:blipFill>
+          <a:blip r:embed="rId2">
+            <a:extLst>
+              <a:ext uri="{28A0092B-C50C-407E-A947-70E740481C1C}">
+                <a14:useLocalDpi xmlns:a14="http://schemas.microsoft.com/office/drawing/2010/main" val="0"/>
+              </a:ext>
+            </a:extLst>
+          </a:blip>
+          <a:srcRect/>
+          <a:stretch>
+            <a:fillRect/>
+          </a:stretch>
+        </p:blipFill>
+        <p:spPr bwMode="auto">
+          <a:xfrm>
+            <a:off x="3381375" y="4340226"/>
+            <a:ext cx="2381250" cy="2381250"/>
+          </a:xfrm>
+          <a:prstGeom prst="rect">
+            <a:avLst/>
+          </a:prstGeom>
+          <a:noFill/>
+          <a:extLst>
+            <a:ext uri="{909E8E84-426E-40DD-AFC4-6F175D3DCCD1}">
+              <a14:hiddenFill xmlns:a14="http://schemas.microsoft.com/office/drawing/2010/main">
+                <a:solidFill>
+                  <a:srgbClr val="FFFFFF"/>
+                </a:solidFill>
+              </a14:hiddenFill>
+            </a:ext>
+          </a:extLst>
+        </p:spPr>
+      </p:pic>
     </p:spTree>
     <p:extLst>
       <p:ext uri="{BB962C8B-B14F-4D97-AF65-F5344CB8AC3E}">
-        <p14:creationId xmlns:p14="http://schemas.microsoft.com/office/powerpoint/2010/main" val="412949011"/>
+        <p14:creationId xmlns:p14="http://schemas.microsoft.com/office/powerpoint/2010/main" val="3566530558"/>
       </p:ext>
     </p:extLst>
   </p:cSld>
@@ -8488,237 +8617,6 @@
           <a:chExt cx="0" cy="0"/>
         </a:xfrm>
       </p:grpSpPr>
-      <p:sp>
-        <p:nvSpPr>
-          <p:cNvPr id="2" name="Titre 1"/>
-          <p:cNvSpPr>
-            <a:spLocks noGrp="1"/>
-          </p:cNvSpPr>
-          <p:nvPr>
-            <p:ph type="title"/>
-          </p:nvPr>
-        </p:nvSpPr>
-        <p:spPr/>
-        <p:txBody>
-          <a:bodyPr>
-            <a:noAutofit/>
-          </a:bodyPr>
-          <a:lstStyle/>
-          <a:p>
-            <a:r>
-              <a:rPr lang="en-US" sz="3200" dirty="0" err="1" smtClean="0"/>
-              <a:t>Organisation</a:t>
-            </a:r>
-            <a:r>
-              <a:rPr lang="en-US" sz="3200" dirty="0" smtClean="0"/>
-              <a:t> des </a:t>
-            </a:r>
-            <a:r>
-              <a:rPr lang="en-US" sz="3200" dirty="0" err="1" smtClean="0"/>
-              <a:t>répertoires</a:t>
-            </a:r>
-            <a:r>
-              <a:rPr lang="en-US" sz="3200" dirty="0" smtClean="0"/>
-              <a:t>/</a:t>
-            </a:r>
-            <a:r>
-              <a:rPr lang="en-US" sz="3200" dirty="0" err="1" smtClean="0"/>
-              <a:t>fichiers</a:t>
-            </a:r>
-            <a:r>
-              <a:rPr lang="en-US" sz="3200" dirty="0" smtClean="0"/>
-              <a:t> </a:t>
-            </a:r>
-            <a:r>
-              <a:rPr lang="en-US" sz="3200" dirty="0" err="1" smtClean="0"/>
-              <a:t>anarchiques</a:t>
-            </a:r>
-            <a:endParaRPr lang="en-US" sz="3200" dirty="0"/>
-          </a:p>
-        </p:txBody>
-      </p:sp>
-      <p:sp>
-        <p:nvSpPr>
-          <p:cNvPr id="3" name="Espace réservé du contenu 2"/>
-          <p:cNvSpPr>
-            <a:spLocks noGrp="1"/>
-          </p:cNvSpPr>
-          <p:nvPr>
-            <p:ph idx="1"/>
-          </p:nvPr>
-        </p:nvSpPr>
-        <p:spPr>
-          <a:xfrm>
-            <a:off x="247650" y="1771651"/>
-            <a:ext cx="8648700" cy="2400299"/>
-          </a:xfrm>
-          <a:noFill/>
-        </p:spPr>
-        <p:txBody>
-          <a:bodyPr>
-            <a:normAutofit/>
-          </a:bodyPr>
-          <a:lstStyle/>
-          <a:p>
-            <a:pPr lvl="1"/>
-            <a:r>
-              <a:rPr lang="fr-FR" dirty="0" smtClean="0"/>
-              <a:t>Asymétrie </a:t>
-            </a:r>
-            <a:r>
-              <a:rPr lang="fr-FR" dirty="0" smtClean="0"/>
-              <a:t>entre les versions de </a:t>
-            </a:r>
-            <a:r>
-              <a:rPr lang="fr-FR" dirty="0" err="1" smtClean="0"/>
-              <a:t>dev</a:t>
-            </a:r>
-            <a:r>
-              <a:rPr lang="fr-FR" dirty="0" smtClean="0"/>
-              <a:t> et de </a:t>
-            </a:r>
-            <a:r>
-              <a:rPr lang="fr-FR" dirty="0" err="1" smtClean="0"/>
-              <a:t>prod</a:t>
-            </a:r>
-            <a:endParaRPr lang="fr-FR" dirty="0" smtClean="0"/>
-          </a:p>
-          <a:p>
-            <a:pPr lvl="1"/>
-            <a:r>
-              <a:rPr lang="fr-FR" dirty="0" smtClean="0"/>
-              <a:t>Présence d’une multitude de reliquats</a:t>
-            </a:r>
-          </a:p>
-          <a:p>
-            <a:pPr lvl="1"/>
-            <a:r>
-              <a:rPr lang="fr-FR" dirty="0" smtClean="0"/>
-              <a:t>Structure/nom/rôle des répertoires parfois obscurs</a:t>
-            </a:r>
-          </a:p>
-          <a:p>
-            <a:pPr lvl="1"/>
-            <a:r>
-              <a:rPr lang="fr-FR" dirty="0" smtClean="0"/>
-              <a:t>Dépendance avec les fichiers de configuration non/mal identifiée</a:t>
-            </a:r>
-          </a:p>
-          <a:p>
-            <a:pPr lvl="1"/>
-            <a:r>
-              <a:rPr lang="fr-FR" dirty="0" smtClean="0"/>
-              <a:t>Fichiers générés à de multiples endroits</a:t>
-            </a:r>
-          </a:p>
-          <a:p>
-            <a:pPr lvl="1"/>
-            <a:endParaRPr lang="fr-FR" dirty="0" smtClean="0"/>
-          </a:p>
-        </p:txBody>
-      </p:sp>
-      <p:sp>
-        <p:nvSpPr>
-          <p:cNvPr id="4" name="Espace réservé du numéro de diapositive 3"/>
-          <p:cNvSpPr>
-            <a:spLocks noGrp="1"/>
-          </p:cNvSpPr>
-          <p:nvPr>
-            <p:ph type="sldNum" sz="quarter" idx="12"/>
-          </p:nvPr>
-        </p:nvSpPr>
-        <p:spPr/>
-        <p:txBody>
-          <a:bodyPr/>
-          <a:lstStyle/>
-          <a:p>
-            <a:fld id="{87D9652F-9609-4EC6-8E0A-C96E14B58A2A}" type="slidenum">
-              <a:rPr lang="fr-FR" smtClean="0"/>
-              <a:pPr/>
-              <a:t>20</a:t>
-            </a:fld>
-            <a:endParaRPr lang="fr-FR" dirty="0"/>
-          </a:p>
-        </p:txBody>
-      </p:sp>
-      <p:pic>
-        <p:nvPicPr>
-          <p:cNvPr id="14340" name="Picture 4" descr="Afficher l'image d'origine"/>
-          <p:cNvPicPr>
-            <a:picLocks noChangeAspect="1" noChangeArrowheads="1"/>
-          </p:cNvPicPr>
-          <p:nvPr/>
-        </p:nvPicPr>
-        <p:blipFill>
-          <a:blip r:embed="rId2">
-            <a:extLst>
-              <a:ext uri="{28A0092B-C50C-407E-A947-70E740481C1C}">
-                <a14:useLocalDpi xmlns:a14="http://schemas.microsoft.com/office/drawing/2010/main" val="0"/>
-              </a:ext>
-            </a:extLst>
-          </a:blip>
-          <a:srcRect/>
-          <a:stretch>
-            <a:fillRect/>
-          </a:stretch>
-        </p:blipFill>
-        <p:spPr bwMode="auto">
-          <a:xfrm>
-            <a:off x="3381375" y="4340226"/>
-            <a:ext cx="2381250" cy="2381250"/>
-          </a:xfrm>
-          <a:prstGeom prst="rect">
-            <a:avLst/>
-          </a:prstGeom>
-          <a:noFill/>
-          <a:extLst>
-            <a:ext uri="{909E8E84-426E-40DD-AFC4-6F175D3DCCD1}">
-              <a14:hiddenFill xmlns:a14="http://schemas.microsoft.com/office/drawing/2010/main">
-                <a:solidFill>
-                  <a:srgbClr val="FFFFFF"/>
-                </a:solidFill>
-              </a14:hiddenFill>
-            </a:ext>
-          </a:extLst>
-        </p:spPr>
-      </p:pic>
-    </p:spTree>
-    <p:extLst>
-      <p:ext uri="{BB962C8B-B14F-4D97-AF65-F5344CB8AC3E}">
-        <p14:creationId xmlns:p14="http://schemas.microsoft.com/office/powerpoint/2010/main" val="3566530558"/>
-      </p:ext>
-    </p:extLst>
-  </p:cSld>
-  <p:clrMapOvr>
-    <a:masterClrMapping/>
-  </p:clrMapOvr>
-  <p:timing>
-    <p:tnLst>
-      <p:par>
-        <p:cTn id="1" dur="indefinite" restart="never" nodeType="tmRoot"/>
-      </p:par>
-    </p:tnLst>
-  </p:timing>
-</p:sld>
-</file>
-
-<file path=ppt/slides/slide21.xml><?xml version="1.0" encoding="utf-8"?>
-<p:sld xmlns:a="http://schemas.openxmlformats.org/drawingml/2006/main" xmlns:r="http://schemas.openxmlformats.org/officeDocument/2006/relationships" xmlns:p="http://schemas.openxmlformats.org/presentationml/2006/main">
-  <p:cSld>
-    <p:spTree>
-      <p:nvGrpSpPr>
-        <p:cNvPr id="1" name=""/>
-        <p:cNvGrpSpPr/>
-        <p:nvPr/>
-      </p:nvGrpSpPr>
-      <p:grpSpPr>
-        <a:xfrm>
-          <a:off x="0" y="0"/>
-          <a:ext cx="0" cy="0"/>
-          <a:chOff x="0" y="0"/>
-          <a:chExt cx="0" cy="0"/>
-        </a:xfrm>
-      </p:grpSpPr>
       <p:pic>
         <p:nvPicPr>
           <p:cNvPr id="13314" name="Picture 2" descr="Afficher l'image d'origine"/>
@@ -8872,7 +8770,7 @@
             <a:fld id="{87D9652F-9609-4EC6-8E0A-C96E14B58A2A}" type="slidenum">
               <a:rPr lang="fr-FR" smtClean="0"/>
               <a:pPr/>
-              <a:t>21</a:t>
+              <a:t>20</a:t>
             </a:fld>
             <a:endParaRPr lang="fr-FR" dirty="0"/>
           </a:p>
@@ -8882,6 +8780,90 @@
     <p:extLst>
       <p:ext uri="{BB962C8B-B14F-4D97-AF65-F5344CB8AC3E}">
         <p14:creationId xmlns:p14="http://schemas.microsoft.com/office/powerpoint/2010/main" val="156098491"/>
+      </p:ext>
+    </p:extLst>
+  </p:cSld>
+  <p:clrMapOvr>
+    <a:masterClrMapping/>
+  </p:clrMapOvr>
+  <p:timing>
+    <p:tnLst>
+      <p:par>
+        <p:cTn id="1" dur="indefinite" restart="never" nodeType="tmRoot"/>
+      </p:par>
+    </p:tnLst>
+  </p:timing>
+</p:sld>
+</file>
+
+<file path=ppt/slides/slide21.xml><?xml version="1.0" encoding="utf-8"?>
+<p:sld xmlns:a="http://schemas.openxmlformats.org/drawingml/2006/main" xmlns:r="http://schemas.openxmlformats.org/officeDocument/2006/relationships" xmlns:p="http://schemas.openxmlformats.org/presentationml/2006/main">
+  <p:cSld>
+    <p:spTree>
+      <p:nvGrpSpPr>
+        <p:cNvPr id="1" name=""/>
+        <p:cNvGrpSpPr/>
+        <p:nvPr/>
+      </p:nvGrpSpPr>
+      <p:grpSpPr>
+        <a:xfrm>
+          <a:off x="0" y="0"/>
+          <a:ext cx="0" cy="0"/>
+          <a:chOff x="0" y="0"/>
+          <a:chExt cx="0" cy="0"/>
+        </a:xfrm>
+      </p:grpSpPr>
+      <p:sp>
+        <p:nvSpPr>
+          <p:cNvPr id="5" name="Titre 4"/>
+          <p:cNvSpPr>
+            <a:spLocks noGrp="1"/>
+          </p:cNvSpPr>
+          <p:nvPr>
+            <p:ph type="title"/>
+          </p:nvPr>
+        </p:nvSpPr>
+        <p:spPr/>
+        <p:txBody>
+          <a:bodyPr/>
+          <a:lstStyle/>
+          <a:p>
+            <a:r>
+              <a:rPr lang="fr-FR" dirty="0" smtClean="0"/>
+              <a:t>Actions</a:t>
+            </a:r>
+            <a:endParaRPr lang="fr-FR" dirty="0"/>
+          </a:p>
+        </p:txBody>
+      </p:sp>
+      <p:sp>
+        <p:nvSpPr>
+          <p:cNvPr id="4" name="Espace réservé du numéro de diapositive 3"/>
+          <p:cNvSpPr>
+            <a:spLocks noGrp="1"/>
+          </p:cNvSpPr>
+          <p:nvPr>
+            <p:ph type="sldNum" sz="quarter" idx="12"/>
+          </p:nvPr>
+        </p:nvSpPr>
+        <p:spPr/>
+        <p:txBody>
+          <a:bodyPr/>
+          <a:lstStyle/>
+          <a:p>
+            <a:fld id="{87D9652F-9609-4EC6-8E0A-C96E14B58A2A}" type="slidenum">
+              <a:rPr lang="fr-FR" smtClean="0"/>
+              <a:pPr/>
+              <a:t>21</a:t>
+            </a:fld>
+            <a:endParaRPr lang="fr-FR" dirty="0"/>
+          </a:p>
+        </p:txBody>
+      </p:sp>
+    </p:spTree>
+    <p:extLst>
+      <p:ext uri="{BB962C8B-B14F-4D97-AF65-F5344CB8AC3E}">
+        <p14:creationId xmlns:p14="http://schemas.microsoft.com/office/powerpoint/2010/main" val="1943541674"/>
       </p:ext>
     </p:extLst>
   </p:cSld>
@@ -8917,90 +8899,6 @@
       </p:grpSpPr>
       <p:sp>
         <p:nvSpPr>
-          <p:cNvPr id="5" name="Titre 4"/>
-          <p:cNvSpPr>
-            <a:spLocks noGrp="1"/>
-          </p:cNvSpPr>
-          <p:nvPr>
-            <p:ph type="title"/>
-          </p:nvPr>
-        </p:nvSpPr>
-        <p:spPr/>
-        <p:txBody>
-          <a:bodyPr/>
-          <a:lstStyle/>
-          <a:p>
-            <a:r>
-              <a:rPr lang="fr-FR" dirty="0" smtClean="0"/>
-              <a:t>Actions</a:t>
-            </a:r>
-            <a:endParaRPr lang="fr-FR" dirty="0"/>
-          </a:p>
-        </p:txBody>
-      </p:sp>
-      <p:sp>
-        <p:nvSpPr>
-          <p:cNvPr id="4" name="Espace réservé du numéro de diapositive 3"/>
-          <p:cNvSpPr>
-            <a:spLocks noGrp="1"/>
-          </p:cNvSpPr>
-          <p:nvPr>
-            <p:ph type="sldNum" sz="quarter" idx="12"/>
-          </p:nvPr>
-        </p:nvSpPr>
-        <p:spPr/>
-        <p:txBody>
-          <a:bodyPr/>
-          <a:lstStyle/>
-          <a:p>
-            <a:fld id="{87D9652F-9609-4EC6-8E0A-C96E14B58A2A}" type="slidenum">
-              <a:rPr lang="fr-FR" smtClean="0"/>
-              <a:pPr/>
-              <a:t>22</a:t>
-            </a:fld>
-            <a:endParaRPr lang="fr-FR" dirty="0"/>
-          </a:p>
-        </p:txBody>
-      </p:sp>
-    </p:spTree>
-    <p:extLst>
-      <p:ext uri="{BB962C8B-B14F-4D97-AF65-F5344CB8AC3E}">
-        <p14:creationId xmlns:p14="http://schemas.microsoft.com/office/powerpoint/2010/main" val="1943541674"/>
-      </p:ext>
-    </p:extLst>
-  </p:cSld>
-  <p:clrMapOvr>
-    <a:masterClrMapping/>
-  </p:clrMapOvr>
-  <p:timing>
-    <p:tnLst>
-      <p:par>
-        <p:cTn id="1" dur="indefinite" restart="never" nodeType="tmRoot"/>
-      </p:par>
-    </p:tnLst>
-  </p:timing>
-</p:sld>
-</file>
-
-<file path=ppt/slides/slide23.xml><?xml version="1.0" encoding="utf-8"?>
-<p:sld xmlns:a="http://schemas.openxmlformats.org/drawingml/2006/main" xmlns:r="http://schemas.openxmlformats.org/officeDocument/2006/relationships" xmlns:p="http://schemas.openxmlformats.org/presentationml/2006/main">
-  <p:cSld>
-    <p:spTree>
-      <p:nvGrpSpPr>
-        <p:cNvPr id="1" name=""/>
-        <p:cNvGrpSpPr/>
-        <p:nvPr/>
-      </p:nvGrpSpPr>
-      <p:grpSpPr>
-        <a:xfrm>
-          <a:off x="0" y="0"/>
-          <a:ext cx="0" cy="0"/>
-          <a:chOff x="0" y="0"/>
-          <a:chExt cx="0" cy="0"/>
-        </a:xfrm>
-      </p:grpSpPr>
-      <p:sp>
-        <p:nvSpPr>
           <p:cNvPr id="3" name="Espace réservé du contenu 2"/>
           <p:cNvSpPr>
             <a:spLocks noGrp="1"/>
@@ -9161,7 +9059,7 @@
             <a:fld id="{87D9652F-9609-4EC6-8E0A-C96E14B58A2A}" type="slidenum">
               <a:rPr lang="fr-FR" smtClean="0"/>
               <a:pPr/>
-              <a:t>23</a:t>
+              <a:t>22</a:t>
             </a:fld>
             <a:endParaRPr lang="fr-FR" dirty="0"/>
           </a:p>
@@ -9453,7 +9351,7 @@
 </p:sld>
 </file>
 
-<file path=ppt/slides/slide24.xml><?xml version="1.0" encoding="utf-8"?>
+<file path=ppt/slides/slide23.xml><?xml version="1.0" encoding="utf-8"?>
 <p:sld xmlns:a="http://schemas.openxmlformats.org/drawingml/2006/main" xmlns:r="http://schemas.openxmlformats.org/officeDocument/2006/relationships" xmlns:p="http://schemas.openxmlformats.org/presentationml/2006/main">
   <p:cSld>
     <p:spTree>
@@ -9575,7 +9473,7 @@
             <a:fld id="{87D9652F-9609-4EC6-8E0A-C96E14B58A2A}" type="slidenum">
               <a:rPr lang="fr-FR" smtClean="0"/>
               <a:pPr/>
-              <a:t>24</a:t>
+              <a:t>23</a:t>
             </a:fld>
             <a:endParaRPr lang="fr-FR" dirty="0"/>
           </a:p>
@@ -9854,7 +9752,7 @@
 </p:sld>
 </file>
 
-<file path=ppt/slides/slide25.xml><?xml version="1.0" encoding="utf-8"?>
+<file path=ppt/slides/slide24.xml><?xml version="1.0" encoding="utf-8"?>
 <p:sld xmlns:a="http://schemas.openxmlformats.org/drawingml/2006/main" xmlns:r="http://schemas.openxmlformats.org/officeDocument/2006/relationships" xmlns:p="http://schemas.openxmlformats.org/presentationml/2006/main">
   <p:cSld>
     <p:spTree>
@@ -9912,7 +9810,7 @@
             <a:fld id="{87D9652F-9609-4EC6-8E0A-C96E14B58A2A}" type="slidenum">
               <a:rPr lang="fr-FR" smtClean="0"/>
               <a:pPr/>
-              <a:t>25</a:t>
+              <a:t>24</a:t>
             </a:fld>
             <a:endParaRPr lang="fr-FR" dirty="0"/>
           </a:p>
@@ -9938,7 +9836,7 @@
 </p:sld>
 </file>
 
-<file path=ppt/slides/slide26.xml><?xml version="1.0" encoding="utf-8"?>
+<file path=ppt/slides/slide25.xml><?xml version="1.0" encoding="utf-8"?>
 <p:sld xmlns:a="http://schemas.openxmlformats.org/drawingml/2006/main" xmlns:r="http://schemas.openxmlformats.org/officeDocument/2006/relationships" xmlns:p="http://schemas.openxmlformats.org/presentationml/2006/main">
   <p:cSld>
     <p:spTree>
@@ -9998,7 +9896,7 @@
             <a:fld id="{87D9652F-9609-4EC6-8E0A-C96E14B58A2A}" type="slidenum">
               <a:rPr lang="fr-FR" smtClean="0"/>
               <a:pPr/>
-              <a:t>26</a:t>
+              <a:t>25</a:t>
             </a:fld>
             <a:endParaRPr lang="fr-FR" dirty="0"/>
           </a:p>
@@ -10228,6 +10126,159 @@
 </p:sld>
 </file>
 
+<file path=ppt/slides/slide26.xml><?xml version="1.0" encoding="utf-8"?>
+<p:sld xmlns:a="http://schemas.openxmlformats.org/drawingml/2006/main" xmlns:r="http://schemas.openxmlformats.org/officeDocument/2006/relationships" xmlns:p="http://schemas.openxmlformats.org/presentationml/2006/main">
+  <p:cSld>
+    <p:spTree>
+      <p:nvGrpSpPr>
+        <p:cNvPr id="1" name=""/>
+        <p:cNvGrpSpPr/>
+        <p:nvPr/>
+      </p:nvGrpSpPr>
+      <p:grpSpPr>
+        <a:xfrm>
+          <a:off x="0" y="0"/>
+          <a:ext cx="0" cy="0"/>
+          <a:chOff x="0" y="0"/>
+          <a:chExt cx="0" cy="0"/>
+        </a:xfrm>
+      </p:grpSpPr>
+      <p:sp>
+        <p:nvSpPr>
+          <p:cNvPr id="2" name="Titre 1"/>
+          <p:cNvSpPr>
+            <a:spLocks noGrp="1"/>
+          </p:cNvSpPr>
+          <p:nvPr>
+            <p:ph type="title"/>
+          </p:nvPr>
+        </p:nvSpPr>
+        <p:spPr/>
+        <p:txBody>
+          <a:bodyPr/>
+          <a:lstStyle/>
+          <a:p>
+            <a:r>
+              <a:rPr lang="fr-FR" dirty="0" smtClean="0"/>
+              <a:t>Informations de départ</a:t>
+            </a:r>
+            <a:endParaRPr lang="en-US" dirty="0"/>
+          </a:p>
+        </p:txBody>
+      </p:sp>
+      <p:sp>
+        <p:nvSpPr>
+          <p:cNvPr id="3" name="Espace réservé du contenu 2"/>
+          <p:cNvSpPr>
+            <a:spLocks noGrp="1"/>
+          </p:cNvSpPr>
+          <p:nvPr>
+            <p:ph idx="1"/>
+          </p:nvPr>
+        </p:nvSpPr>
+        <p:spPr/>
+        <p:txBody>
+          <a:bodyPr>
+            <a:normAutofit fontScale="92500" lnSpcReduction="10000"/>
+          </a:bodyPr>
+          <a:lstStyle/>
+          <a:p>
+            <a:r>
+              <a:rPr lang="fr-FR" dirty="0" smtClean="0"/>
+              <a:t>Ruptures allant de plusieurs minutes à plusieurs jours</a:t>
+            </a:r>
+          </a:p>
+          <a:p>
+            <a:r>
+              <a:rPr lang="fr-FR" dirty="0" smtClean="0"/>
+              <a:t>Certains flux sont parfois épargnés</a:t>
+            </a:r>
+          </a:p>
+          <a:p>
+            <a:r>
+              <a:rPr lang="fr-FR" dirty="0" smtClean="0"/>
+              <a:t>Observation faite à partir des dates de récupération</a:t>
+            </a:r>
+          </a:p>
+          <a:p>
+            <a:r>
+              <a:rPr lang="fr-FR" dirty="0" smtClean="0"/>
+              <a:t>Visible après extraction et avec les graphes de l’application web</a:t>
+            </a:r>
+          </a:p>
+          <a:p>
+            <a:r>
+              <a:rPr lang="fr-FR" dirty="0" smtClean="0"/>
+              <a:t>Script </a:t>
+            </a:r>
+            <a:r>
+              <a:rPr lang="fr-FR" dirty="0" err="1" smtClean="0"/>
+              <a:t>Huma-num</a:t>
+            </a:r>
+            <a:r>
+              <a:rPr lang="fr-FR" dirty="0" smtClean="0"/>
+              <a:t> permet de détecter coupures en évaluant la date du dernier item</a:t>
+            </a:r>
+          </a:p>
+          <a:p>
+            <a:r>
+              <a:rPr lang="fr-FR" dirty="0" smtClean="0"/>
+              <a:t>Si deux applications sont actives, les coupures ne surviennent pas de manière concomitantes</a:t>
+            </a:r>
+          </a:p>
+          <a:p>
+            <a:r>
+              <a:rPr lang="fr-FR" dirty="0" smtClean="0"/>
+              <a:t>Ne semble pas relié à un évènement externe particulier</a:t>
+            </a:r>
+            <a:endParaRPr lang="en-US" dirty="0"/>
+          </a:p>
+        </p:txBody>
+      </p:sp>
+      <p:sp>
+        <p:nvSpPr>
+          <p:cNvPr id="4" name="Espace réservé du numéro de diapositive 3"/>
+          <p:cNvSpPr>
+            <a:spLocks noGrp="1"/>
+          </p:cNvSpPr>
+          <p:nvPr>
+            <p:ph type="sldNum" sz="quarter" idx="12"/>
+          </p:nvPr>
+        </p:nvSpPr>
+        <p:spPr/>
+        <p:txBody>
+          <a:bodyPr/>
+          <a:lstStyle/>
+          <a:p>
+            <a:fld id="{87D9652F-9609-4EC6-8E0A-C96E14B58A2A}" type="slidenum">
+              <a:rPr lang="fr-FR" smtClean="0"/>
+              <a:pPr/>
+              <a:t>26</a:t>
+            </a:fld>
+            <a:endParaRPr lang="fr-FR" dirty="0"/>
+          </a:p>
+        </p:txBody>
+      </p:sp>
+    </p:spTree>
+    <p:extLst>
+      <p:ext uri="{BB962C8B-B14F-4D97-AF65-F5344CB8AC3E}">
+        <p14:creationId xmlns:p14="http://schemas.microsoft.com/office/powerpoint/2010/main" val="545098750"/>
+      </p:ext>
+    </p:extLst>
+  </p:cSld>
+  <p:clrMapOvr>
+    <a:masterClrMapping/>
+  </p:clrMapOvr>
+  <p:timing>
+    <p:tnLst>
+      <p:par>
+        <p:cTn id="1" dur="indefinite" restart="never" nodeType="tmRoot"/>
+      </p:par>
+    </p:tnLst>
+  </p:timing>
+</p:sld>
+</file>
+
 <file path=ppt/slides/slide27.xml><?xml version="1.0" encoding="utf-8"?>
 <p:sld xmlns:a="http://schemas.openxmlformats.org/drawingml/2006/main" xmlns:r="http://schemas.openxmlformats.org/officeDocument/2006/relationships" xmlns:p="http://schemas.openxmlformats.org/presentationml/2006/main">
   <p:cSld>
@@ -10247,7 +10298,7 @@
       </p:grpSpPr>
       <p:sp>
         <p:nvSpPr>
-          <p:cNvPr id="2" name="Titre 1"/>
+          <p:cNvPr id="5" name="Titre 4"/>
           <p:cNvSpPr>
             <a:spLocks noGrp="1"/>
           </p:cNvSpPr>
@@ -10262,87 +10313,9 @@
           <a:p>
             <a:r>
               <a:rPr lang="fr-FR" dirty="0" smtClean="0"/>
-              <a:t>Informations de départ</a:t>
-            </a:r>
-            <a:endParaRPr lang="en-US" dirty="0"/>
-          </a:p>
-        </p:txBody>
-      </p:sp>
-      <p:sp>
-        <p:nvSpPr>
-          <p:cNvPr id="3" name="Espace réservé du contenu 2"/>
-          <p:cNvSpPr>
-            <a:spLocks noGrp="1"/>
-          </p:cNvSpPr>
-          <p:nvPr>
-            <p:ph idx="1"/>
-          </p:nvPr>
-        </p:nvSpPr>
-        <p:spPr/>
-        <p:txBody>
-          <a:bodyPr>
-            <a:normAutofit fontScale="92500" lnSpcReduction="10000"/>
-          </a:bodyPr>
-          <a:lstStyle/>
-          <a:p>
-            <a:r>
-              <a:rPr lang="fr-FR" dirty="0" smtClean="0"/>
-              <a:t>Ruptures allant de plusieurs minutes à plusieurs jours</a:t>
-            </a:r>
-          </a:p>
-          <a:p>
-            <a:r>
-              <a:rPr lang="fr-FR" dirty="0" smtClean="0"/>
-              <a:t>Certains flux sont parfois épargnés</a:t>
-            </a:r>
-          </a:p>
-          <a:p>
-            <a:r>
-              <a:rPr lang="fr-FR" dirty="0" smtClean="0"/>
-              <a:t>Observation faite à partir des dates de récupération</a:t>
-            </a:r>
-          </a:p>
-          <a:p>
-            <a:r>
-              <a:rPr lang="fr-FR" dirty="0" smtClean="0"/>
-              <a:t>Visible après extraction et avec les </a:t>
-            </a:r>
-            <a:r>
-              <a:rPr lang="fr-FR" dirty="0" smtClean="0"/>
-              <a:t>graphes</a:t>
-            </a:r>
-            <a:r>
-              <a:rPr lang="fr-FR" dirty="0" smtClean="0"/>
-              <a:t> de l’application web</a:t>
-            </a:r>
-            <a:endParaRPr lang="fr-FR" dirty="0" smtClean="0"/>
-          </a:p>
-          <a:p>
-            <a:r>
-              <a:rPr lang="fr-FR" dirty="0" smtClean="0"/>
-              <a:t>Script </a:t>
-            </a:r>
-            <a:r>
-              <a:rPr lang="fr-FR" dirty="0" err="1" smtClean="0"/>
-              <a:t>Huma-num</a:t>
-            </a:r>
-            <a:r>
-              <a:rPr lang="fr-FR" dirty="0" smtClean="0"/>
-              <a:t> permet de détecter coupures en évaluant la date du dernier item</a:t>
-            </a:r>
-          </a:p>
-          <a:p>
-            <a:r>
-              <a:rPr lang="fr-FR" dirty="0" smtClean="0"/>
-              <a:t>Si deux applications sont actives, les coupures ne surviennent pas de manière concomitantes</a:t>
-            </a:r>
-          </a:p>
-          <a:p>
-            <a:r>
-              <a:rPr lang="fr-FR" dirty="0" smtClean="0"/>
-              <a:t>Ne semble pas relié à un évènement externe particulier</a:t>
-            </a:r>
-            <a:endParaRPr lang="en-US" dirty="0"/>
+              <a:t>Hypothèses?</a:t>
+            </a:r>
+            <a:endParaRPr lang="fr-FR" dirty="0"/>
           </a:p>
         </p:txBody>
       </p:sp>
@@ -10373,7 +10346,7 @@
     </p:spTree>
     <p:extLst>
       <p:ext uri="{BB962C8B-B14F-4D97-AF65-F5344CB8AC3E}">
-        <p14:creationId xmlns:p14="http://schemas.microsoft.com/office/powerpoint/2010/main" val="545098750"/>
+        <p14:creationId xmlns:p14="http://schemas.microsoft.com/office/powerpoint/2010/main" val="578361148"/>
       </p:ext>
     </p:extLst>
   </p:cSld>
@@ -10409,7 +10382,7 @@
       </p:grpSpPr>
       <p:sp>
         <p:nvSpPr>
-          <p:cNvPr id="5" name="Titre 4"/>
+          <p:cNvPr id="2" name="Titre 1"/>
           <p:cNvSpPr>
             <a:spLocks noGrp="1"/>
           </p:cNvSpPr>
@@ -10424,9 +10397,112 @@
           <a:p>
             <a:r>
               <a:rPr lang="fr-FR" dirty="0" smtClean="0"/>
-              <a:t>Hypothèses?</a:t>
-            </a:r>
-            <a:endParaRPr lang="fr-FR" dirty="0"/>
+              <a:t>Hypothèses invalides</a:t>
+            </a:r>
+            <a:endParaRPr lang="en-US" dirty="0"/>
+          </a:p>
+        </p:txBody>
+      </p:sp>
+      <p:sp>
+        <p:nvSpPr>
+          <p:cNvPr id="3" name="Espace réservé du contenu 2"/>
+          <p:cNvSpPr>
+            <a:spLocks noGrp="1"/>
+          </p:cNvSpPr>
+          <p:nvPr>
+            <p:ph idx="1"/>
+          </p:nvPr>
+        </p:nvSpPr>
+        <p:spPr>
+          <a:noFill/>
+        </p:spPr>
+        <p:txBody>
+          <a:bodyPr>
+            <a:normAutofit/>
+          </a:bodyPr>
+          <a:lstStyle/>
+          <a:p>
+            <a:r>
+              <a:rPr lang="fr-FR" dirty="0" smtClean="0">
+                <a:solidFill>
+                  <a:srgbClr val="FF0000"/>
+                </a:solidFill>
+              </a:rPr>
+              <a:t>Coupure du serveur : </a:t>
+            </a:r>
+          </a:p>
+          <a:p>
+            <a:pPr lvl="1"/>
+            <a:r>
+              <a:rPr lang="fr-FR" dirty="0" smtClean="0"/>
+              <a:t>Certains flux sont récupérés</a:t>
+            </a:r>
+          </a:p>
+          <a:p>
+            <a:pPr lvl="1"/>
+            <a:r>
+              <a:rPr lang="fr-FR" dirty="0"/>
+              <a:t>D</a:t>
+            </a:r>
+            <a:r>
+              <a:rPr lang="fr-FR" dirty="0" smtClean="0"/>
+              <a:t>es logs sont toujours générés</a:t>
+            </a:r>
+          </a:p>
+          <a:p>
+            <a:r>
+              <a:rPr lang="fr-FR" dirty="0" smtClean="0">
+                <a:solidFill>
+                  <a:srgbClr val="FF0000"/>
+                </a:solidFill>
+              </a:rPr>
+              <a:t>Coupure du réseau : </a:t>
+            </a:r>
+          </a:p>
+          <a:p>
+            <a:pPr lvl="1"/>
+            <a:r>
+              <a:rPr lang="fr-FR" dirty="0" smtClean="0"/>
+              <a:t>Les serveurs restent accessibles pendant les périodes de trouble</a:t>
+            </a:r>
+          </a:p>
+          <a:p>
+            <a:r>
+              <a:rPr lang="fr-FR" dirty="0" smtClean="0">
+                <a:solidFill>
+                  <a:srgbClr val="FF0000"/>
+                </a:solidFill>
+              </a:rPr>
+              <a:t>Erreur d’assignation de la date : </a:t>
+            </a:r>
+          </a:p>
+          <a:p>
+            <a:pPr lvl="1"/>
+            <a:r>
+              <a:rPr lang="fr-FR" dirty="0"/>
+              <a:t>L</a:t>
+            </a:r>
+            <a:r>
+              <a:rPr lang="fr-FR" dirty="0" smtClean="0"/>
+              <a:t>es logs </a:t>
+            </a:r>
+            <a:r>
+              <a:rPr lang="fr-FR" dirty="0" err="1" smtClean="0"/>
+              <a:t>errors</a:t>
+            </a:r>
+            <a:r>
+              <a:rPr lang="fr-FR" dirty="0" smtClean="0"/>
+              <a:t> de l’application montrent un état anormal de l’application : débute par une grande quantité d’exceptions, puis les tâches de collecte de flux ne donnent plus de signes de vie</a:t>
+            </a:r>
+            <a:endParaRPr lang="fr-FR" dirty="0" smtClean="0">
+              <a:solidFill>
+                <a:srgbClr val="FF0000"/>
+              </a:solidFill>
+            </a:endParaRPr>
+          </a:p>
+          <a:p>
+            <a:pPr lvl="1"/>
+            <a:endParaRPr lang="en-US" dirty="0"/>
           </a:p>
         </p:txBody>
       </p:sp>
@@ -10457,7 +10533,7 @@
     </p:spTree>
     <p:extLst>
       <p:ext uri="{BB962C8B-B14F-4D97-AF65-F5344CB8AC3E}">
-        <p14:creationId xmlns:p14="http://schemas.microsoft.com/office/powerpoint/2010/main" val="578361148"/>
+        <p14:creationId xmlns:p14="http://schemas.microsoft.com/office/powerpoint/2010/main" val="715778149"/>
       </p:ext>
     </p:extLst>
   </p:cSld>
@@ -10508,7 +10584,7 @@
           <a:p>
             <a:r>
               <a:rPr lang="fr-FR" dirty="0" smtClean="0"/>
-              <a:t>Hypothèses invalides</a:t>
+              <a:t>Hypothèses plausibles</a:t>
             </a:r>
             <a:endParaRPr lang="en-US" dirty="0"/>
           </a:p>
@@ -10528,96 +10604,131 @@
           <a:noFill/>
         </p:spPr>
         <p:txBody>
-          <a:bodyPr>
-            <a:normAutofit/>
-          </a:bodyPr>
-          <a:lstStyle/>
-          <a:p>
-            <a:r>
-              <a:rPr lang="fr-FR" dirty="0" smtClean="0">
+          <a:bodyPr/>
+          <a:lstStyle/>
+          <a:p>
+            <a:pPr lvl="1"/>
+            <a:r>
+              <a:rPr lang="fr-FR" b="1" dirty="0" smtClean="0">
                 <a:solidFill>
-                  <a:srgbClr val="FF0000"/>
+                  <a:schemeClr val="accent6">
+                    <a:lumMod val="75000"/>
+                  </a:schemeClr>
                 </a:solidFill>
               </a:rPr>
-              <a:t>Coupure du serveur : </a:t>
-            </a:r>
-          </a:p>
-          <a:p>
-            <a:pPr lvl="1"/>
-            <a:r>
-              <a:rPr lang="fr-FR" dirty="0" smtClean="0"/>
-              <a:t>Certains flux sont récupérés</a:t>
-            </a:r>
-          </a:p>
-          <a:p>
-            <a:pPr lvl="1"/>
-            <a:r>
-              <a:rPr lang="fr-FR" dirty="0"/>
-              <a:t>D</a:t>
-            </a:r>
-            <a:r>
-              <a:rPr lang="fr-FR" dirty="0" smtClean="0"/>
-              <a:t>es logs sont toujours générés</a:t>
-            </a:r>
-          </a:p>
-          <a:p>
-            <a:r>
-              <a:rPr lang="fr-FR" dirty="0" smtClean="0">
+              <a:t>Problème de synchronisation : </a:t>
+            </a:r>
+            <a:r>
+              <a:rPr lang="fr-FR" b="1" dirty="0" err="1" smtClean="0">
                 <a:solidFill>
-                  <a:srgbClr val="FF0000"/>
+                  <a:schemeClr val="accent6">
+                    <a:lumMod val="75000"/>
+                  </a:schemeClr>
                 </a:solidFill>
               </a:rPr>
-              <a:t>Coupure du réseau : </a:t>
-            </a:r>
-          </a:p>
-          <a:p>
-            <a:pPr lvl="1"/>
-            <a:r>
-              <a:rPr lang="fr-FR" dirty="0" smtClean="0"/>
-              <a:t>Les serveurs restent accessibles </a:t>
-            </a:r>
-            <a:r>
-              <a:rPr lang="fr-FR" dirty="0" smtClean="0"/>
-              <a:t>pendant les périodes de trouble</a:t>
-            </a:r>
-          </a:p>
-          <a:p>
-            <a:r>
-              <a:rPr lang="fr-FR" dirty="0" smtClean="0">
+              <a:t>interblocage</a:t>
+            </a:r>
+            <a:r>
+              <a:rPr lang="fr-FR" b="1" dirty="0" smtClean="0">
                 <a:solidFill>
-                  <a:srgbClr val="FF0000"/>
+                  <a:schemeClr val="accent6">
+                    <a:lumMod val="75000"/>
+                  </a:schemeClr>
                 </a:solidFill>
               </a:rPr>
-              <a:t>Erreur d’assignation de la date : </a:t>
+              <a:t> des tâches de collecte. </a:t>
+            </a:r>
+          </a:p>
+          <a:p>
+            <a:pPr lvl="2"/>
+            <a:r>
+              <a:rPr lang="fr-FR" dirty="0" smtClean="0"/>
+              <a:t>La présence d’items avec des id similaires montre qu’il existe des problèmes critiques au niveau de la synchronisation des tâches et de l’accès à la DB. </a:t>
+            </a:r>
+          </a:p>
+          <a:p>
+            <a:pPr lvl="2"/>
+            <a:r>
+              <a:rPr lang="fr-FR" dirty="0" smtClean="0"/>
+              <a:t>Peut également expliquer la grande quantité d’exceptions de type timeout trouvés dans les logs lors des perturbations</a:t>
             </a:r>
           </a:p>
           <a:p>
             <a:pPr lvl="1"/>
+            <a:r>
+              <a:rPr lang="fr-FR" b="1" dirty="0" smtClean="0">
+                <a:solidFill>
+                  <a:schemeClr val="accent6">
+                    <a:lumMod val="75000"/>
+                  </a:schemeClr>
+                </a:solidFill>
+              </a:rPr>
+              <a:t>Mauvaise configuration des timeouts</a:t>
+            </a:r>
+          </a:p>
+          <a:p>
+            <a:pPr lvl="2"/>
+            <a:r>
+              <a:rPr lang="fr-FR" dirty="0" smtClean="0"/>
+              <a:t>Comment les configurer correctement?</a:t>
+            </a:r>
+          </a:p>
+          <a:p>
+            <a:pPr lvl="1"/>
+            <a:r>
+              <a:rPr lang="fr-FR" b="1" dirty="0" smtClean="0">
+                <a:solidFill>
+                  <a:schemeClr val="accent6">
+                    <a:lumMod val="75000"/>
+                  </a:schemeClr>
+                </a:solidFill>
+              </a:rPr>
+              <a:t>Pas de mécanisme de rétrocontrôle : </a:t>
+            </a:r>
+          </a:p>
+          <a:p>
+            <a:pPr lvl="2"/>
             <a:r>
               <a:rPr lang="fr-FR" dirty="0"/>
               <a:t>L</a:t>
             </a:r>
             <a:r>
               <a:rPr lang="fr-FR" dirty="0" smtClean="0"/>
-              <a:t>es logs </a:t>
+              <a:t>es traces d’un mécanisme de détection d’</a:t>
             </a:r>
             <a:r>
               <a:rPr lang="fr-FR" dirty="0" err="1" smtClean="0"/>
-              <a:t>errors</a:t>
+              <a:t>interblocage</a:t>
             </a:r>
             <a:r>
               <a:rPr lang="fr-FR" dirty="0" smtClean="0"/>
-              <a:t> de l’application montrent un état anormal de l’application : débute par une grande quantité d’exceptions, puis les tâches de collecte de flux ne donnent plus de signes de vie</a:t>
+              <a:t> sont visibles dans le code, mais il n’est plus actif.</a:t>
             </a:r>
             <a:endParaRPr lang="fr-FR" dirty="0" smtClean="0">
               <a:solidFill>
-                <a:srgbClr val="FF0000"/>
+                <a:schemeClr val="accent6">
+                  <a:lumMod val="75000"/>
+                </a:schemeClr>
               </a:solidFill>
             </a:endParaRPr>
           </a:p>
           <a:p>
             <a:pPr lvl="1"/>
-            <a:endParaRPr lang="en-US" dirty="0"/>
+            <a:endParaRPr lang="fr-FR" dirty="0" smtClean="0">
+              <a:solidFill>
+                <a:schemeClr val="accent6">
+                  <a:lumMod val="75000"/>
+                </a:schemeClr>
+              </a:solidFill>
+            </a:endParaRPr>
+          </a:p>
+          <a:p>
+            <a:pPr lvl="1"/>
+            <a:endParaRPr lang="fr-FR" dirty="0" smtClean="0">
+              <a:solidFill>
+                <a:srgbClr val="C89800"/>
+              </a:solidFill>
+            </a:endParaRPr>
           </a:p>
         </p:txBody>
       </p:sp>
@@ -10648,7 +10759,7 @@
     </p:spTree>
     <p:extLst>
       <p:ext uri="{BB962C8B-B14F-4D97-AF65-F5344CB8AC3E}">
-        <p14:creationId xmlns:p14="http://schemas.microsoft.com/office/powerpoint/2010/main" val="715778149"/>
+        <p14:creationId xmlns:p14="http://schemas.microsoft.com/office/powerpoint/2010/main" val="3648013002"/>
       </p:ext>
     </p:extLst>
   </p:cSld>
@@ -10701,7 +10812,7 @@
           <a:p>
             <a:r>
               <a:rPr lang="fr-FR" sz="4000" dirty="0" smtClean="0"/>
-              <a:t>Rappel des points d’intervention</a:t>
+              <a:t>Rupture de la collecte</a:t>
             </a:r>
             <a:endParaRPr lang="fr-FR" sz="4000" dirty="0"/>
           </a:p>
@@ -10733,114 +10844,38 @@
       </p:sp>
       <p:pic>
         <p:nvPicPr>
-          <p:cNvPr id="1028" name="Picture 4" descr="http://icons.iconarchive.com/icons/icojam/blue-bits/256/application-icon.png"/>
+          <p:cNvPr id="5" name="Image 4"/>
           <p:cNvPicPr>
-            <a:picLocks noChangeAspect="1" noChangeArrowheads="1"/>
+            <a:picLocks noChangeAspect="1"/>
           </p:cNvPicPr>
           <p:nvPr/>
         </p:nvPicPr>
         <p:blipFill>
           <a:blip r:embed="rId2">
-            <a:duotone>
-              <a:schemeClr val="accent2">
-                <a:shade val="45000"/>
-                <a:satMod val="135000"/>
-              </a:schemeClr>
-              <a:prstClr val="white"/>
-            </a:duotone>
             <a:extLst>
               <a:ext uri="{28A0092B-C50C-407E-A947-70E740481C1C}">
                 <a14:useLocalDpi xmlns:a14="http://schemas.microsoft.com/office/drawing/2010/main" val="0"/>
               </a:ext>
             </a:extLst>
           </a:blip>
-          <a:srcRect/>
           <a:stretch>
             <a:fillRect/>
           </a:stretch>
         </p:blipFill>
-        <p:spPr bwMode="auto">
+        <p:spPr>
           <a:xfrm>
-            <a:off x="254000" y="2391251"/>
-            <a:ext cx="2710218" cy="2710218"/>
+            <a:off x="330200" y="1308103"/>
+            <a:ext cx="8572500" cy="4762500"/>
           </a:xfrm>
           <a:prstGeom prst="rect">
             <a:avLst/>
           </a:prstGeom>
-          <a:noFill/>
-          <a:extLst>
-            <a:ext uri="{909E8E84-426E-40DD-AFC4-6F175D3DCCD1}">
-              <a14:hiddenFill xmlns:a14="http://schemas.microsoft.com/office/drawing/2010/main">
-                <a:solidFill>
-                  <a:srgbClr val="FFFFFF"/>
-                </a:solidFill>
-              </a14:hiddenFill>
-            </a:ext>
-          </a:extLst>
         </p:spPr>
       </p:pic>
-      <p:sp>
-        <p:nvSpPr>
-          <p:cNvPr id="8" name="Espace réservé du contenu 2"/>
-          <p:cNvSpPr>
-            <a:spLocks noGrp="1"/>
-          </p:cNvSpPr>
-          <p:nvPr>
-            <p:ph idx="1"/>
-          </p:nvPr>
-        </p:nvSpPr>
-        <p:spPr>
-          <a:xfrm>
-            <a:off x="3262668" y="2967396"/>
-            <a:ext cx="5123218" cy="1557928"/>
-          </a:xfrm>
-          <a:solidFill>
-            <a:schemeClr val="bg1"/>
-          </a:solidFill>
-          <a:ln>
-            <a:noFill/>
-          </a:ln>
-        </p:spPr>
-        <p:txBody>
-          <a:bodyPr>
-            <a:noAutofit/>
-          </a:bodyPr>
-          <a:lstStyle/>
-          <a:p>
-            <a:r>
-              <a:rPr lang="fr-FR" dirty="0" smtClean="0"/>
-              <a:t>Rupture </a:t>
-            </a:r>
-            <a:r>
-              <a:rPr lang="fr-FR" dirty="0" smtClean="0"/>
-              <a:t>de la collecte</a:t>
-            </a:r>
-          </a:p>
-          <a:p>
-            <a:r>
-              <a:rPr lang="fr-FR" dirty="0" smtClean="0"/>
-              <a:t>Extraction des données</a:t>
-            </a:r>
-          </a:p>
-          <a:p>
-            <a:r>
-              <a:rPr lang="fr-FR" dirty="0" smtClean="0"/>
-              <a:t>Ergonomie </a:t>
-            </a:r>
-            <a:r>
-              <a:rPr lang="fr-FR" dirty="0" smtClean="0"/>
-              <a:t>de l’interface</a:t>
-            </a:r>
-          </a:p>
-          <a:p>
-            <a:endParaRPr lang="en-US" sz="1800" dirty="0"/>
-          </a:p>
-        </p:txBody>
-      </p:sp>
     </p:spTree>
     <p:extLst>
       <p:ext uri="{BB962C8B-B14F-4D97-AF65-F5344CB8AC3E}">
-        <p14:creationId xmlns:p14="http://schemas.microsoft.com/office/powerpoint/2010/main" val="876795929"/>
+        <p14:creationId xmlns:p14="http://schemas.microsoft.com/office/powerpoint/2010/main" val="2122461317"/>
       </p:ext>
     </p:extLst>
   </p:cSld>
@@ -10886,319 +10921,21 @@
         </p:nvSpPr>
         <p:spPr/>
         <p:txBody>
-          <a:bodyPr>
-            <a:noAutofit/>
-          </a:bodyPr>
-          <a:lstStyle/>
-          <a:p>
-            <a:r>
-              <a:rPr lang="fr-FR" sz="3200" dirty="0" smtClean="0"/>
-              <a:t>Contenu des logs lors d’une perturbation</a:t>
-            </a:r>
-            <a:br>
-              <a:rPr lang="fr-FR" sz="3200" dirty="0" smtClean="0"/>
-            </a:br>
-            <a:r>
-              <a:rPr lang="fr-FR" sz="3200" dirty="0" smtClean="0"/>
-              <a:t>Erreur récurrente</a:t>
-            </a:r>
-            <a:endParaRPr lang="en-US" sz="3200" dirty="0"/>
-          </a:p>
-        </p:txBody>
-      </p:sp>
-      <p:sp>
-        <p:nvSpPr>
-          <p:cNvPr id="3" name="Espace réservé du contenu 2"/>
-          <p:cNvSpPr>
-            <a:spLocks noGrp="1"/>
-          </p:cNvSpPr>
-          <p:nvPr>
-            <p:ph idx="1"/>
-          </p:nvPr>
-        </p:nvSpPr>
-        <p:spPr/>
-        <p:txBody>
-          <a:bodyPr>
-            <a:normAutofit fontScale="47500" lnSpcReduction="20000"/>
-          </a:bodyPr>
-          <a:lstStyle/>
-          <a:p>
-            <a:r>
-              <a:rPr lang="fr-FR" dirty="0"/>
-              <a:t> </a:t>
-            </a:r>
-            <a:r>
-              <a:rPr lang="fr-FR" dirty="0" err="1"/>
-              <a:t>java.net.SocketTimeoutException</a:t>
-            </a:r>
-            <a:r>
-              <a:rPr lang="fr-FR" dirty="0"/>
+          <a:bodyPr/>
+          <a:lstStyle/>
+          <a:p>
+            <a:r>
+              <a:rPr lang="en-US" dirty="0" err="1" smtClean="0"/>
+              <a:t>Interblocage</a:t>
+            </a:r>
+            <a:r>
+              <a:rPr lang="en-US" dirty="0" smtClean="0"/>
               <a:t>: </a:t>
             </a:r>
             <a:r>
-              <a:rPr lang="fr-FR" dirty="0" err="1"/>
-              <a:t>connect</a:t>
-            </a:r>
-            <a:r>
-              <a:rPr lang="fr-FR" dirty="0"/>
-              <a:t> </a:t>
-            </a:r>
-            <a:r>
-              <a:rPr lang="fr-FR" dirty="0" err="1"/>
-              <a:t>timed</a:t>
-            </a:r>
-            <a:r>
-              <a:rPr lang="fr-FR" dirty="0"/>
-              <a:t> out</a:t>
-            </a:r>
-          </a:p>
-          <a:p>
-            <a:r>
-              <a:rPr lang="fr-FR" b="1" dirty="0"/>
-              <a:t>Log Erreur : </a:t>
-            </a:r>
-            <a:r>
-              <a:rPr lang="fr-FR" dirty="0" err="1"/>
-              <a:t>java.net.SocketTimeoutException</a:t>
-            </a:r>
-            <a:r>
-              <a:rPr lang="fr-FR" dirty="0"/>
-              <a:t>: </a:t>
-            </a:r>
-            <a:r>
-              <a:rPr lang="fr-FR" dirty="0" err="1"/>
-              <a:t>connect</a:t>
-            </a:r>
-            <a:r>
-              <a:rPr lang="fr-FR" dirty="0"/>
-              <a:t> </a:t>
-            </a:r>
-            <a:r>
-              <a:rPr lang="fr-FR" dirty="0" err="1"/>
-              <a:t>timed</a:t>
-            </a:r>
-            <a:r>
-              <a:rPr lang="fr-FR" dirty="0"/>
-              <a:t> out at </a:t>
-            </a:r>
-            <a:r>
-              <a:rPr lang="fr-FR" dirty="0" err="1"/>
-              <a:t>java.net.PlainSocketImpl.socketConnect</a:t>
-            </a:r>
-            <a:r>
-              <a:rPr lang="fr-FR" dirty="0"/>
-              <a:t>(Native Method) at </a:t>
-            </a:r>
-            <a:r>
-              <a:rPr lang="fr-FR" dirty="0" err="1"/>
-              <a:t>java.net.AbstractPlainSocketImpl.doConnect</a:t>
-            </a:r>
-            <a:r>
-              <a:rPr lang="fr-FR" dirty="0"/>
-              <a:t>(AbstractPlainSocketImpl.java:339) at </a:t>
-            </a:r>
-            <a:r>
-              <a:rPr lang="fr-FR" dirty="0" err="1"/>
-              <a:t>java.net.AbstractPlainSocketImpl.connectToAddress</a:t>
-            </a:r>
-            <a:r>
-              <a:rPr lang="fr-FR" dirty="0"/>
-              <a:t>(AbstractPlainSocketImpl.java:200) at </a:t>
-            </a:r>
-            <a:r>
-              <a:rPr lang="fr-FR" dirty="0" err="1"/>
-              <a:t>java.net.AbstractPlainSocketImpl.connect</a:t>
-            </a:r>
-            <a:r>
-              <a:rPr lang="fr-FR" dirty="0"/>
-              <a:t>(AbstractPlainSocketImpl.java:182) at </a:t>
-            </a:r>
-            <a:r>
-              <a:rPr lang="fr-FR" dirty="0" err="1"/>
-              <a:t>java.net.SocksSocketImpl.connect</a:t>
-            </a:r>
-            <a:r>
-              <a:rPr lang="fr-FR" dirty="0"/>
-              <a:t>(SocksSocketImpl.java:392) at </a:t>
-            </a:r>
-            <a:r>
-              <a:rPr lang="fr-FR" dirty="0" err="1"/>
-              <a:t>java.net.Socket.connect</a:t>
-            </a:r>
-            <a:r>
-              <a:rPr lang="fr-FR" dirty="0"/>
-              <a:t>(Socket.java:579) at </a:t>
-            </a:r>
-            <a:r>
-              <a:rPr lang="fr-FR" dirty="0" err="1"/>
-              <a:t>sun.net.NetworkClient.doConnect</a:t>
-            </a:r>
-            <a:r>
-              <a:rPr lang="fr-FR" dirty="0"/>
-              <a:t>(NetworkClient.java:175) at </a:t>
-            </a:r>
-            <a:r>
-              <a:rPr lang="fr-FR" dirty="0" err="1"/>
-              <a:t>sun.net.www.http.HttpClient.openServer</a:t>
-            </a:r>
-            <a:r>
-              <a:rPr lang="fr-FR" dirty="0"/>
-              <a:t>(HttpClient.java:378) at </a:t>
-            </a:r>
-            <a:r>
-              <a:rPr lang="fr-FR" dirty="0" err="1"/>
-              <a:t>sun.net.www.http.HttpClient.openServer</a:t>
-            </a:r>
-            <a:r>
-              <a:rPr lang="fr-FR" dirty="0"/>
-              <a:t>(HttpClient.java:473) at </a:t>
-            </a:r>
-            <a:r>
-              <a:rPr lang="fr-FR" dirty="0" err="1"/>
-              <a:t>sun.net.www.http.HttpClient</a:t>
-            </a:r>
-            <a:r>
-              <a:rPr lang="fr-FR" dirty="0"/>
-              <a:t>.(HttpClient.java:203) at </a:t>
-            </a:r>
-            <a:r>
-              <a:rPr lang="fr-FR" dirty="0" err="1"/>
-              <a:t>sun.net.www.http.HttpClient.New</a:t>
-            </a:r>
-            <a:r>
-              <a:rPr lang="fr-FR" dirty="0"/>
-              <a:t>(HttpClient.java:290) at </a:t>
-            </a:r>
-            <a:r>
-              <a:rPr lang="fr-FR" dirty="0" err="1"/>
-              <a:t>sun.net.www.http.HttpClient.New</a:t>
-            </a:r>
-            <a:r>
-              <a:rPr lang="fr-FR" dirty="0"/>
-              <a:t>(HttpClient.java:306) at </a:t>
-            </a:r>
-            <a:r>
-              <a:rPr lang="fr-FR" dirty="0" err="1"/>
-              <a:t>sun.net.www.protocol.http.HttpURLConnection.getNewHttpClient</a:t>
-            </a:r>
-            <a:r>
-              <a:rPr lang="fr-FR" dirty="0"/>
-              <a:t>(HttpURLConnection.java:995) at </a:t>
-            </a:r>
-            <a:r>
-              <a:rPr lang="fr-FR" dirty="0" err="1"/>
-              <a:t>sun.net.www.protocol.http.HttpURLConnection.plainConnect</a:t>
-            </a:r>
-            <a:r>
-              <a:rPr lang="fr-FR" dirty="0"/>
-              <a:t>(HttpURLConnection.java:931) at </a:t>
-            </a:r>
-            <a:r>
-              <a:rPr lang="fr-FR" dirty="0" err="1"/>
-              <a:t>sun.net.www.protocol.http.HttpURLConnection.connect</a:t>
-            </a:r>
-            <a:r>
-              <a:rPr lang="fr-FR" dirty="0"/>
-              <a:t>(HttpURLConnection.java:849) at </a:t>
-            </a:r>
-            <a:r>
-              <a:rPr lang="fr-FR" dirty="0" err="1"/>
-              <a:t>org.jsoup.helper.HttpConnection$Response.execute</a:t>
-            </a:r>
-            <a:r>
-              <a:rPr lang="fr-FR" dirty="0"/>
-              <a:t>(HttpConnection.java:425) at </a:t>
-            </a:r>
-            <a:r>
-              <a:rPr lang="fr-FR" dirty="0" err="1"/>
-              <a:t>org.jsoup.helper.HttpConnection$Response.execute</a:t>
-            </a:r>
-            <a:r>
-              <a:rPr lang="fr-FR" dirty="0"/>
-              <a:t>(HttpConnection.java:410) at </a:t>
-            </a:r>
-            <a:r>
-              <a:rPr lang="fr-FR" dirty="0" err="1"/>
-              <a:t>org.jsoup.helper.HttpConnection.execute</a:t>
-            </a:r>
-            <a:r>
-              <a:rPr lang="fr-FR" dirty="0"/>
-              <a:t>(HttpConnection.java:164) at </a:t>
-            </a:r>
-            <a:r>
-              <a:rPr lang="fr-FR" dirty="0" err="1"/>
-              <a:t>org.jsoup.helper.HttpConnection.get</a:t>
-            </a:r>
-            <a:r>
-              <a:rPr lang="fr-FR" dirty="0"/>
-              <a:t>(HttpConnection.java:153) at </a:t>
-            </a:r>
-            <a:r>
-              <a:rPr lang="fr-FR" dirty="0" err="1"/>
-              <a:t>rssagregator.services.tache.TacheDecouverteAjoutFlux.callCorps</a:t>
-            </a:r>
-            <a:r>
-              <a:rPr lang="fr-FR" dirty="0"/>
-              <a:t>(TacheDecouverteAjoutFlux.java:117) at </a:t>
-            </a:r>
-            <a:r>
-              <a:rPr lang="fr-FR" dirty="0" err="1"/>
-              <a:t>rssagregator.services.tache.TacheImpl.executeProcessus</a:t>
-            </a:r>
-            <a:r>
-              <a:rPr lang="fr-FR" dirty="0"/>
-              <a:t>(TacheImpl.java:192) at </a:t>
-            </a:r>
-            <a:r>
-              <a:rPr lang="fr-FR" dirty="0" err="1"/>
-              <a:t>rssagregator.services.tache.TacheImpl.call</a:t>
-            </a:r>
-            <a:r>
-              <a:rPr lang="fr-FR" dirty="0"/>
-              <a:t>(TacheImpl.java:221) at </a:t>
-            </a:r>
-            <a:r>
-              <a:rPr lang="fr-FR" dirty="0" err="1"/>
-              <a:t>java.util.concurrent.FutureTask$Sync.innerRun</a:t>
-            </a:r>
-            <a:r>
-              <a:rPr lang="fr-FR" dirty="0"/>
-              <a:t>(FutureTask.java:334) at </a:t>
-            </a:r>
-            <a:r>
-              <a:rPr lang="fr-FR" dirty="0" err="1"/>
-              <a:t>java.util.concurrent.FutureTask.run</a:t>
-            </a:r>
-            <a:r>
-              <a:rPr lang="fr-FR" dirty="0"/>
-              <a:t>(FutureTask.java:166) at java.util.concurrent.ScheduledThreadPoolExecutor$ScheduledFutureTask.access$201(ScheduledThreadPoolExecutor.java:178) at java.util.concurrent.ScheduledThreadPoolExecutor$ScheduledFutureTask.run(ScheduledThreadPoolExecutor.java:292) at </a:t>
-            </a:r>
-            <a:r>
-              <a:rPr lang="fr-FR" dirty="0" err="1"/>
-              <a:t>java.util.concurrent.ThreadPoolExecutor.runWorker</a:t>
-            </a:r>
-            <a:r>
-              <a:rPr lang="fr-FR" dirty="0"/>
-              <a:t>(ThreadPoolExecutor.java:1145) at </a:t>
-            </a:r>
-            <a:r>
-              <a:rPr lang="fr-FR" dirty="0" err="1"/>
-              <a:t>java.util.concurrent.ThreadPoolExecutor$Worker.run</a:t>
-            </a:r>
-            <a:r>
-              <a:rPr lang="fr-FR" dirty="0"/>
-              <a:t>(ThreadPoolExecutor.java:615) at </a:t>
-            </a:r>
-            <a:r>
-              <a:rPr lang="fr-FR" dirty="0" err="1"/>
-              <a:t>java.lang.Thread.run</a:t>
-            </a:r>
-            <a:r>
-              <a:rPr lang="fr-FR" dirty="0"/>
-              <a:t>(Thread.java:724)</a:t>
-            </a:r>
-          </a:p>
-          <a:p>
+              <a:rPr lang="en-US" dirty="0" err="1" smtClean="0"/>
+              <a:t>principe</a:t>
+            </a:r>
             <a:endParaRPr lang="en-US" dirty="0"/>
           </a:p>
         </p:txBody>
@@ -11222,98 +10959,6 @@
               <a:rPr lang="fr-FR" smtClean="0"/>
               <a:pPr/>
               <a:t>30</a:t>
-            </a:fld>
-            <a:endParaRPr lang="fr-FR" dirty="0"/>
-          </a:p>
-        </p:txBody>
-      </p:sp>
-    </p:spTree>
-    <p:extLst>
-      <p:ext uri="{BB962C8B-B14F-4D97-AF65-F5344CB8AC3E}">
-        <p14:creationId xmlns:p14="http://schemas.microsoft.com/office/powerpoint/2010/main" val="2918650107"/>
-      </p:ext>
-    </p:extLst>
-  </p:cSld>
-  <p:clrMapOvr>
-    <a:masterClrMapping/>
-  </p:clrMapOvr>
-  <p:timing>
-    <p:tnLst>
-      <p:par>
-        <p:cTn id="1" dur="indefinite" restart="never" nodeType="tmRoot"/>
-      </p:par>
-    </p:tnLst>
-  </p:timing>
-</p:sld>
-</file>
-
-<file path=ppt/slides/slide31.xml><?xml version="1.0" encoding="utf-8"?>
-<p:sld xmlns:a="http://schemas.openxmlformats.org/drawingml/2006/main" xmlns:r="http://schemas.openxmlformats.org/officeDocument/2006/relationships" xmlns:p="http://schemas.openxmlformats.org/presentationml/2006/main">
-  <p:cSld>
-    <p:spTree>
-      <p:nvGrpSpPr>
-        <p:cNvPr id="1" name=""/>
-        <p:cNvGrpSpPr/>
-        <p:nvPr/>
-      </p:nvGrpSpPr>
-      <p:grpSpPr>
-        <a:xfrm>
-          <a:off x="0" y="0"/>
-          <a:ext cx="0" cy="0"/>
-          <a:chOff x="0" y="0"/>
-          <a:chExt cx="0" cy="0"/>
-        </a:xfrm>
-      </p:grpSpPr>
-      <p:sp>
-        <p:nvSpPr>
-          <p:cNvPr id="2" name="Titre 1"/>
-          <p:cNvSpPr>
-            <a:spLocks noGrp="1"/>
-          </p:cNvSpPr>
-          <p:nvPr>
-            <p:ph type="title"/>
-          </p:nvPr>
-        </p:nvSpPr>
-        <p:spPr/>
-        <p:txBody>
-          <a:bodyPr/>
-          <a:lstStyle/>
-          <a:p>
-            <a:r>
-              <a:rPr lang="en-US" dirty="0" err="1" smtClean="0"/>
-              <a:t>Interblocage</a:t>
-            </a:r>
-            <a:r>
-              <a:rPr lang="en-US" dirty="0" smtClean="0"/>
-              <a:t>: </a:t>
-            </a:r>
-            <a:r>
-              <a:rPr lang="en-US" dirty="0" err="1" smtClean="0"/>
-              <a:t>principe</a:t>
-            </a:r>
-            <a:endParaRPr lang="en-US" dirty="0"/>
-          </a:p>
-        </p:txBody>
-      </p:sp>
-      <p:sp>
-        <p:nvSpPr>
-          <p:cNvPr id="4" name="Espace réservé du numéro de diapositive 3"/>
-          <p:cNvSpPr>
-            <a:spLocks noGrp="1"/>
-          </p:cNvSpPr>
-          <p:nvPr>
-            <p:ph type="sldNum" sz="quarter" idx="12"/>
-          </p:nvPr>
-        </p:nvSpPr>
-        <p:spPr/>
-        <p:txBody>
-          <a:bodyPr/>
-          <a:lstStyle/>
-          <a:p>
-            <a:fld id="{87D9652F-9609-4EC6-8E0A-C96E14B58A2A}" type="slidenum">
-              <a:rPr lang="fr-FR" smtClean="0"/>
-              <a:pPr/>
-              <a:t>31</a:t>
             </a:fld>
             <a:endParaRPr lang="fr-FR" dirty="0"/>
           </a:p>
@@ -12421,6 +12066,90 @@
 </p:sld>
 </file>
 
+<file path=ppt/slides/slide31.xml><?xml version="1.0" encoding="utf-8"?>
+<p:sld xmlns:a="http://schemas.openxmlformats.org/drawingml/2006/main" xmlns:r="http://schemas.openxmlformats.org/officeDocument/2006/relationships" xmlns:p="http://schemas.openxmlformats.org/presentationml/2006/main">
+  <p:cSld>
+    <p:spTree>
+      <p:nvGrpSpPr>
+        <p:cNvPr id="1" name=""/>
+        <p:cNvGrpSpPr/>
+        <p:nvPr/>
+      </p:nvGrpSpPr>
+      <p:grpSpPr>
+        <a:xfrm>
+          <a:off x="0" y="0"/>
+          <a:ext cx="0" cy="0"/>
+          <a:chOff x="0" y="0"/>
+          <a:chExt cx="0" cy="0"/>
+        </a:xfrm>
+      </p:grpSpPr>
+      <p:sp>
+        <p:nvSpPr>
+          <p:cNvPr id="5" name="Titre 4"/>
+          <p:cNvSpPr>
+            <a:spLocks noGrp="1"/>
+          </p:cNvSpPr>
+          <p:nvPr>
+            <p:ph type="title"/>
+          </p:nvPr>
+        </p:nvSpPr>
+        <p:spPr/>
+        <p:txBody>
+          <a:bodyPr/>
+          <a:lstStyle/>
+          <a:p>
+            <a:r>
+              <a:rPr lang="fr-FR" dirty="0" smtClean="0"/>
+              <a:t>Actions</a:t>
+            </a:r>
+            <a:endParaRPr lang="fr-FR" dirty="0"/>
+          </a:p>
+        </p:txBody>
+      </p:sp>
+      <p:sp>
+        <p:nvSpPr>
+          <p:cNvPr id="4" name="Espace réservé du numéro de diapositive 3"/>
+          <p:cNvSpPr>
+            <a:spLocks noGrp="1"/>
+          </p:cNvSpPr>
+          <p:nvPr>
+            <p:ph type="sldNum" sz="quarter" idx="12"/>
+          </p:nvPr>
+        </p:nvSpPr>
+        <p:spPr/>
+        <p:txBody>
+          <a:bodyPr/>
+          <a:lstStyle/>
+          <a:p>
+            <a:fld id="{87D9652F-9609-4EC6-8E0A-C96E14B58A2A}" type="slidenum">
+              <a:rPr lang="fr-FR" smtClean="0"/>
+              <a:pPr/>
+              <a:t>31</a:t>
+            </a:fld>
+            <a:endParaRPr lang="fr-FR" dirty="0"/>
+          </a:p>
+        </p:txBody>
+      </p:sp>
+    </p:spTree>
+    <p:extLst>
+      <p:ext uri="{BB962C8B-B14F-4D97-AF65-F5344CB8AC3E}">
+        <p14:creationId xmlns:p14="http://schemas.microsoft.com/office/powerpoint/2010/main" val="2938270343"/>
+      </p:ext>
+    </p:extLst>
+  </p:cSld>
+  <p:clrMapOvr>
+    <a:masterClrMapping/>
+  </p:clrMapOvr>
+  <p:timing>
+    <p:tnLst>
+      <p:par>
+        <p:cTn id="1" dur="indefinite" restart="never" nodeType="tmRoot"/>
+      </p:par>
+    </p:tnLst>
+  </p:timing>
+</p:sld>
+</file>
+
 <file path=ppt/slides/slide32.xml><?xml version="1.0" encoding="utf-8"?>
 <p:sld xmlns:a="http://schemas.openxmlformats.org/drawingml/2006/main" xmlns:r="http://schemas.openxmlformats.org/officeDocument/2006/relationships" xmlns:p="http://schemas.openxmlformats.org/presentationml/2006/main">
   <p:cSld>
@@ -12450,14 +12179,16 @@
         </p:nvSpPr>
         <p:spPr/>
         <p:txBody>
-          <a:bodyPr/>
-          <a:lstStyle/>
-          <a:p>
-            <a:r>
-              <a:rPr lang="fr-FR" dirty="0" smtClean="0"/>
-              <a:t>Hypothèse plausibles</a:t>
-            </a:r>
-            <a:endParaRPr lang="en-US" dirty="0"/>
+          <a:bodyPr>
+            <a:normAutofit/>
+          </a:bodyPr>
+          <a:lstStyle/>
+          <a:p>
+            <a:r>
+              <a:rPr lang="fr-FR" sz="3600" dirty="0" smtClean="0"/>
+              <a:t>Analyse du code</a:t>
+            </a:r>
+            <a:endParaRPr lang="en-US" sz="3600" dirty="0"/>
           </a:p>
         </p:txBody>
       </p:sp>
@@ -12472,116 +12203,49 @@
           </p:nvPr>
         </p:nvSpPr>
         <p:spPr>
+          <a:xfrm>
+            <a:off x="254000" y="2501900"/>
+            <a:ext cx="8648700" cy="1581694"/>
+          </a:xfrm>
           <a:noFill/>
         </p:spPr>
         <p:txBody>
-          <a:bodyPr/>
-          <a:lstStyle/>
+          <a:bodyPr>
+            <a:normAutofit fontScale="92500" lnSpcReduction="20000"/>
+          </a:bodyPr>
+          <a:lstStyle/>
+          <a:p>
+            <a:r>
+              <a:rPr lang="fr-FR" dirty="0" smtClean="0"/>
+              <a:t>L’application est trop peu documentée</a:t>
+            </a:r>
+          </a:p>
+          <a:p>
+            <a:r>
+              <a:rPr lang="fr-FR" dirty="0"/>
+              <a:t>S</a:t>
+            </a:r>
+            <a:r>
+              <a:rPr lang="fr-FR" dirty="0" smtClean="0"/>
+              <a:t>a structure est complexe</a:t>
+            </a:r>
+          </a:p>
+          <a:p>
+            <a:r>
+              <a:rPr lang="fr-FR" dirty="0" smtClean="0"/>
+              <a:t>Les erreurs/exceptions des logs ne sont pas assez explicites</a:t>
+            </a:r>
+          </a:p>
+          <a:p>
+            <a:pPr lvl="2"/>
+            <a:endParaRPr lang="fr-FR" dirty="0" smtClean="0"/>
+          </a:p>
           <a:p>
             <a:pPr lvl="1"/>
-            <a:r>
-              <a:rPr lang="fr-FR" b="1" dirty="0" smtClean="0">
-                <a:solidFill>
-                  <a:schemeClr val="accent6">
-                    <a:lumMod val="75000"/>
-                  </a:schemeClr>
-                </a:solidFill>
-              </a:rPr>
-              <a:t>Problème de synchronisation : </a:t>
-            </a:r>
-            <a:r>
-              <a:rPr lang="fr-FR" b="1" dirty="0" err="1" smtClean="0">
-                <a:solidFill>
-                  <a:schemeClr val="accent6">
-                    <a:lumMod val="75000"/>
-                  </a:schemeClr>
-                </a:solidFill>
-              </a:rPr>
-              <a:t>interblocage</a:t>
-            </a:r>
-            <a:r>
-              <a:rPr lang="fr-FR" b="1" dirty="0" smtClean="0">
-                <a:solidFill>
-                  <a:schemeClr val="accent6">
-                    <a:lumMod val="75000"/>
-                  </a:schemeClr>
-                </a:solidFill>
-              </a:rPr>
-              <a:t> des tâches de collecte. </a:t>
-            </a:r>
-          </a:p>
-          <a:p>
-            <a:pPr lvl="2"/>
-            <a:r>
-              <a:rPr lang="fr-FR" dirty="0" smtClean="0"/>
-              <a:t>La présence d’items avec des id similaires montre qu’il existe des problèmes critiques au niveau de la synchronisation des tâches et de l’accès à la DB. </a:t>
-            </a:r>
-          </a:p>
-          <a:p>
-            <a:pPr lvl="2"/>
-            <a:r>
-              <a:rPr lang="fr-FR" dirty="0" smtClean="0"/>
-              <a:t>Peut également expliquer la grande quantité d’exceptions de type timeout trouvés dans les logs lors des perturbations</a:t>
-            </a:r>
-          </a:p>
-          <a:p>
-            <a:pPr lvl="1"/>
-            <a:r>
-              <a:rPr lang="fr-FR" b="1" dirty="0" smtClean="0">
-                <a:solidFill>
-                  <a:schemeClr val="accent6">
-                    <a:lumMod val="75000"/>
-                  </a:schemeClr>
-                </a:solidFill>
-              </a:rPr>
-              <a:t>Mauvaise configuration des timeouts</a:t>
-            </a:r>
-          </a:p>
-          <a:p>
-            <a:pPr lvl="2"/>
-            <a:r>
-              <a:rPr lang="fr-FR" dirty="0" smtClean="0"/>
-              <a:t>Comment les configurer correctement?</a:t>
-            </a:r>
-          </a:p>
-          <a:p>
-            <a:pPr lvl="1"/>
-            <a:r>
-              <a:rPr lang="fr-FR" b="1" dirty="0" smtClean="0">
-                <a:solidFill>
-                  <a:schemeClr val="accent6">
-                    <a:lumMod val="75000"/>
-                  </a:schemeClr>
-                </a:solidFill>
-              </a:rPr>
-              <a:t>Pas de mécanisme de rétrocontrôle : </a:t>
-            </a:r>
-          </a:p>
-          <a:p>
-            <a:pPr lvl="2"/>
-            <a:r>
-              <a:rPr lang="fr-FR" dirty="0"/>
-              <a:t>L</a:t>
-            </a:r>
-            <a:r>
-              <a:rPr lang="fr-FR" dirty="0" smtClean="0"/>
-              <a:t>es traces d’un mécanisme de détection d’</a:t>
-            </a:r>
-            <a:r>
-              <a:rPr lang="fr-FR" dirty="0" err="1" smtClean="0"/>
-              <a:t>interblocage</a:t>
-            </a:r>
-            <a:r>
-              <a:rPr lang="fr-FR" dirty="0" smtClean="0"/>
-              <a:t> sont visibles dans le code, mais il n’est plus actif.</a:t>
-            </a:r>
-            <a:endParaRPr lang="fr-FR" dirty="0" smtClean="0">
-              <a:solidFill>
-                <a:schemeClr val="accent6">
-                  <a:lumMod val="75000"/>
-                </a:schemeClr>
-              </a:solidFill>
-            </a:endParaRPr>
+            <a:endParaRPr lang="fr-FR" dirty="0"/>
+          </a:p>
+          <a:p>
+            <a:endParaRPr lang="fr-FR" dirty="0" smtClean="0"/>
           </a:p>
           <a:p>
             <a:pPr lvl="1"/>
@@ -12630,7 +12294,7 @@
     </p:spTree>
     <p:extLst>
       <p:ext uri="{BB962C8B-B14F-4D97-AF65-F5344CB8AC3E}">
-        <p14:creationId xmlns:p14="http://schemas.microsoft.com/office/powerpoint/2010/main" val="3648013002"/>
+        <p14:creationId xmlns:p14="http://schemas.microsoft.com/office/powerpoint/2010/main" val="2018720381"/>
       </p:ext>
     </p:extLst>
   </p:cSld>
@@ -12666,7 +12330,7 @@
       </p:grpSpPr>
       <p:sp>
         <p:nvSpPr>
-          <p:cNvPr id="5" name="Titre 4"/>
+          <p:cNvPr id="2" name="Titre 1"/>
           <p:cNvSpPr>
             <a:spLocks noGrp="1"/>
           </p:cNvSpPr>
@@ -12676,14 +12340,320 @@
         </p:nvSpPr>
         <p:spPr/>
         <p:txBody>
-          <a:bodyPr/>
-          <a:lstStyle/>
-          <a:p>
-            <a:r>
-              <a:rPr lang="fr-FR" dirty="0" smtClean="0"/>
-              <a:t>Actions</a:t>
-            </a:r>
-            <a:endParaRPr lang="fr-FR" dirty="0"/>
+          <a:bodyPr>
+            <a:noAutofit/>
+          </a:bodyPr>
+          <a:lstStyle/>
+          <a:p>
+            <a:r>
+              <a:rPr lang="fr-FR" sz="3200" dirty="0" smtClean="0"/>
+              <a:t>Contenu des logs lors d’une perturbation</a:t>
+            </a:r>
+            <a:br>
+              <a:rPr lang="fr-FR" sz="3200" dirty="0" smtClean="0"/>
+            </a:br>
+            <a:r>
+              <a:rPr lang="fr-FR" sz="3200" dirty="0" smtClean="0"/>
+              <a:t>Erreur récurrente</a:t>
+            </a:r>
+            <a:endParaRPr lang="en-US" sz="3200" dirty="0"/>
+          </a:p>
+        </p:txBody>
+      </p:sp>
+      <p:sp>
+        <p:nvSpPr>
+          <p:cNvPr id="3" name="Espace réservé du contenu 2"/>
+          <p:cNvSpPr>
+            <a:spLocks noGrp="1"/>
+          </p:cNvSpPr>
+          <p:nvPr>
+            <p:ph idx="1"/>
+          </p:nvPr>
+        </p:nvSpPr>
+        <p:spPr/>
+        <p:txBody>
+          <a:bodyPr>
+            <a:normAutofit fontScale="47500" lnSpcReduction="20000"/>
+          </a:bodyPr>
+          <a:lstStyle/>
+          <a:p>
+            <a:r>
+              <a:rPr lang="fr-FR" dirty="0"/>
+              <a:t> </a:t>
+            </a:r>
+            <a:r>
+              <a:rPr lang="fr-FR" dirty="0" err="1"/>
+              <a:t>java.net.SocketTimeoutException</a:t>
+            </a:r>
+            <a:r>
+              <a:rPr lang="fr-FR" dirty="0"/>
+              <a:t>: </a:t>
+            </a:r>
+            <a:r>
+              <a:rPr lang="fr-FR" dirty="0" err="1"/>
+              <a:t>connect</a:t>
+            </a:r>
+            <a:r>
+              <a:rPr lang="fr-FR" dirty="0"/>
+              <a:t> </a:t>
+            </a:r>
+            <a:r>
+              <a:rPr lang="fr-FR" dirty="0" err="1"/>
+              <a:t>timed</a:t>
+            </a:r>
+            <a:r>
+              <a:rPr lang="fr-FR" dirty="0"/>
+              <a:t> out</a:t>
+            </a:r>
+          </a:p>
+          <a:p>
+            <a:r>
+              <a:rPr lang="fr-FR" b="1" dirty="0"/>
+              <a:t>Log Erreur : </a:t>
+            </a:r>
+            <a:r>
+              <a:rPr lang="fr-FR" dirty="0" err="1"/>
+              <a:t>java.net.SocketTimeoutException</a:t>
+            </a:r>
+            <a:r>
+              <a:rPr lang="fr-FR" dirty="0"/>
+              <a:t>: </a:t>
+            </a:r>
+            <a:r>
+              <a:rPr lang="fr-FR" dirty="0" err="1"/>
+              <a:t>connect</a:t>
+            </a:r>
+            <a:r>
+              <a:rPr lang="fr-FR" dirty="0"/>
+              <a:t> </a:t>
+            </a:r>
+            <a:r>
+              <a:rPr lang="fr-FR" dirty="0" err="1"/>
+              <a:t>timed</a:t>
+            </a:r>
+            <a:r>
+              <a:rPr lang="fr-FR" dirty="0"/>
+              <a:t> out at </a:t>
+            </a:r>
+            <a:r>
+              <a:rPr lang="fr-FR" dirty="0" err="1"/>
+              <a:t>java.net.PlainSocketImpl.socketConnect</a:t>
+            </a:r>
+            <a:r>
+              <a:rPr lang="fr-FR" dirty="0"/>
+              <a:t>(Native Method) at </a:t>
+            </a:r>
+            <a:r>
+              <a:rPr lang="fr-FR" dirty="0" err="1"/>
+              <a:t>java.net.AbstractPlainSocketImpl.doConnect</a:t>
+            </a:r>
+            <a:r>
+              <a:rPr lang="fr-FR" dirty="0"/>
+              <a:t>(AbstractPlainSocketImpl.java:339) at </a:t>
+            </a:r>
+            <a:r>
+              <a:rPr lang="fr-FR" dirty="0" err="1"/>
+              <a:t>java.net.AbstractPlainSocketImpl.connectToAddress</a:t>
+            </a:r>
+            <a:r>
+              <a:rPr lang="fr-FR" dirty="0"/>
+              <a:t>(AbstractPlainSocketImpl.java:200) at </a:t>
+            </a:r>
+            <a:r>
+              <a:rPr lang="fr-FR" dirty="0" err="1"/>
+              <a:t>java.net.AbstractPlainSocketImpl.connect</a:t>
+            </a:r>
+            <a:r>
+              <a:rPr lang="fr-FR" dirty="0"/>
+              <a:t>(AbstractPlainSocketImpl.java:182) at </a:t>
+            </a:r>
+            <a:r>
+              <a:rPr lang="fr-FR" dirty="0" err="1"/>
+              <a:t>java.net.SocksSocketImpl.connect</a:t>
+            </a:r>
+            <a:r>
+              <a:rPr lang="fr-FR" dirty="0"/>
+              <a:t>(SocksSocketImpl.java:392) at </a:t>
+            </a:r>
+            <a:r>
+              <a:rPr lang="fr-FR" dirty="0" err="1"/>
+              <a:t>java.net.Socket.connect</a:t>
+            </a:r>
+            <a:r>
+              <a:rPr lang="fr-FR" dirty="0"/>
+              <a:t>(Socket.java:579) at </a:t>
+            </a:r>
+            <a:r>
+              <a:rPr lang="fr-FR" dirty="0" err="1"/>
+              <a:t>sun.net.NetworkClient.doConnect</a:t>
+            </a:r>
+            <a:r>
+              <a:rPr lang="fr-FR" dirty="0"/>
+              <a:t>(NetworkClient.java:175) at </a:t>
+            </a:r>
+            <a:r>
+              <a:rPr lang="fr-FR" dirty="0" err="1"/>
+              <a:t>sun.net.www.http.HttpClient.openServer</a:t>
+            </a:r>
+            <a:r>
+              <a:rPr lang="fr-FR" dirty="0"/>
+              <a:t>(HttpClient.java:378) at </a:t>
+            </a:r>
+            <a:r>
+              <a:rPr lang="fr-FR" dirty="0" err="1"/>
+              <a:t>sun.net.www.http.HttpClient.openServer</a:t>
+            </a:r>
+            <a:r>
+              <a:rPr lang="fr-FR" dirty="0"/>
+              <a:t>(HttpClient.java:473) at </a:t>
+            </a:r>
+            <a:r>
+              <a:rPr lang="fr-FR" dirty="0" err="1"/>
+              <a:t>sun.net.www.http.HttpClient</a:t>
+            </a:r>
+            <a:r>
+              <a:rPr lang="fr-FR" dirty="0"/>
+              <a:t>.(HttpClient.java:203) at </a:t>
+            </a:r>
+            <a:r>
+              <a:rPr lang="fr-FR" dirty="0" err="1"/>
+              <a:t>sun.net.www.http.HttpClient.New</a:t>
+            </a:r>
+            <a:r>
+              <a:rPr lang="fr-FR" dirty="0"/>
+              <a:t>(HttpClient.java:290) at </a:t>
+            </a:r>
+            <a:r>
+              <a:rPr lang="fr-FR" dirty="0" err="1"/>
+              <a:t>sun.net.www.http.HttpClient.New</a:t>
+            </a:r>
+            <a:r>
+              <a:rPr lang="fr-FR" dirty="0"/>
+              <a:t>(HttpClient.java:306) at </a:t>
+            </a:r>
+            <a:r>
+              <a:rPr lang="fr-FR" dirty="0" err="1"/>
+              <a:t>sun.net.www.protocol.http.HttpURLConnection.getNewHttpClient</a:t>
+            </a:r>
+            <a:r>
+              <a:rPr lang="fr-FR" dirty="0"/>
+              <a:t>(HttpURLConnection.java:995) at </a:t>
+            </a:r>
+            <a:r>
+              <a:rPr lang="fr-FR" dirty="0" err="1"/>
+              <a:t>sun.net.www.protocol.http.HttpURLConnection.plainConnect</a:t>
+            </a:r>
+            <a:r>
+              <a:rPr lang="fr-FR" dirty="0"/>
+              <a:t>(HttpURLConnection.java:931) at </a:t>
+            </a:r>
+            <a:r>
+              <a:rPr lang="fr-FR" dirty="0" err="1"/>
+              <a:t>sun.net.www.protocol.http.HttpURLConnection.connect</a:t>
+            </a:r>
+            <a:r>
+              <a:rPr lang="fr-FR" dirty="0"/>
+              <a:t>(HttpURLConnection.java:849) at </a:t>
+            </a:r>
+            <a:r>
+              <a:rPr lang="fr-FR" dirty="0" err="1"/>
+              <a:t>org.jsoup.helper.HttpConnection$Response.execute</a:t>
+            </a:r>
+            <a:r>
+              <a:rPr lang="fr-FR" dirty="0"/>
+              <a:t>(HttpConnection.java:425) at </a:t>
+            </a:r>
+            <a:r>
+              <a:rPr lang="fr-FR" dirty="0" err="1"/>
+              <a:t>org.jsoup.helper.HttpConnection$Response.execute</a:t>
+            </a:r>
+            <a:r>
+              <a:rPr lang="fr-FR" dirty="0"/>
+              <a:t>(HttpConnection.java:410) at </a:t>
+            </a:r>
+            <a:r>
+              <a:rPr lang="fr-FR" dirty="0" err="1"/>
+              <a:t>org.jsoup.helper.HttpConnection.execute</a:t>
+            </a:r>
+            <a:r>
+              <a:rPr lang="fr-FR" dirty="0"/>
+              <a:t>(HttpConnection.java:164) at </a:t>
+            </a:r>
+            <a:r>
+              <a:rPr lang="fr-FR" dirty="0" err="1"/>
+              <a:t>org.jsoup.helper.HttpConnection.get</a:t>
+            </a:r>
+            <a:r>
+              <a:rPr lang="fr-FR" dirty="0"/>
+              <a:t>(HttpConnection.java:153) at </a:t>
+            </a:r>
+            <a:r>
+              <a:rPr lang="fr-FR" dirty="0" err="1"/>
+              <a:t>rssagregator.services.tache.TacheDecouverteAjoutFlux.callCorps</a:t>
+            </a:r>
+            <a:r>
+              <a:rPr lang="fr-FR" dirty="0"/>
+              <a:t>(TacheDecouverteAjoutFlux.java:117) at </a:t>
+            </a:r>
+            <a:r>
+              <a:rPr lang="fr-FR" dirty="0" err="1"/>
+              <a:t>rssagregator.services.tache.TacheImpl.executeProcessus</a:t>
+            </a:r>
+            <a:r>
+              <a:rPr lang="fr-FR" dirty="0"/>
+              <a:t>(TacheImpl.java:192) at </a:t>
+            </a:r>
+            <a:r>
+              <a:rPr lang="fr-FR" dirty="0" err="1"/>
+              <a:t>rssagregator.services.tache.TacheImpl.call</a:t>
+            </a:r>
+            <a:r>
+              <a:rPr lang="fr-FR" dirty="0"/>
+              <a:t>(TacheImpl.java:221) at </a:t>
+            </a:r>
+            <a:r>
+              <a:rPr lang="fr-FR" dirty="0" err="1"/>
+              <a:t>java.util.concurrent.FutureTask$Sync.innerRun</a:t>
+            </a:r>
+            <a:r>
+              <a:rPr lang="fr-FR" dirty="0"/>
+              <a:t>(FutureTask.java:334) at </a:t>
+            </a:r>
+            <a:r>
+              <a:rPr lang="fr-FR" dirty="0" err="1"/>
+              <a:t>java.util.concurrent.FutureTask.run</a:t>
+            </a:r>
+            <a:r>
+              <a:rPr lang="fr-FR" dirty="0"/>
+              <a:t>(FutureTask.java:166) at java.util.concurrent.ScheduledThreadPoolExecutor$ScheduledFutureTask.access$201(ScheduledThreadPoolExecutor.java:178) at java.util.concurrent.ScheduledThreadPoolExecutor$ScheduledFutureTask.run(ScheduledThreadPoolExecutor.java:292) at </a:t>
+            </a:r>
+            <a:r>
+              <a:rPr lang="fr-FR" dirty="0" err="1"/>
+              <a:t>java.util.concurrent.ThreadPoolExecutor.runWorker</a:t>
+            </a:r>
+            <a:r>
+              <a:rPr lang="fr-FR" dirty="0"/>
+              <a:t>(ThreadPoolExecutor.java:1145) at </a:t>
+            </a:r>
+            <a:r>
+              <a:rPr lang="fr-FR" dirty="0" err="1"/>
+              <a:t>java.util.concurrent.ThreadPoolExecutor$Worker.run</a:t>
+            </a:r>
+            <a:r>
+              <a:rPr lang="fr-FR" dirty="0"/>
+              <a:t>(ThreadPoolExecutor.java:615) at </a:t>
+            </a:r>
+            <a:r>
+              <a:rPr lang="fr-FR" dirty="0" err="1"/>
+              <a:t>java.lang.Thread.run</a:t>
+            </a:r>
+            <a:r>
+              <a:rPr lang="fr-FR" dirty="0"/>
+              <a:t>(Thread.java:724)</a:t>
+            </a:r>
+          </a:p>
+          <a:p>
+            <a:endParaRPr lang="en-US" dirty="0"/>
           </a:p>
         </p:txBody>
       </p:sp>
@@ -12714,7 +12684,7 @@
     </p:spTree>
     <p:extLst>
       <p:ext uri="{BB962C8B-B14F-4D97-AF65-F5344CB8AC3E}">
-        <p14:creationId xmlns:p14="http://schemas.microsoft.com/office/powerpoint/2010/main" val="2938270343"/>
+        <p14:creationId xmlns:p14="http://schemas.microsoft.com/office/powerpoint/2010/main" val="2918650107"/>
       </p:ext>
     </p:extLst>
   </p:cSld>
@@ -12766,85 +12736,10 @@
           <a:lstStyle/>
           <a:p>
             <a:r>
-              <a:rPr lang="fr-FR" sz="3600" dirty="0" smtClean="0"/>
-              <a:t>Analyse du code</a:t>
+              <a:rPr lang="fr-FR" sz="3600" dirty="0" err="1" smtClean="0"/>
+              <a:t>Watchdog</a:t>
             </a:r>
             <a:endParaRPr lang="en-US" sz="3600" dirty="0"/>
-          </a:p>
-        </p:txBody>
-      </p:sp>
-      <p:sp>
-        <p:nvSpPr>
-          <p:cNvPr id="3" name="Espace réservé du contenu 2"/>
-          <p:cNvSpPr>
-            <a:spLocks noGrp="1"/>
-          </p:cNvSpPr>
-          <p:nvPr>
-            <p:ph idx="1"/>
-          </p:nvPr>
-        </p:nvSpPr>
-        <p:spPr>
-          <a:xfrm>
-            <a:off x="254000" y="2501900"/>
-            <a:ext cx="8648700" cy="1581694"/>
-          </a:xfrm>
-          <a:noFill/>
-        </p:spPr>
-        <p:txBody>
-          <a:bodyPr>
-            <a:normAutofit fontScale="92500" lnSpcReduction="20000"/>
-          </a:bodyPr>
-          <a:lstStyle/>
-          <a:p>
-            <a:r>
-              <a:rPr lang="fr-FR" dirty="0" smtClean="0"/>
-              <a:t>L’application est trop peu documentée</a:t>
-            </a:r>
-          </a:p>
-          <a:p>
-            <a:r>
-              <a:rPr lang="fr-FR" dirty="0"/>
-              <a:t>S</a:t>
-            </a:r>
-            <a:r>
-              <a:rPr lang="fr-FR" dirty="0" smtClean="0"/>
-              <a:t>a structure est complexe</a:t>
-            </a:r>
-          </a:p>
-          <a:p>
-            <a:r>
-              <a:rPr lang="fr-FR" dirty="0" smtClean="0"/>
-              <a:t>Les erreurs/exceptions des logs ne sont pas assez explicites</a:t>
-            </a:r>
-          </a:p>
-          <a:p>
-            <a:pPr lvl="2"/>
-            <a:endParaRPr lang="fr-FR" dirty="0" smtClean="0"/>
-          </a:p>
-          <a:p>
-            <a:pPr lvl="1"/>
-            <a:endParaRPr lang="fr-FR" dirty="0"/>
-          </a:p>
-          <a:p>
-            <a:endParaRPr lang="fr-FR" dirty="0" smtClean="0"/>
-          </a:p>
-          <a:p>
-            <a:pPr lvl="1"/>
-            <a:endParaRPr lang="fr-FR" dirty="0" smtClean="0">
-              <a:solidFill>
-                <a:schemeClr val="accent6">
-                  <a:lumMod val="75000"/>
-                </a:schemeClr>
-              </a:solidFill>
-            </a:endParaRPr>
-          </a:p>
-          <a:p>
-            <a:pPr lvl="1"/>
-            <a:endParaRPr lang="fr-FR" dirty="0" smtClean="0">
-              <a:solidFill>
-                <a:srgbClr val="C89800"/>
-              </a:solidFill>
-            </a:endParaRPr>
           </a:p>
         </p:txBody>
       </p:sp>
@@ -12867,92 +12762,6 @@
               <a:rPr lang="fr-FR" smtClean="0"/>
               <a:pPr/>
               <a:t>34</a:t>
-            </a:fld>
-            <a:endParaRPr lang="fr-FR" dirty="0"/>
-          </a:p>
-        </p:txBody>
-      </p:sp>
-    </p:spTree>
-    <p:extLst>
-      <p:ext uri="{BB962C8B-B14F-4D97-AF65-F5344CB8AC3E}">
-        <p14:creationId xmlns:p14="http://schemas.microsoft.com/office/powerpoint/2010/main" val="2018720381"/>
-      </p:ext>
-    </p:extLst>
-  </p:cSld>
-  <p:clrMapOvr>
-    <a:masterClrMapping/>
-  </p:clrMapOvr>
-  <p:timing>
-    <p:tnLst>
-      <p:par>
-        <p:cTn id="1" dur="indefinite" restart="never" nodeType="tmRoot"/>
-      </p:par>
-    </p:tnLst>
-  </p:timing>
-</p:sld>
-</file>
-
-<file path=ppt/slides/slide35.xml><?xml version="1.0" encoding="utf-8"?>
-<p:sld xmlns:a="http://schemas.openxmlformats.org/drawingml/2006/main" xmlns:r="http://schemas.openxmlformats.org/officeDocument/2006/relationships" xmlns:p="http://schemas.openxmlformats.org/presentationml/2006/main">
-  <p:cSld>
-    <p:spTree>
-      <p:nvGrpSpPr>
-        <p:cNvPr id="1" name=""/>
-        <p:cNvGrpSpPr/>
-        <p:nvPr/>
-      </p:nvGrpSpPr>
-      <p:grpSpPr>
-        <a:xfrm>
-          <a:off x="0" y="0"/>
-          <a:ext cx="0" cy="0"/>
-          <a:chOff x="0" y="0"/>
-          <a:chExt cx="0" cy="0"/>
-        </a:xfrm>
-      </p:grpSpPr>
-      <p:sp>
-        <p:nvSpPr>
-          <p:cNvPr id="2" name="Titre 1"/>
-          <p:cNvSpPr>
-            <a:spLocks noGrp="1"/>
-          </p:cNvSpPr>
-          <p:nvPr>
-            <p:ph type="title"/>
-          </p:nvPr>
-        </p:nvSpPr>
-        <p:spPr/>
-        <p:txBody>
-          <a:bodyPr>
-            <a:normAutofit/>
-          </a:bodyPr>
-          <a:lstStyle/>
-          <a:p>
-            <a:r>
-              <a:rPr lang="fr-FR" sz="3600" dirty="0" err="1" smtClean="0"/>
-              <a:t>Watchdog</a:t>
-            </a:r>
-            <a:endParaRPr lang="en-US" sz="3600" dirty="0"/>
-          </a:p>
-        </p:txBody>
-      </p:sp>
-      <p:sp>
-        <p:nvSpPr>
-          <p:cNvPr id="4" name="Espace réservé du numéro de diapositive 3"/>
-          <p:cNvSpPr>
-            <a:spLocks noGrp="1"/>
-          </p:cNvSpPr>
-          <p:nvPr>
-            <p:ph type="sldNum" sz="quarter" idx="12"/>
-          </p:nvPr>
-        </p:nvSpPr>
-        <p:spPr/>
-        <p:txBody>
-          <a:bodyPr/>
-          <a:lstStyle/>
-          <a:p>
-            <a:fld id="{87D9652F-9609-4EC6-8E0A-C96E14B58A2A}" type="slidenum">
-              <a:rPr lang="fr-FR" smtClean="0"/>
-              <a:pPr/>
-              <a:t>35</a:t>
             </a:fld>
             <a:endParaRPr lang="fr-FR" dirty="0"/>
           </a:p>
@@ -13597,7 +13406,7 @@
 </p:sld>
 </file>
 
-<file path=ppt/slides/slide36.xml><?xml version="1.0" encoding="utf-8"?>
+<file path=ppt/slides/slide35.xml><?xml version="1.0" encoding="utf-8"?>
 <p:sld xmlns:a="http://schemas.openxmlformats.org/drawingml/2006/main" xmlns:r="http://schemas.openxmlformats.org/officeDocument/2006/relationships" xmlns:p="http://schemas.openxmlformats.org/presentationml/2006/main">
   <p:cSld>
     <p:spTree>
@@ -13669,11 +13478,7 @@
             </a:pPr>
             <a:r>
               <a:rPr lang="fr-FR" dirty="0" smtClean="0"/>
-              <a:t>Solution « bricolage » : </a:t>
-            </a:r>
-            <a:r>
-              <a:rPr lang="fr-FR" dirty="0" smtClean="0"/>
-              <a:t>script </a:t>
+              <a:t>Solution « bricolage » : script </a:t>
             </a:r>
             <a:r>
               <a:rPr lang="fr-FR" b="1" dirty="0" err="1"/>
@@ -13868,7 +13673,7 @@
             <a:fld id="{87D9652F-9609-4EC6-8E0A-C96E14B58A2A}" type="slidenum">
               <a:rPr lang="fr-FR" smtClean="0"/>
               <a:pPr/>
-              <a:t>36</a:t>
+              <a:t>35</a:t>
             </a:fld>
             <a:endParaRPr lang="fr-FR" dirty="0"/>
           </a:p>
@@ -13894,6 +13699,83 @@
 </p:sld>
 </file>
 
+<file path=ppt/slides/slide36.xml><?xml version="1.0" encoding="utf-8"?>
+<p:sld xmlns:a="http://schemas.openxmlformats.org/drawingml/2006/main" xmlns:r="http://schemas.openxmlformats.org/officeDocument/2006/relationships" xmlns:p="http://schemas.openxmlformats.org/presentationml/2006/main">
+  <p:cSld>
+    <p:spTree>
+      <p:nvGrpSpPr>
+        <p:cNvPr id="1" name=""/>
+        <p:cNvGrpSpPr/>
+        <p:nvPr/>
+      </p:nvGrpSpPr>
+      <p:grpSpPr>
+        <a:xfrm>
+          <a:off x="0" y="0"/>
+          <a:ext cx="0" cy="0"/>
+          <a:chOff x="0" y="0"/>
+          <a:chExt cx="0" cy="0"/>
+        </a:xfrm>
+      </p:grpSpPr>
+      <p:sp>
+        <p:nvSpPr>
+          <p:cNvPr id="5" name="Titre 4"/>
+          <p:cNvSpPr>
+            <a:spLocks noGrp="1"/>
+          </p:cNvSpPr>
+          <p:nvPr>
+            <p:ph type="title"/>
+          </p:nvPr>
+        </p:nvSpPr>
+        <p:spPr/>
+        <p:txBody>
+          <a:bodyPr/>
+          <a:lstStyle/>
+          <a:p>
+            <a:r>
+              <a:rPr lang="fr-FR" dirty="0" smtClean="0"/>
+              <a:t>Bilan</a:t>
+            </a:r>
+            <a:endParaRPr lang="fr-FR" dirty="0"/>
+          </a:p>
+        </p:txBody>
+      </p:sp>
+      <p:sp>
+        <p:nvSpPr>
+          <p:cNvPr id="4" name="Espace réservé du numéro de diapositive 3"/>
+          <p:cNvSpPr>
+            <a:spLocks noGrp="1"/>
+          </p:cNvSpPr>
+          <p:nvPr>
+            <p:ph type="sldNum" sz="quarter" idx="12"/>
+          </p:nvPr>
+        </p:nvSpPr>
+        <p:spPr/>
+        <p:txBody>
+          <a:bodyPr/>
+          <a:lstStyle/>
+          <a:p>
+            <a:fld id="{87D9652F-9609-4EC6-8E0A-C96E14B58A2A}" type="slidenum">
+              <a:rPr lang="fr-FR" smtClean="0"/>
+              <a:pPr/>
+              <a:t>36</a:t>
+            </a:fld>
+            <a:endParaRPr lang="fr-FR" dirty="0"/>
+          </a:p>
+        </p:txBody>
+      </p:sp>
+    </p:spTree>
+    <p:extLst>
+      <p:ext uri="{BB962C8B-B14F-4D97-AF65-F5344CB8AC3E}">
+        <p14:creationId xmlns:p14="http://schemas.microsoft.com/office/powerpoint/2010/main" val="4002506180"/>
+      </p:ext>
+    </p:extLst>
+  </p:cSld>
+  <p:clrMapOvr>
+    <a:masterClrMapping/>
+  </p:clrMapOvr>
+</p:sld>
+</file>
+
 <file path=ppt/slides/slide37.xml><?xml version="1.0" encoding="utf-8"?>
 <p:sld xmlns:a="http://schemas.openxmlformats.org/drawingml/2006/main" xmlns:r="http://schemas.openxmlformats.org/officeDocument/2006/relationships" xmlns:p="http://schemas.openxmlformats.org/presentationml/2006/main">
   <p:cSld>
@@ -13930,7 +13812,7 @@
           <a:p>
             <a:r>
               <a:rPr lang="fr-FR" sz="4000" dirty="0" smtClean="0"/>
-              <a:t>Ruptures depuis l’intervention?</a:t>
+              <a:t>Tâches réalisées</a:t>
             </a:r>
             <a:endParaRPr lang="fr-FR" sz="4000" dirty="0"/>
           </a:p>
@@ -13955,6 +13837,345 @@
               <a:rPr lang="fr-FR" smtClean="0"/>
               <a:pPr/>
               <a:t>37</a:t>
+            </a:fld>
+            <a:endParaRPr lang="fr-FR" dirty="0"/>
+          </a:p>
+        </p:txBody>
+      </p:sp>
+      <p:pic>
+        <p:nvPicPr>
+          <p:cNvPr id="1028" name="Picture 4" descr="http://icons.iconarchive.com/icons/icojam/blue-bits/256/application-icon.png"/>
+          <p:cNvPicPr>
+            <a:picLocks noChangeAspect="1" noChangeArrowheads="1"/>
+          </p:cNvPicPr>
+          <p:nvPr/>
+        </p:nvPicPr>
+        <p:blipFill>
+          <a:blip r:embed="rId2">
+            <a:duotone>
+              <a:schemeClr val="accent2">
+                <a:shade val="45000"/>
+                <a:satMod val="135000"/>
+              </a:schemeClr>
+              <a:prstClr val="white"/>
+            </a:duotone>
+            <a:extLst>
+              <a:ext uri="{28A0092B-C50C-407E-A947-70E740481C1C}">
+                <a14:useLocalDpi xmlns:a14="http://schemas.microsoft.com/office/drawing/2010/main" val="0"/>
+              </a:ext>
+            </a:extLst>
+          </a:blip>
+          <a:srcRect/>
+          <a:stretch>
+            <a:fillRect/>
+          </a:stretch>
+        </p:blipFill>
+        <p:spPr bwMode="auto">
+          <a:xfrm>
+            <a:off x="254000" y="1170125"/>
+            <a:ext cx="2710218" cy="2710218"/>
+          </a:xfrm>
+          <a:prstGeom prst="rect">
+            <a:avLst/>
+          </a:prstGeom>
+          <a:noFill/>
+          <a:extLst>
+            <a:ext uri="{909E8E84-426E-40DD-AFC4-6F175D3DCCD1}">
+              <a14:hiddenFill xmlns:a14="http://schemas.microsoft.com/office/drawing/2010/main">
+                <a:solidFill>
+                  <a:srgbClr val="FFFFFF"/>
+                </a:solidFill>
+              </a14:hiddenFill>
+            </a:ext>
+          </a:extLst>
+        </p:spPr>
+      </p:pic>
+      <p:pic>
+        <p:nvPicPr>
+          <p:cNvPr id="7" name="Picture 4" descr="http://icons.iconarchive.com/icons/icojam/blue-bits/256/application-icon.png"/>
+          <p:cNvPicPr>
+            <a:picLocks noChangeAspect="1" noChangeArrowheads="1"/>
+          </p:cNvPicPr>
+          <p:nvPr/>
+        </p:nvPicPr>
+        <p:blipFill>
+          <a:blip r:embed="rId2">
+            <a:duotone>
+              <a:schemeClr val="accent3">
+                <a:shade val="45000"/>
+                <a:satMod val="135000"/>
+              </a:schemeClr>
+              <a:prstClr val="white"/>
+            </a:duotone>
+            <a:extLst>
+              <a:ext uri="{28A0092B-C50C-407E-A947-70E740481C1C}">
+                <a14:useLocalDpi xmlns:a14="http://schemas.microsoft.com/office/drawing/2010/main" val="0"/>
+              </a:ext>
+            </a:extLst>
+          </a:blip>
+          <a:srcRect/>
+          <a:stretch>
+            <a:fillRect/>
+          </a:stretch>
+        </p:blipFill>
+        <p:spPr bwMode="auto">
+          <a:xfrm>
+            <a:off x="6192482" y="1170125"/>
+            <a:ext cx="2710218" cy="2710218"/>
+          </a:xfrm>
+          <a:prstGeom prst="rect">
+            <a:avLst/>
+          </a:prstGeom>
+          <a:noFill/>
+          <a:extLst>
+            <a:ext uri="{909E8E84-426E-40DD-AFC4-6F175D3DCCD1}">
+              <a14:hiddenFill xmlns:a14="http://schemas.microsoft.com/office/drawing/2010/main">
+                <a:solidFill>
+                  <a:srgbClr val="FFFFFF"/>
+                </a:solidFill>
+              </a14:hiddenFill>
+            </a:ext>
+          </a:extLst>
+        </p:spPr>
+      </p:pic>
+      <p:cxnSp>
+        <p:nvCxnSpPr>
+          <p:cNvPr id="6" name="Connecteur droit avec flèche 5"/>
+          <p:cNvCxnSpPr/>
+          <p:nvPr/>
+        </p:nvCxnSpPr>
+        <p:spPr>
+          <a:xfrm>
+            <a:off x="3152632" y="2525234"/>
+            <a:ext cx="2880000" cy="0"/>
+          </a:xfrm>
+          <a:prstGeom prst="straightConnector1">
+            <a:avLst/>
+          </a:prstGeom>
+          <a:ln w="73025">
+            <a:solidFill>
+              <a:schemeClr val="tx1"/>
+            </a:solidFill>
+            <a:tailEnd type="triangle"/>
+          </a:ln>
+        </p:spPr>
+        <p:style>
+          <a:lnRef idx="1">
+            <a:schemeClr val="accent1"/>
+          </a:lnRef>
+          <a:fillRef idx="0">
+            <a:schemeClr val="accent1"/>
+          </a:fillRef>
+          <a:effectRef idx="0">
+            <a:schemeClr val="accent1"/>
+          </a:effectRef>
+          <a:fontRef idx="minor">
+            <a:schemeClr val="tx1"/>
+          </a:fontRef>
+        </p:style>
+      </p:cxnSp>
+      <p:pic>
+        <p:nvPicPr>
+          <p:cNvPr id="1030" name="Picture 6" descr="http://thevillagespcrepair.com/wp-content/uploads/2014/03/repair.png"/>
+          <p:cNvPicPr>
+            <a:picLocks noChangeAspect="1" noChangeArrowheads="1"/>
+          </p:cNvPicPr>
+          <p:nvPr/>
+        </p:nvPicPr>
+        <p:blipFill>
+          <a:blip r:embed="rId3">
+            <a:extLst>
+              <a:ext uri="{28A0092B-C50C-407E-A947-70E740481C1C}">
+                <a14:useLocalDpi xmlns:a14="http://schemas.microsoft.com/office/drawing/2010/main" val="0"/>
+              </a:ext>
+            </a:extLst>
+          </a:blip>
+          <a:srcRect/>
+          <a:stretch>
+            <a:fillRect/>
+          </a:stretch>
+        </p:blipFill>
+        <p:spPr bwMode="auto">
+          <a:xfrm>
+            <a:off x="3513986" y="1468433"/>
+            <a:ext cx="2113602" cy="2113602"/>
+          </a:xfrm>
+          <a:prstGeom prst="rect">
+            <a:avLst/>
+          </a:prstGeom>
+          <a:noFill/>
+          <a:extLst>
+            <a:ext uri="{909E8E84-426E-40DD-AFC4-6F175D3DCCD1}">
+              <a14:hiddenFill xmlns:a14="http://schemas.microsoft.com/office/drawing/2010/main">
+                <a:solidFill>
+                  <a:srgbClr val="FFFFFF"/>
+                </a:solidFill>
+              </a14:hiddenFill>
+            </a:ext>
+          </a:extLst>
+        </p:spPr>
+      </p:pic>
+      <p:sp>
+        <p:nvSpPr>
+          <p:cNvPr id="8" name="Espace réservé du contenu 2"/>
+          <p:cNvSpPr>
+            <a:spLocks noGrp="1"/>
+          </p:cNvSpPr>
+          <p:nvPr>
+            <p:ph idx="1"/>
+          </p:nvPr>
+        </p:nvSpPr>
+        <p:spPr>
+          <a:xfrm>
+            <a:off x="2125923" y="4114553"/>
+            <a:ext cx="5421668" cy="2606923"/>
+          </a:xfrm>
+          <a:solidFill>
+            <a:schemeClr val="bg1"/>
+          </a:solidFill>
+          <a:ln>
+            <a:noFill/>
+          </a:ln>
+        </p:spPr>
+        <p:txBody>
+          <a:bodyPr>
+            <a:noAutofit/>
+          </a:bodyPr>
+          <a:lstStyle/>
+          <a:p>
+            <a:r>
+              <a:rPr lang="fr-FR" dirty="0" smtClean="0"/>
+              <a:t>Rupture de la collecte</a:t>
+            </a:r>
+          </a:p>
+          <a:p>
+            <a:r>
+              <a:rPr lang="fr-FR" strike="sngStrike" dirty="0" smtClean="0">
+                <a:solidFill>
+                  <a:schemeClr val="bg1">
+                    <a:lumMod val="75000"/>
+                  </a:schemeClr>
+                </a:solidFill>
+              </a:rPr>
+              <a:t>Extraction des données</a:t>
+            </a:r>
+          </a:p>
+          <a:p>
+            <a:r>
+              <a:rPr lang="fr-FR" strike="sngStrike" dirty="0" smtClean="0">
+                <a:solidFill>
+                  <a:schemeClr val="bg1">
+                    <a:lumMod val="75000"/>
+                  </a:schemeClr>
+                </a:solidFill>
+              </a:rPr>
+              <a:t>Ergonomie de l’interface</a:t>
+            </a:r>
+          </a:p>
+          <a:p>
+            <a:r>
+              <a:rPr lang="fr-FR" dirty="0" smtClean="0"/>
+              <a:t>Réutilisabilité </a:t>
+            </a:r>
+            <a:r>
+              <a:rPr lang="fr-FR" dirty="0"/>
+              <a:t>de l’application</a:t>
+            </a:r>
+          </a:p>
+          <a:p>
+            <a:r>
+              <a:rPr lang="fr-FR" dirty="0"/>
+              <a:t>Co-administration du </a:t>
+            </a:r>
+            <a:r>
+              <a:rPr lang="fr-FR" dirty="0" smtClean="0"/>
+              <a:t>serveur</a:t>
+            </a:r>
+            <a:endParaRPr lang="fr-FR" dirty="0"/>
+          </a:p>
+        </p:txBody>
+      </p:sp>
+    </p:spTree>
+    <p:extLst>
+      <p:ext uri="{BB962C8B-B14F-4D97-AF65-F5344CB8AC3E}">
+        <p14:creationId xmlns:p14="http://schemas.microsoft.com/office/powerpoint/2010/main" val="4277559653"/>
+      </p:ext>
+    </p:extLst>
+  </p:cSld>
+  <p:clrMapOvr>
+    <a:masterClrMapping/>
+  </p:clrMapOvr>
+  <p:timing>
+    <p:tnLst>
+      <p:par>
+        <p:cTn id="1" dur="indefinite" restart="never" nodeType="tmRoot"/>
+      </p:par>
+    </p:tnLst>
+  </p:timing>
+</p:sld>
+</file>
+
+<file path=ppt/slides/slide38.xml><?xml version="1.0" encoding="utf-8"?>
+<p:sld xmlns:a="http://schemas.openxmlformats.org/drawingml/2006/main" xmlns:r="http://schemas.openxmlformats.org/officeDocument/2006/relationships" xmlns:p="http://schemas.openxmlformats.org/presentationml/2006/main">
+  <p:cSld>
+    <p:spTree>
+      <p:nvGrpSpPr>
+        <p:cNvPr id="1" name=""/>
+        <p:cNvGrpSpPr/>
+        <p:nvPr/>
+      </p:nvGrpSpPr>
+      <p:grpSpPr>
+        <a:xfrm>
+          <a:off x="0" y="0"/>
+          <a:ext cx="0" cy="0"/>
+          <a:chOff x="0" y="0"/>
+          <a:chExt cx="0" cy="0"/>
+        </a:xfrm>
+      </p:grpSpPr>
+      <p:sp>
+        <p:nvSpPr>
+          <p:cNvPr id="2" name="Titre 1"/>
+          <p:cNvSpPr>
+            <a:spLocks noGrp="1"/>
+          </p:cNvSpPr>
+          <p:nvPr>
+            <p:ph type="title"/>
+          </p:nvPr>
+        </p:nvSpPr>
+        <p:spPr/>
+        <p:txBody>
+          <a:bodyPr>
+            <a:noAutofit/>
+          </a:bodyPr>
+          <a:lstStyle/>
+          <a:p>
+            <a:r>
+              <a:rPr lang="fr-FR" sz="4000" dirty="0" smtClean="0"/>
+              <a:t>Ruptures depuis l’intervention?</a:t>
+            </a:r>
+            <a:endParaRPr lang="fr-FR" sz="4000" dirty="0"/>
+          </a:p>
+        </p:txBody>
+      </p:sp>
+      <p:sp>
+        <p:nvSpPr>
+          <p:cNvPr id="4" name="Espace réservé du numéro de diapositive 3"/>
+          <p:cNvSpPr>
+            <a:spLocks noGrp="1"/>
+          </p:cNvSpPr>
+          <p:nvPr>
+            <p:ph type="sldNum" sz="quarter" idx="12"/>
+          </p:nvPr>
+        </p:nvSpPr>
+        <p:spPr/>
+        <p:txBody>
+          <a:bodyPr/>
+          <a:lstStyle/>
+          <a:p>
+            <a:fld id="{87D9652F-9609-4EC6-8E0A-C96E14B58A2A}" type="slidenum">
+              <a:rPr lang="fr-FR" smtClean="0"/>
+              <a:pPr/>
+              <a:t>38</a:t>
             </a:fld>
             <a:endParaRPr lang="fr-FR" dirty="0"/>
           </a:p>
@@ -14047,7 +14268,7 @@
 </p:sld>
 </file>
 
-<file path=ppt/slides/slide38.xml><?xml version="1.0" encoding="utf-8"?>
+<file path=ppt/slides/slide39.xml><?xml version="1.0" encoding="utf-8"?>
 <p:sld xmlns:a="http://schemas.openxmlformats.org/drawingml/2006/main" xmlns:r="http://schemas.openxmlformats.org/officeDocument/2006/relationships" xmlns:p="http://schemas.openxmlformats.org/presentationml/2006/main">
   <p:cSld>
     <p:spTree>
@@ -14107,7 +14328,7 @@
             <a:fld id="{87D9652F-9609-4EC6-8E0A-C96E14B58A2A}" type="slidenum">
               <a:rPr lang="fr-FR" smtClean="0"/>
               <a:pPr/>
-              <a:t>38</a:t>
+              <a:t>39</a:t>
             </a:fld>
             <a:endParaRPr lang="fr-FR" dirty="0"/>
           </a:p>
@@ -14246,90 +14467,6 @@
 </p:sld>
 </file>
 
-<file path=ppt/slides/slide39.xml><?xml version="1.0" encoding="utf-8"?>
-<p:sld xmlns:a="http://schemas.openxmlformats.org/drawingml/2006/main" xmlns:r="http://schemas.openxmlformats.org/officeDocument/2006/relationships" xmlns:p="http://schemas.openxmlformats.org/presentationml/2006/main">
-  <p:cSld>
-    <p:spTree>
-      <p:nvGrpSpPr>
-        <p:cNvPr id="1" name=""/>
-        <p:cNvGrpSpPr/>
-        <p:nvPr/>
-      </p:nvGrpSpPr>
-      <p:grpSpPr>
-        <a:xfrm>
-          <a:off x="0" y="0"/>
-          <a:ext cx="0" cy="0"/>
-          <a:chOff x="0" y="0"/>
-          <a:chExt cx="0" cy="0"/>
-        </a:xfrm>
-      </p:grpSpPr>
-      <p:sp>
-        <p:nvSpPr>
-          <p:cNvPr id="5" name="Titre 4"/>
-          <p:cNvSpPr>
-            <a:spLocks noGrp="1"/>
-          </p:cNvSpPr>
-          <p:nvPr>
-            <p:ph type="title"/>
-          </p:nvPr>
-        </p:nvSpPr>
-        <p:spPr/>
-        <p:txBody>
-          <a:bodyPr/>
-          <a:lstStyle/>
-          <a:p>
-            <a:r>
-              <a:rPr lang="fr-FR" dirty="0" smtClean="0"/>
-              <a:t>Recommandations générales</a:t>
-            </a:r>
-            <a:endParaRPr lang="fr-FR" dirty="0"/>
-          </a:p>
-        </p:txBody>
-      </p:sp>
-      <p:sp>
-        <p:nvSpPr>
-          <p:cNvPr id="4" name="Espace réservé du numéro de diapositive 3"/>
-          <p:cNvSpPr>
-            <a:spLocks noGrp="1"/>
-          </p:cNvSpPr>
-          <p:nvPr>
-            <p:ph type="sldNum" sz="quarter" idx="12"/>
-          </p:nvPr>
-        </p:nvSpPr>
-        <p:spPr/>
-        <p:txBody>
-          <a:bodyPr/>
-          <a:lstStyle/>
-          <a:p>
-            <a:fld id="{87D9652F-9609-4EC6-8E0A-C96E14B58A2A}" type="slidenum">
-              <a:rPr lang="fr-FR" smtClean="0"/>
-              <a:pPr/>
-              <a:t>39</a:t>
-            </a:fld>
-            <a:endParaRPr lang="fr-FR" dirty="0"/>
-          </a:p>
-        </p:txBody>
-      </p:sp>
-    </p:spTree>
-    <p:extLst>
-      <p:ext uri="{BB962C8B-B14F-4D97-AF65-F5344CB8AC3E}">
-        <p14:creationId xmlns:p14="http://schemas.microsoft.com/office/powerpoint/2010/main" val="376906104"/>
-      </p:ext>
-    </p:extLst>
-  </p:cSld>
-  <p:clrMapOvr>
-    <a:masterClrMapping/>
-  </p:clrMapOvr>
-  <p:timing>
-    <p:tnLst>
-      <p:par>
-        <p:cTn id="1" dur="indefinite" restart="never" nodeType="tmRoot"/>
-      </p:par>
-    </p:tnLst>
-  </p:timing>
-</p:sld>
-</file>
-
 <file path=ppt/slides/slide4.xml><?xml version="1.0" encoding="utf-8"?>
 <p:sld xmlns:a="http://schemas.openxmlformats.org/drawingml/2006/main" xmlns:r="http://schemas.openxmlformats.org/officeDocument/2006/relationships" xmlns:p="http://schemas.openxmlformats.org/presentationml/2006/main">
   <p:cSld>
@@ -14391,1544 +14528,6 @@
               <a:rPr lang="fr-FR" smtClean="0"/>
               <a:pPr/>
               <a:t>4</a:t>
-            </a:fld>
-            <a:endParaRPr lang="fr-FR" dirty="0"/>
-          </a:p>
-        </p:txBody>
-      </p:sp>
-      <p:pic>
-        <p:nvPicPr>
-          <p:cNvPr id="5" name="Image 4"/>
-          <p:cNvPicPr>
-            <a:picLocks noChangeAspect="1"/>
-          </p:cNvPicPr>
-          <p:nvPr/>
-        </p:nvPicPr>
-        <p:blipFill>
-          <a:blip r:embed="rId2">
-            <a:extLst>
-              <a:ext uri="{28A0092B-C50C-407E-A947-70E740481C1C}">
-                <a14:useLocalDpi xmlns:a14="http://schemas.microsoft.com/office/drawing/2010/main" val="0"/>
-              </a:ext>
-            </a:extLst>
-          </a:blip>
-          <a:stretch>
-            <a:fillRect/>
-          </a:stretch>
-        </p:blipFill>
-        <p:spPr>
-          <a:xfrm>
-            <a:off x="330200" y="1308103"/>
-            <a:ext cx="8572500" cy="4762500"/>
-          </a:xfrm>
-          <a:prstGeom prst="rect">
-            <a:avLst/>
-          </a:prstGeom>
-        </p:spPr>
-      </p:pic>
-    </p:spTree>
-    <p:extLst>
-      <p:ext uri="{BB962C8B-B14F-4D97-AF65-F5344CB8AC3E}">
-        <p14:creationId xmlns:p14="http://schemas.microsoft.com/office/powerpoint/2010/main" val="2122461317"/>
-      </p:ext>
-    </p:extLst>
-  </p:cSld>
-  <p:clrMapOvr>
-    <a:masterClrMapping/>
-  </p:clrMapOvr>
-  <p:timing>
-    <p:tnLst>
-      <p:par>
-        <p:cTn id="1" dur="indefinite" restart="never" nodeType="tmRoot"/>
-      </p:par>
-    </p:tnLst>
-  </p:timing>
-</p:sld>
-</file>
-
-<file path=ppt/slides/slide40.xml><?xml version="1.0" encoding="utf-8"?>
-<p:sld xmlns:a="http://schemas.openxmlformats.org/drawingml/2006/main" xmlns:r="http://schemas.openxmlformats.org/officeDocument/2006/relationships" xmlns:p="http://schemas.openxmlformats.org/presentationml/2006/main">
-  <p:cSld>
-    <p:spTree>
-      <p:nvGrpSpPr>
-        <p:cNvPr id="1" name=""/>
-        <p:cNvGrpSpPr/>
-        <p:nvPr/>
-      </p:nvGrpSpPr>
-      <p:grpSpPr>
-        <a:xfrm>
-          <a:off x="0" y="0"/>
-          <a:ext cx="0" cy="0"/>
-          <a:chOff x="0" y="0"/>
-          <a:chExt cx="0" cy="0"/>
-        </a:xfrm>
-      </p:grpSpPr>
-      <p:sp>
-        <p:nvSpPr>
-          <p:cNvPr id="4" name="Espace réservé du numéro de diapositive 3"/>
-          <p:cNvSpPr>
-            <a:spLocks noGrp="1"/>
-          </p:cNvSpPr>
-          <p:nvPr>
-            <p:ph type="sldNum" sz="quarter" idx="12"/>
-          </p:nvPr>
-        </p:nvSpPr>
-        <p:spPr/>
-        <p:txBody>
-          <a:bodyPr/>
-          <a:lstStyle/>
-          <a:p>
-            <a:fld id="{87D9652F-9609-4EC6-8E0A-C96E14B58A2A}" type="slidenum">
-              <a:rPr lang="fr-FR" smtClean="0"/>
-              <a:pPr/>
-              <a:t>40</a:t>
-            </a:fld>
-            <a:endParaRPr lang="fr-FR" dirty="0"/>
-          </a:p>
-        </p:txBody>
-      </p:sp>
-      <p:pic>
-        <p:nvPicPr>
-          <p:cNvPr id="1026" name="Picture 2" descr="http://4.bp.blogspot.com/-iPOXZFL96ug/UIUGP3EFTxI/AAAAAAAAAOI/h4iT8b5QRFc/s1600/maison-malfacon.jpg"/>
-          <p:cNvPicPr>
-            <a:picLocks noGrp="1" noChangeAspect="1" noChangeArrowheads="1"/>
-          </p:cNvPicPr>
-          <p:nvPr>
-            <p:ph idx="1"/>
-          </p:nvPr>
-        </p:nvPicPr>
-        <p:blipFill>
-          <a:blip r:embed="rId2">
-            <a:extLst>
-              <a:ext uri="{28A0092B-C50C-407E-A947-70E740481C1C}">
-                <a14:useLocalDpi xmlns:a14="http://schemas.microsoft.com/office/drawing/2010/main" val="0"/>
-              </a:ext>
-            </a:extLst>
-          </a:blip>
-          <a:srcRect/>
-          <a:stretch>
-            <a:fillRect/>
-          </a:stretch>
-        </p:blipFill>
-        <p:spPr bwMode="auto">
-          <a:xfrm>
-            <a:off x="2936785" y="1639095"/>
-            <a:ext cx="3283130" cy="4386263"/>
-          </a:xfrm>
-          <a:prstGeom prst="rect">
-            <a:avLst/>
-          </a:prstGeom>
-          <a:noFill/>
-          <a:extLst>
-            <a:ext uri="{909E8E84-426E-40DD-AFC4-6F175D3DCCD1}">
-              <a14:hiddenFill xmlns:a14="http://schemas.microsoft.com/office/drawing/2010/main">
-                <a:solidFill>
-                  <a:srgbClr val="FFFFFF"/>
-                </a:solidFill>
-              </a14:hiddenFill>
-            </a:ext>
-          </a:extLst>
-        </p:spPr>
-      </p:pic>
-      <p:sp>
-        <p:nvSpPr>
-          <p:cNvPr id="5" name="Titre 4"/>
-          <p:cNvSpPr>
-            <a:spLocks noGrp="1"/>
-          </p:cNvSpPr>
-          <p:nvPr>
-            <p:ph type="title"/>
-          </p:nvPr>
-        </p:nvSpPr>
-        <p:spPr/>
-        <p:txBody>
-          <a:bodyPr/>
-          <a:lstStyle/>
-          <a:p>
-            <a:r>
-              <a:rPr lang="fr-FR" dirty="0" smtClean="0"/>
-              <a:t>Etat actuel de l’application</a:t>
-            </a:r>
-            <a:endParaRPr lang="fr-FR" dirty="0"/>
-          </a:p>
-        </p:txBody>
-      </p:sp>
-    </p:spTree>
-    <p:extLst>
-      <p:ext uri="{BB962C8B-B14F-4D97-AF65-F5344CB8AC3E}">
-        <p14:creationId xmlns:p14="http://schemas.microsoft.com/office/powerpoint/2010/main" val="659987490"/>
-      </p:ext>
-    </p:extLst>
-  </p:cSld>
-  <p:clrMapOvr>
-    <a:masterClrMapping/>
-  </p:clrMapOvr>
-  <p:timing>
-    <p:tnLst>
-      <p:par>
-        <p:cTn id="1" dur="indefinite" restart="never" nodeType="tmRoot"/>
-      </p:par>
-    </p:tnLst>
-  </p:timing>
-</p:sld>
-</file>
-
-<file path=ppt/slides/slide41.xml><?xml version="1.0" encoding="utf-8"?>
-<p:sld xmlns:a="http://schemas.openxmlformats.org/drawingml/2006/main" xmlns:r="http://schemas.openxmlformats.org/officeDocument/2006/relationships" xmlns:p="http://schemas.openxmlformats.org/presentationml/2006/main">
-  <p:cSld>
-    <p:spTree>
-      <p:nvGrpSpPr>
-        <p:cNvPr id="1" name=""/>
-        <p:cNvGrpSpPr/>
-        <p:nvPr/>
-      </p:nvGrpSpPr>
-      <p:grpSpPr>
-        <a:xfrm>
-          <a:off x="0" y="0"/>
-          <a:ext cx="0" cy="0"/>
-          <a:chOff x="0" y="0"/>
-          <a:chExt cx="0" cy="0"/>
-        </a:xfrm>
-      </p:grpSpPr>
-      <p:sp>
-        <p:nvSpPr>
-          <p:cNvPr id="2" name="Titre 1"/>
-          <p:cNvSpPr>
-            <a:spLocks noGrp="1"/>
-          </p:cNvSpPr>
-          <p:nvPr>
-            <p:ph type="title"/>
-          </p:nvPr>
-        </p:nvSpPr>
-        <p:spPr/>
-        <p:txBody>
-          <a:bodyPr>
-            <a:normAutofit fontScale="90000"/>
-          </a:bodyPr>
-          <a:lstStyle/>
-          <a:p>
-            <a:r>
-              <a:rPr lang="fr-FR" sz="3600" dirty="0" smtClean="0"/>
-              <a:t>Mes recommandations : redévelopper une nouvelle application</a:t>
-            </a:r>
-            <a:endParaRPr lang="en-US" sz="3600" dirty="0"/>
-          </a:p>
-        </p:txBody>
-      </p:sp>
-      <p:sp>
-        <p:nvSpPr>
-          <p:cNvPr id="4" name="Espace réservé du numéro de diapositive 3"/>
-          <p:cNvSpPr>
-            <a:spLocks noGrp="1"/>
-          </p:cNvSpPr>
-          <p:nvPr>
-            <p:ph type="sldNum" sz="quarter" idx="12"/>
-          </p:nvPr>
-        </p:nvSpPr>
-        <p:spPr/>
-        <p:txBody>
-          <a:bodyPr/>
-          <a:lstStyle/>
-          <a:p>
-            <a:fld id="{87D9652F-9609-4EC6-8E0A-C96E14B58A2A}" type="slidenum">
-              <a:rPr lang="fr-FR" smtClean="0"/>
-              <a:pPr/>
-              <a:t>41</a:t>
-            </a:fld>
-            <a:endParaRPr lang="fr-FR" dirty="0"/>
-          </a:p>
-        </p:txBody>
-      </p:sp>
-      <p:pic>
-        <p:nvPicPr>
-          <p:cNvPr id="2052" name="Picture 4" descr="Afficher l'image d'origine"/>
-          <p:cNvPicPr>
-            <a:picLocks noGrp="1" noChangeAspect="1" noChangeArrowheads="1"/>
-          </p:cNvPicPr>
-          <p:nvPr>
-            <p:ph idx="1"/>
-          </p:nvPr>
-        </p:nvPicPr>
-        <p:blipFill>
-          <a:blip r:embed="rId2" cstate="print">
-            <a:extLst>
-              <a:ext uri="{28A0092B-C50C-407E-A947-70E740481C1C}">
-                <a14:useLocalDpi xmlns:a14="http://schemas.microsoft.com/office/drawing/2010/main" val="0"/>
-              </a:ext>
-            </a:extLst>
-          </a:blip>
-          <a:srcRect/>
-          <a:stretch>
-            <a:fillRect/>
-          </a:stretch>
-        </p:blipFill>
-        <p:spPr bwMode="auto">
-          <a:xfrm>
-            <a:off x="2101894" y="1687258"/>
-            <a:ext cx="4952911" cy="3534424"/>
-          </a:xfrm>
-          <a:prstGeom prst="rect">
-            <a:avLst/>
-          </a:prstGeom>
-          <a:noFill/>
-          <a:extLst>
-            <a:ext uri="{909E8E84-426E-40DD-AFC4-6F175D3DCCD1}">
-              <a14:hiddenFill xmlns:a14="http://schemas.microsoft.com/office/drawing/2010/main">
-                <a:solidFill>
-                  <a:srgbClr val="FFFFFF"/>
-                </a:solidFill>
-              </a14:hiddenFill>
-            </a:ext>
-          </a:extLst>
-        </p:spPr>
-      </p:pic>
-      <p:sp>
-        <p:nvSpPr>
-          <p:cNvPr id="9" name="ZoneTexte 8"/>
-          <p:cNvSpPr txBox="1"/>
-          <p:nvPr/>
-        </p:nvSpPr>
-        <p:spPr>
-          <a:xfrm>
-            <a:off x="621360" y="5600837"/>
-            <a:ext cx="8178842" cy="923330"/>
-          </a:xfrm>
-          <a:prstGeom prst="rect">
-            <a:avLst/>
-          </a:prstGeom>
-          <a:noFill/>
-        </p:spPr>
-        <p:txBody>
-          <a:bodyPr wrap="none" rtlCol="0">
-            <a:spAutoFit/>
-          </a:bodyPr>
-          <a:lstStyle/>
-          <a:p>
-            <a:r>
-              <a:rPr lang="fr-FR" dirty="0" smtClean="0"/>
-              <a:t>Maintenir une application mal conçue à la base est une tâche vouée à l’échec.</a:t>
-            </a:r>
-          </a:p>
-          <a:p>
-            <a:r>
-              <a:rPr lang="fr-FR" dirty="0" smtClean="0"/>
-              <a:t>Il est préférable de concevoir une nouvelle application avec des fondations</a:t>
-            </a:r>
-          </a:p>
-          <a:p>
-            <a:r>
-              <a:rPr lang="fr-FR" dirty="0" smtClean="0"/>
-              <a:t>plus solides.</a:t>
-            </a:r>
-            <a:endParaRPr lang="en-US" dirty="0"/>
-          </a:p>
-        </p:txBody>
-      </p:sp>
-    </p:spTree>
-    <p:extLst>
-      <p:ext uri="{BB962C8B-B14F-4D97-AF65-F5344CB8AC3E}">
-        <p14:creationId xmlns:p14="http://schemas.microsoft.com/office/powerpoint/2010/main" val="3623424105"/>
-      </p:ext>
-    </p:extLst>
-  </p:cSld>
-  <p:clrMapOvr>
-    <a:masterClrMapping/>
-  </p:clrMapOvr>
-  <p:timing>
-    <p:tnLst>
-      <p:par>
-        <p:cTn id="1" dur="indefinite" restart="never" nodeType="tmRoot"/>
-      </p:par>
-    </p:tnLst>
-  </p:timing>
-</p:sld>
-</file>
-
-<file path=ppt/slides/slide42.xml><?xml version="1.0" encoding="utf-8"?>
-<p:sld xmlns:a="http://schemas.openxmlformats.org/drawingml/2006/main" xmlns:r="http://schemas.openxmlformats.org/officeDocument/2006/relationships" xmlns:p="http://schemas.openxmlformats.org/presentationml/2006/main">
-  <p:cSld>
-    <p:spTree>
-      <p:nvGrpSpPr>
-        <p:cNvPr id="1" name=""/>
-        <p:cNvGrpSpPr/>
-        <p:nvPr/>
-      </p:nvGrpSpPr>
-      <p:grpSpPr>
-        <a:xfrm>
-          <a:off x="0" y="0"/>
-          <a:ext cx="0" cy="0"/>
-          <a:chOff x="0" y="0"/>
-          <a:chExt cx="0" cy="0"/>
-        </a:xfrm>
-      </p:grpSpPr>
-      <p:sp>
-        <p:nvSpPr>
-          <p:cNvPr id="2" name="Titre 1"/>
-          <p:cNvSpPr>
-            <a:spLocks noGrp="1"/>
-          </p:cNvSpPr>
-          <p:nvPr>
-            <p:ph type="title"/>
-          </p:nvPr>
-        </p:nvSpPr>
-        <p:spPr/>
-        <p:txBody>
-          <a:bodyPr>
-            <a:noAutofit/>
-          </a:bodyPr>
-          <a:lstStyle/>
-          <a:p>
-            <a:r>
-              <a:rPr lang="fr-FR" sz="3200" dirty="0" smtClean="0"/>
-              <a:t>Nécessité de définir un cahier des charges</a:t>
-            </a:r>
-            <a:endParaRPr lang="en-US" sz="3200" dirty="0"/>
-          </a:p>
-        </p:txBody>
-      </p:sp>
-      <p:sp>
-        <p:nvSpPr>
-          <p:cNvPr id="3" name="Espace réservé du contenu 2"/>
-          <p:cNvSpPr>
-            <a:spLocks noGrp="1"/>
-          </p:cNvSpPr>
-          <p:nvPr>
-            <p:ph idx="1"/>
-          </p:nvPr>
-        </p:nvSpPr>
-        <p:spPr/>
-        <p:txBody>
-          <a:bodyPr/>
-          <a:lstStyle/>
-          <a:p>
-            <a:r>
-              <a:rPr lang="fr-FR" dirty="0" smtClean="0"/>
-              <a:t>Fonctionnalités</a:t>
-            </a:r>
-          </a:p>
-          <a:p>
-            <a:r>
-              <a:rPr lang="fr-FR" dirty="0" smtClean="0"/>
-              <a:t>Environnement (langages, technologies, API)</a:t>
-            </a:r>
-          </a:p>
-          <a:p>
-            <a:r>
-              <a:rPr lang="fr-FR" dirty="0" smtClean="0"/>
-              <a:t>Configuration</a:t>
-            </a:r>
-          </a:p>
-          <a:p>
-            <a:r>
-              <a:rPr lang="fr-FR" dirty="0" smtClean="0"/>
-              <a:t>Modèles de données</a:t>
-            </a:r>
-          </a:p>
-          <a:p>
-            <a:r>
-              <a:rPr lang="fr-FR" dirty="0" smtClean="0"/>
-              <a:t>Interfaces</a:t>
-            </a:r>
-          </a:p>
-          <a:p>
-            <a:r>
-              <a:rPr lang="fr-FR" dirty="0" smtClean="0"/>
-              <a:t>Cartographie des fichiers générés</a:t>
-            </a:r>
-          </a:p>
-          <a:p>
-            <a:r>
-              <a:rPr lang="fr-FR" dirty="0" smtClean="0"/>
-              <a:t>Politique claire de sauvegarde des fichiers</a:t>
-            </a:r>
-          </a:p>
-          <a:p>
-            <a:endParaRPr lang="fr-FR" dirty="0" smtClean="0"/>
-          </a:p>
-          <a:p>
-            <a:endParaRPr lang="fr-FR" dirty="0" smtClean="0"/>
-          </a:p>
-          <a:p>
-            <a:endParaRPr lang="en-US" dirty="0" smtClean="0"/>
-          </a:p>
-        </p:txBody>
-      </p:sp>
-      <p:sp>
-        <p:nvSpPr>
-          <p:cNvPr id="4" name="Espace réservé du numéro de diapositive 3"/>
-          <p:cNvSpPr>
-            <a:spLocks noGrp="1"/>
-          </p:cNvSpPr>
-          <p:nvPr>
-            <p:ph type="sldNum" sz="quarter" idx="12"/>
-          </p:nvPr>
-        </p:nvSpPr>
-        <p:spPr/>
-        <p:txBody>
-          <a:bodyPr/>
-          <a:lstStyle/>
-          <a:p>
-            <a:fld id="{87D9652F-9609-4EC6-8E0A-C96E14B58A2A}" type="slidenum">
-              <a:rPr lang="fr-FR" smtClean="0"/>
-              <a:pPr/>
-              <a:t>42</a:t>
-            </a:fld>
-            <a:endParaRPr lang="fr-FR" dirty="0"/>
-          </a:p>
-        </p:txBody>
-      </p:sp>
-    </p:spTree>
-    <p:extLst>
-      <p:ext uri="{BB962C8B-B14F-4D97-AF65-F5344CB8AC3E}">
-        <p14:creationId xmlns:p14="http://schemas.microsoft.com/office/powerpoint/2010/main" val="4130268211"/>
-      </p:ext>
-    </p:extLst>
-  </p:cSld>
-  <p:clrMapOvr>
-    <a:masterClrMapping/>
-  </p:clrMapOvr>
-  <p:timing>
-    <p:tnLst>
-      <p:par>
-        <p:cTn id="1" dur="indefinite" restart="never" nodeType="tmRoot"/>
-      </p:par>
-    </p:tnLst>
-  </p:timing>
-</p:sld>
-</file>
-
-<file path=ppt/slides/slide43.xml><?xml version="1.0" encoding="utf-8"?>
-<p:sld xmlns:a="http://schemas.openxmlformats.org/drawingml/2006/main" xmlns:r="http://schemas.openxmlformats.org/officeDocument/2006/relationships" xmlns:p="http://schemas.openxmlformats.org/presentationml/2006/main">
-  <p:cSld>
-    <p:spTree>
-      <p:nvGrpSpPr>
-        <p:cNvPr id="1" name=""/>
-        <p:cNvGrpSpPr/>
-        <p:nvPr/>
-      </p:nvGrpSpPr>
-      <p:grpSpPr>
-        <a:xfrm>
-          <a:off x="0" y="0"/>
-          <a:ext cx="0" cy="0"/>
-          <a:chOff x="0" y="0"/>
-          <a:chExt cx="0" cy="0"/>
-        </a:xfrm>
-      </p:grpSpPr>
-      <p:sp>
-        <p:nvSpPr>
-          <p:cNvPr id="2" name="Titre 1"/>
-          <p:cNvSpPr>
-            <a:spLocks noGrp="1"/>
-          </p:cNvSpPr>
-          <p:nvPr>
-            <p:ph type="title"/>
-          </p:nvPr>
-        </p:nvSpPr>
-        <p:spPr/>
-        <p:txBody>
-          <a:bodyPr>
-            <a:normAutofit/>
-          </a:bodyPr>
-          <a:lstStyle/>
-          <a:p>
-            <a:r>
-              <a:rPr lang="fr-FR" dirty="0" smtClean="0"/>
-              <a:t>Commencer simple…</a:t>
-            </a:r>
-            <a:endParaRPr lang="en-US" dirty="0"/>
-          </a:p>
-        </p:txBody>
-      </p:sp>
-      <p:sp>
-        <p:nvSpPr>
-          <p:cNvPr id="3" name="Espace réservé du contenu 2"/>
-          <p:cNvSpPr>
-            <a:spLocks noGrp="1"/>
-          </p:cNvSpPr>
-          <p:nvPr>
-            <p:ph idx="1"/>
-          </p:nvPr>
-        </p:nvSpPr>
-        <p:spPr>
-          <a:xfrm>
-            <a:off x="254000" y="2628900"/>
-            <a:ext cx="8648700" cy="3548063"/>
-          </a:xfrm>
-        </p:spPr>
-        <p:txBody>
-          <a:bodyPr>
-            <a:normAutofit/>
-          </a:bodyPr>
-          <a:lstStyle/>
-          <a:p>
-            <a:r>
-              <a:rPr lang="fr-FR" dirty="0" smtClean="0"/>
-              <a:t>De </a:t>
-            </a:r>
-            <a:r>
-              <a:rPr lang="fr-FR" dirty="0" smtClean="0"/>
-              <a:t>manière générale, faire l’application la plus simple possible, et la faire évoluer en fonction des besoins</a:t>
-            </a:r>
-            <a:r>
-              <a:rPr lang="fr-FR" dirty="0" smtClean="0"/>
-              <a:t>.</a:t>
-            </a:r>
-          </a:p>
-          <a:p>
-            <a:r>
-              <a:rPr lang="fr-FR" dirty="0" smtClean="0"/>
-              <a:t>Voir </a:t>
-            </a:r>
-            <a:r>
-              <a:rPr lang="fr-FR" dirty="0" err="1"/>
-              <a:t>extrem</a:t>
-            </a:r>
-            <a:r>
-              <a:rPr lang="fr-FR" dirty="0"/>
-              <a:t> </a:t>
-            </a:r>
-            <a:r>
-              <a:rPr lang="fr-FR" dirty="0" err="1"/>
-              <a:t>programing</a:t>
-            </a:r>
-            <a:r>
-              <a:rPr lang="fr-FR" dirty="0"/>
-              <a:t>, méthode agile, </a:t>
-            </a:r>
-            <a:r>
-              <a:rPr lang="fr-FR" dirty="0" err="1" smtClean="0"/>
-              <a:t>scrum</a:t>
-            </a:r>
-            <a:r>
-              <a:rPr lang="fr-FR" dirty="0" smtClean="0"/>
-              <a:t>,…</a:t>
-            </a:r>
-            <a:endParaRPr lang="fr-FR" dirty="0"/>
-          </a:p>
-          <a:p>
-            <a:endParaRPr lang="fr-FR" dirty="0" smtClean="0"/>
-          </a:p>
-          <a:p>
-            <a:endParaRPr lang="fr-FR" dirty="0" smtClean="0"/>
-          </a:p>
-          <a:p>
-            <a:endParaRPr lang="en-US" dirty="0" smtClean="0"/>
-          </a:p>
-        </p:txBody>
-      </p:sp>
-      <p:sp>
-        <p:nvSpPr>
-          <p:cNvPr id="4" name="Espace réservé du numéro de diapositive 3"/>
-          <p:cNvSpPr>
-            <a:spLocks noGrp="1"/>
-          </p:cNvSpPr>
-          <p:nvPr>
-            <p:ph type="sldNum" sz="quarter" idx="12"/>
-          </p:nvPr>
-        </p:nvSpPr>
-        <p:spPr/>
-        <p:txBody>
-          <a:bodyPr/>
-          <a:lstStyle/>
-          <a:p>
-            <a:fld id="{87D9652F-9609-4EC6-8E0A-C96E14B58A2A}" type="slidenum">
-              <a:rPr lang="fr-FR" smtClean="0"/>
-              <a:pPr/>
-              <a:t>43</a:t>
-            </a:fld>
-            <a:endParaRPr lang="fr-FR" dirty="0"/>
-          </a:p>
-        </p:txBody>
-      </p:sp>
-    </p:spTree>
-    <p:extLst>
-      <p:ext uri="{BB962C8B-B14F-4D97-AF65-F5344CB8AC3E}">
-        <p14:creationId xmlns:p14="http://schemas.microsoft.com/office/powerpoint/2010/main" val="1493917707"/>
-      </p:ext>
-    </p:extLst>
-  </p:cSld>
-  <p:clrMapOvr>
-    <a:masterClrMapping/>
-  </p:clrMapOvr>
-  <p:timing>
-    <p:tnLst>
-      <p:par>
-        <p:cTn id="1" dur="indefinite" restart="never" nodeType="tmRoot"/>
-      </p:par>
-    </p:tnLst>
-  </p:timing>
-</p:sld>
-</file>
-
-<file path=ppt/slides/slide44.xml><?xml version="1.0" encoding="utf-8"?>
-<p:sld xmlns:a="http://schemas.openxmlformats.org/drawingml/2006/main" xmlns:r="http://schemas.openxmlformats.org/officeDocument/2006/relationships" xmlns:p="http://schemas.openxmlformats.org/presentationml/2006/main">
-  <p:cSld>
-    <p:spTree>
-      <p:nvGrpSpPr>
-        <p:cNvPr id="1" name=""/>
-        <p:cNvGrpSpPr/>
-        <p:nvPr/>
-      </p:nvGrpSpPr>
-      <p:grpSpPr>
-        <a:xfrm>
-          <a:off x="0" y="0"/>
-          <a:ext cx="0" cy="0"/>
-          <a:chOff x="0" y="0"/>
-          <a:chExt cx="0" cy="0"/>
-        </a:xfrm>
-      </p:grpSpPr>
-      <p:sp>
-        <p:nvSpPr>
-          <p:cNvPr id="2" name="Titre 1"/>
-          <p:cNvSpPr>
-            <a:spLocks noGrp="1"/>
-          </p:cNvSpPr>
-          <p:nvPr>
-            <p:ph type="title"/>
-          </p:nvPr>
-        </p:nvSpPr>
-        <p:spPr/>
-        <p:txBody>
-          <a:bodyPr>
-            <a:noAutofit/>
-          </a:bodyPr>
-          <a:lstStyle/>
-          <a:p>
-            <a:r>
-              <a:rPr lang="fr-FR" sz="2800" dirty="0" smtClean="0"/>
-              <a:t>Définir les besoins en termes de performances</a:t>
-            </a:r>
-            <a:endParaRPr lang="fr-FR" sz="2800" dirty="0"/>
-          </a:p>
-        </p:txBody>
-      </p:sp>
-      <p:sp>
-        <p:nvSpPr>
-          <p:cNvPr id="3" name="Espace réservé du contenu 2"/>
-          <p:cNvSpPr>
-            <a:spLocks noGrp="1"/>
-          </p:cNvSpPr>
-          <p:nvPr>
-            <p:ph idx="1"/>
-          </p:nvPr>
-        </p:nvSpPr>
-        <p:spPr>
-          <a:xfrm>
-            <a:off x="254000" y="2279176"/>
-            <a:ext cx="8648700" cy="3897787"/>
-          </a:xfrm>
-        </p:spPr>
-        <p:txBody>
-          <a:bodyPr>
-            <a:normAutofit/>
-          </a:bodyPr>
-          <a:lstStyle/>
-          <a:p>
-            <a:pPr marL="0" indent="0">
-              <a:buNone/>
-            </a:pPr>
-            <a:r>
-              <a:rPr lang="fr-FR" sz="2400" dirty="0" smtClean="0"/>
-              <a:t>Ici</a:t>
-            </a:r>
-            <a:r>
-              <a:rPr lang="fr-FR" sz="2400" dirty="0"/>
-              <a:t>, la collecte de flux RSS n’est pas une tâche intensive en termes de puissance de calcul, mais plutôt vis-à-vis des communications réseau. Il n’est donc pas nécessaire de paralléliser tous les traitements, au </a:t>
-            </a:r>
-            <a:r>
-              <a:rPr lang="fr-FR" sz="2400" dirty="0" smtClean="0"/>
-              <a:t>risque </a:t>
-            </a:r>
-            <a:r>
-              <a:rPr lang="fr-FR" sz="2400" dirty="0"/>
-              <a:t>d’introduire des problèmes liés à la synchronisation (en particulier les tâches accédant à la base de données</a:t>
-            </a:r>
-            <a:r>
-              <a:rPr lang="fr-FR" sz="2400" dirty="0" smtClean="0"/>
-              <a:t>).</a:t>
-            </a:r>
-            <a:endParaRPr lang="fr-FR" sz="2400" dirty="0"/>
-          </a:p>
-          <a:p>
-            <a:endParaRPr lang="fr-FR" sz="2400" dirty="0"/>
-          </a:p>
-        </p:txBody>
-      </p:sp>
-      <p:sp>
-        <p:nvSpPr>
-          <p:cNvPr id="4" name="Espace réservé du numéro de diapositive 3"/>
-          <p:cNvSpPr>
-            <a:spLocks noGrp="1"/>
-          </p:cNvSpPr>
-          <p:nvPr>
-            <p:ph type="sldNum" sz="quarter" idx="12"/>
-          </p:nvPr>
-        </p:nvSpPr>
-        <p:spPr/>
-        <p:txBody>
-          <a:bodyPr/>
-          <a:lstStyle/>
-          <a:p>
-            <a:fld id="{87D9652F-9609-4EC6-8E0A-C96E14B58A2A}" type="slidenum">
-              <a:rPr lang="fr-FR" smtClean="0"/>
-              <a:pPr/>
-              <a:t>44</a:t>
-            </a:fld>
-            <a:endParaRPr lang="fr-FR" dirty="0"/>
-          </a:p>
-        </p:txBody>
-      </p:sp>
-    </p:spTree>
-    <p:extLst>
-      <p:ext uri="{BB962C8B-B14F-4D97-AF65-F5344CB8AC3E}">
-        <p14:creationId xmlns:p14="http://schemas.microsoft.com/office/powerpoint/2010/main" val="715453732"/>
-      </p:ext>
-    </p:extLst>
-  </p:cSld>
-  <p:clrMapOvr>
-    <a:masterClrMapping/>
-  </p:clrMapOvr>
-  <p:timing>
-    <p:tnLst>
-      <p:par>
-        <p:cTn id="1" dur="indefinite" restart="never" nodeType="tmRoot"/>
-      </p:par>
-    </p:tnLst>
-  </p:timing>
-</p:sld>
-</file>
-
-<file path=ppt/slides/slide45.xml><?xml version="1.0" encoding="utf-8"?>
-<p:sld xmlns:a="http://schemas.openxmlformats.org/drawingml/2006/main" xmlns:r="http://schemas.openxmlformats.org/officeDocument/2006/relationships" xmlns:p="http://schemas.openxmlformats.org/presentationml/2006/main">
-  <p:cSld>
-    <p:spTree>
-      <p:nvGrpSpPr>
-        <p:cNvPr id="1" name=""/>
-        <p:cNvGrpSpPr/>
-        <p:nvPr/>
-      </p:nvGrpSpPr>
-      <p:grpSpPr>
-        <a:xfrm>
-          <a:off x="0" y="0"/>
-          <a:ext cx="0" cy="0"/>
-          <a:chOff x="0" y="0"/>
-          <a:chExt cx="0" cy="0"/>
-        </a:xfrm>
-      </p:grpSpPr>
-      <p:sp>
-        <p:nvSpPr>
-          <p:cNvPr id="2" name="Titre 1"/>
-          <p:cNvSpPr>
-            <a:spLocks noGrp="1"/>
-          </p:cNvSpPr>
-          <p:nvPr>
-            <p:ph type="title"/>
-          </p:nvPr>
-        </p:nvSpPr>
-        <p:spPr/>
-        <p:txBody>
-          <a:bodyPr>
-            <a:noAutofit/>
-          </a:bodyPr>
-          <a:lstStyle/>
-          <a:p>
-            <a:r>
-              <a:rPr lang="fr-FR" sz="2800" dirty="0" smtClean="0"/>
-              <a:t>Définir la structure de l’application avant de commencer à la coder!</a:t>
-            </a:r>
-            <a:endParaRPr lang="fr-FR" sz="2800" dirty="0"/>
-          </a:p>
-        </p:txBody>
-      </p:sp>
-      <p:sp>
-        <p:nvSpPr>
-          <p:cNvPr id="3" name="Espace réservé du contenu 2"/>
-          <p:cNvSpPr>
-            <a:spLocks noGrp="1"/>
-          </p:cNvSpPr>
-          <p:nvPr>
-            <p:ph idx="1"/>
-          </p:nvPr>
-        </p:nvSpPr>
-        <p:spPr/>
-        <p:txBody>
-          <a:bodyPr>
-            <a:normAutofit/>
-          </a:bodyPr>
-          <a:lstStyle/>
-          <a:p>
-            <a:r>
-              <a:rPr lang="fr-FR" sz="2400" dirty="0" smtClean="0"/>
-              <a:t>Formaliser </a:t>
-            </a:r>
-            <a:r>
-              <a:rPr lang="fr-FR" sz="2400" dirty="0"/>
-              <a:t>la chaine de traitement.</a:t>
-            </a:r>
-          </a:p>
-          <a:p>
-            <a:r>
-              <a:rPr lang="fr-FR" sz="2400" dirty="0"/>
-              <a:t>Séparer chaque étape, quitte à être un peu moins efficace</a:t>
-            </a:r>
-          </a:p>
-          <a:p>
-            <a:r>
-              <a:rPr lang="fr-FR" sz="2400" dirty="0"/>
-              <a:t>Définir un modèle de données clair. Ne pas hésiter à utiliser des bases de données locales pour des traitements intermédiaires (ex: </a:t>
-            </a:r>
-            <a:r>
-              <a:rPr lang="fr-FR" sz="2400" dirty="0" err="1"/>
-              <a:t>dédoublonnage</a:t>
-            </a:r>
-            <a:r>
-              <a:rPr lang="fr-FR" sz="2400" dirty="0" smtClean="0"/>
-              <a:t>)</a:t>
-            </a:r>
-            <a:endParaRPr lang="fr-FR" sz="2400" dirty="0"/>
-          </a:p>
-        </p:txBody>
-      </p:sp>
-      <p:sp>
-        <p:nvSpPr>
-          <p:cNvPr id="4" name="Espace réservé du numéro de diapositive 3"/>
-          <p:cNvSpPr>
-            <a:spLocks noGrp="1"/>
-          </p:cNvSpPr>
-          <p:nvPr>
-            <p:ph type="sldNum" sz="quarter" idx="12"/>
-          </p:nvPr>
-        </p:nvSpPr>
-        <p:spPr/>
-        <p:txBody>
-          <a:bodyPr/>
-          <a:lstStyle/>
-          <a:p>
-            <a:fld id="{87D9652F-9609-4EC6-8E0A-C96E14B58A2A}" type="slidenum">
-              <a:rPr lang="fr-FR" smtClean="0"/>
-              <a:pPr/>
-              <a:t>45</a:t>
-            </a:fld>
-            <a:endParaRPr lang="fr-FR" dirty="0"/>
-          </a:p>
-        </p:txBody>
-      </p:sp>
-    </p:spTree>
-    <p:extLst>
-      <p:ext uri="{BB962C8B-B14F-4D97-AF65-F5344CB8AC3E}">
-        <p14:creationId xmlns:p14="http://schemas.microsoft.com/office/powerpoint/2010/main" val="4240849909"/>
-      </p:ext>
-    </p:extLst>
-  </p:cSld>
-  <p:clrMapOvr>
-    <a:masterClrMapping/>
-  </p:clrMapOvr>
-  <p:timing>
-    <p:tnLst>
-      <p:par>
-        <p:cTn id="1" dur="indefinite" restart="never" nodeType="tmRoot"/>
-      </p:par>
-    </p:tnLst>
-  </p:timing>
-</p:sld>
-</file>
-
-<file path=ppt/slides/slide46.xml><?xml version="1.0" encoding="utf-8"?>
-<p:sld xmlns:a="http://schemas.openxmlformats.org/drawingml/2006/main" xmlns:r="http://schemas.openxmlformats.org/officeDocument/2006/relationships" xmlns:p="http://schemas.openxmlformats.org/presentationml/2006/main">
-  <p:cSld>
-    <p:spTree>
-      <p:nvGrpSpPr>
-        <p:cNvPr id="1" name=""/>
-        <p:cNvGrpSpPr/>
-        <p:nvPr/>
-      </p:nvGrpSpPr>
-      <p:grpSpPr>
-        <a:xfrm>
-          <a:off x="0" y="0"/>
-          <a:ext cx="0" cy="0"/>
-          <a:chOff x="0" y="0"/>
-          <a:chExt cx="0" cy="0"/>
-        </a:xfrm>
-      </p:grpSpPr>
-      <p:sp>
-        <p:nvSpPr>
-          <p:cNvPr id="2" name="Titre 1"/>
-          <p:cNvSpPr>
-            <a:spLocks noGrp="1"/>
-          </p:cNvSpPr>
-          <p:nvPr>
-            <p:ph type="title"/>
-          </p:nvPr>
-        </p:nvSpPr>
-        <p:spPr/>
-        <p:txBody>
-          <a:bodyPr>
-            <a:normAutofit/>
-          </a:bodyPr>
-          <a:lstStyle/>
-          <a:p>
-            <a:r>
-              <a:rPr lang="fr-FR" sz="3600" dirty="0" smtClean="0"/>
-              <a:t>Utiliser des outils de gestion de projet</a:t>
-            </a:r>
-            <a:endParaRPr lang="en-US" sz="3600" dirty="0"/>
-          </a:p>
-        </p:txBody>
-      </p:sp>
-      <p:sp>
-        <p:nvSpPr>
-          <p:cNvPr id="3" name="Espace réservé du contenu 2"/>
-          <p:cNvSpPr>
-            <a:spLocks noGrp="1"/>
-          </p:cNvSpPr>
-          <p:nvPr>
-            <p:ph idx="1"/>
-          </p:nvPr>
-        </p:nvSpPr>
-        <p:spPr/>
-        <p:txBody>
-          <a:bodyPr>
-            <a:normAutofit/>
-          </a:bodyPr>
-          <a:lstStyle/>
-          <a:p>
-            <a:r>
-              <a:rPr lang="fr-FR" dirty="0" smtClean="0"/>
-              <a:t>Décrire les tâches à réaliser, leur dépendances</a:t>
-            </a:r>
-          </a:p>
-          <a:p>
-            <a:r>
-              <a:rPr lang="fr-FR" dirty="0" smtClean="0"/>
-              <a:t>Prévoir un suivi et des objectifs hebdomadaires simples</a:t>
-            </a:r>
-          </a:p>
-          <a:p>
-            <a:r>
-              <a:rPr lang="fr-FR" dirty="0" smtClean="0"/>
-              <a:t>Permettre aux utilisateurs/clients de formaliser leurs demandes</a:t>
-            </a:r>
-          </a:p>
-          <a:p>
-            <a:r>
-              <a:rPr lang="fr-FR" dirty="0" smtClean="0"/>
-              <a:t>Utiliser un gestionnaire de version</a:t>
-            </a:r>
-          </a:p>
-          <a:p>
-            <a:r>
-              <a:rPr lang="fr-FR" dirty="0" smtClean="0"/>
-              <a:t>Ne pas s’attaquer à une grande quantité de tâches simultanément</a:t>
-            </a:r>
-          </a:p>
-        </p:txBody>
-      </p:sp>
-      <p:sp>
-        <p:nvSpPr>
-          <p:cNvPr id="4" name="Espace réservé du numéro de diapositive 3"/>
-          <p:cNvSpPr>
-            <a:spLocks noGrp="1"/>
-          </p:cNvSpPr>
-          <p:nvPr>
-            <p:ph type="sldNum" sz="quarter" idx="12"/>
-          </p:nvPr>
-        </p:nvSpPr>
-        <p:spPr/>
-        <p:txBody>
-          <a:bodyPr/>
-          <a:lstStyle/>
-          <a:p>
-            <a:fld id="{87D9652F-9609-4EC6-8E0A-C96E14B58A2A}" type="slidenum">
-              <a:rPr lang="fr-FR" smtClean="0"/>
-              <a:pPr/>
-              <a:t>46</a:t>
-            </a:fld>
-            <a:endParaRPr lang="fr-FR" dirty="0"/>
-          </a:p>
-        </p:txBody>
-      </p:sp>
-    </p:spTree>
-    <p:extLst>
-      <p:ext uri="{BB962C8B-B14F-4D97-AF65-F5344CB8AC3E}">
-        <p14:creationId xmlns:p14="http://schemas.microsoft.com/office/powerpoint/2010/main" val="1249455323"/>
-      </p:ext>
-    </p:extLst>
-  </p:cSld>
-  <p:clrMapOvr>
-    <a:masterClrMapping/>
-  </p:clrMapOvr>
-  <p:timing>
-    <p:tnLst>
-      <p:par>
-        <p:cTn id="1" dur="indefinite" restart="never" nodeType="tmRoot"/>
-      </p:par>
-    </p:tnLst>
-  </p:timing>
-</p:sld>
-</file>
-
-<file path=ppt/slides/slide47.xml><?xml version="1.0" encoding="utf-8"?>
-<p:sld xmlns:a="http://schemas.openxmlformats.org/drawingml/2006/main" xmlns:r="http://schemas.openxmlformats.org/officeDocument/2006/relationships" xmlns:p="http://schemas.openxmlformats.org/presentationml/2006/main">
-  <p:cSld>
-    <p:spTree>
-      <p:nvGrpSpPr>
-        <p:cNvPr id="1" name=""/>
-        <p:cNvGrpSpPr/>
-        <p:nvPr/>
-      </p:nvGrpSpPr>
-      <p:grpSpPr>
-        <a:xfrm>
-          <a:off x="0" y="0"/>
-          <a:ext cx="0" cy="0"/>
-          <a:chOff x="0" y="0"/>
-          <a:chExt cx="0" cy="0"/>
-        </a:xfrm>
-      </p:grpSpPr>
-      <p:sp>
-        <p:nvSpPr>
-          <p:cNvPr id="2" name="Titre 1"/>
-          <p:cNvSpPr>
-            <a:spLocks noGrp="1"/>
-          </p:cNvSpPr>
-          <p:nvPr>
-            <p:ph type="title"/>
-          </p:nvPr>
-        </p:nvSpPr>
-        <p:spPr/>
-        <p:txBody>
-          <a:bodyPr/>
-          <a:lstStyle/>
-          <a:p>
-            <a:r>
-              <a:rPr lang="fr-FR" dirty="0" smtClean="0"/>
-              <a:t>Conception de l’interface</a:t>
-            </a:r>
-            <a:endParaRPr lang="fr-FR" dirty="0"/>
-          </a:p>
-        </p:txBody>
-      </p:sp>
-      <p:sp>
-        <p:nvSpPr>
-          <p:cNvPr id="3" name="Espace réservé du contenu 2"/>
-          <p:cNvSpPr>
-            <a:spLocks noGrp="1"/>
-          </p:cNvSpPr>
-          <p:nvPr>
-            <p:ph idx="1"/>
-          </p:nvPr>
-        </p:nvSpPr>
-        <p:spPr/>
-        <p:txBody>
-          <a:bodyPr>
-            <a:normAutofit/>
-          </a:bodyPr>
-          <a:lstStyle/>
-          <a:p>
-            <a:r>
-              <a:rPr lang="fr-FR" dirty="0" smtClean="0"/>
-              <a:t>Prévoir </a:t>
-            </a:r>
-            <a:r>
-              <a:rPr lang="fr-FR" dirty="0"/>
-              <a:t>une interaction non graphique avec l’application</a:t>
-            </a:r>
-          </a:p>
-          <a:p>
-            <a:r>
-              <a:rPr lang="fr-FR" dirty="0"/>
-              <a:t>Ergonomie : identifier avec les clients les opérations coûteuses en </a:t>
-            </a:r>
-            <a:r>
-              <a:rPr lang="fr-FR" dirty="0" smtClean="0"/>
-              <a:t>termes </a:t>
-            </a:r>
-            <a:r>
-              <a:rPr lang="fr-FR" dirty="0"/>
-              <a:t>de </a:t>
-            </a:r>
-            <a:r>
-              <a:rPr lang="fr-FR" dirty="0" smtClean="0"/>
-              <a:t>clics/temps</a:t>
-            </a:r>
-          </a:p>
-          <a:p>
-            <a:r>
-              <a:rPr lang="fr-FR" dirty="0" smtClean="0"/>
-              <a:t>Réfléchir à une solution viable pour le téléchargement de gros fichiers générés par l’extraction </a:t>
-            </a:r>
-          </a:p>
-          <a:p>
-            <a:pPr lvl="1"/>
-            <a:endParaRPr lang="fr-FR" dirty="0"/>
-          </a:p>
-        </p:txBody>
-      </p:sp>
-      <p:sp>
-        <p:nvSpPr>
-          <p:cNvPr id="4" name="Espace réservé du numéro de diapositive 3"/>
-          <p:cNvSpPr>
-            <a:spLocks noGrp="1"/>
-          </p:cNvSpPr>
-          <p:nvPr>
-            <p:ph type="sldNum" sz="quarter" idx="12"/>
-          </p:nvPr>
-        </p:nvSpPr>
-        <p:spPr/>
-        <p:txBody>
-          <a:bodyPr/>
-          <a:lstStyle/>
-          <a:p>
-            <a:fld id="{87D9652F-9609-4EC6-8E0A-C96E14B58A2A}" type="slidenum">
-              <a:rPr lang="fr-FR" smtClean="0"/>
-              <a:pPr/>
-              <a:t>47</a:t>
-            </a:fld>
-            <a:endParaRPr lang="fr-FR" dirty="0"/>
-          </a:p>
-        </p:txBody>
-      </p:sp>
-    </p:spTree>
-    <p:extLst>
-      <p:ext uri="{BB962C8B-B14F-4D97-AF65-F5344CB8AC3E}">
-        <p14:creationId xmlns:p14="http://schemas.microsoft.com/office/powerpoint/2010/main" val="3857580981"/>
-      </p:ext>
-    </p:extLst>
-  </p:cSld>
-  <p:clrMapOvr>
-    <a:masterClrMapping/>
-  </p:clrMapOvr>
-  <p:timing>
-    <p:tnLst>
-      <p:par>
-        <p:cTn id="1" dur="indefinite" restart="never" nodeType="tmRoot"/>
-      </p:par>
-    </p:tnLst>
-  </p:timing>
-</p:sld>
-</file>
-
-<file path=ppt/slides/slide48.xml><?xml version="1.0" encoding="utf-8"?>
-<p:sld xmlns:a="http://schemas.openxmlformats.org/drawingml/2006/main" xmlns:r="http://schemas.openxmlformats.org/officeDocument/2006/relationships" xmlns:p="http://schemas.openxmlformats.org/presentationml/2006/main">
-  <p:cSld>
-    <p:spTree>
-      <p:nvGrpSpPr>
-        <p:cNvPr id="1" name=""/>
-        <p:cNvGrpSpPr/>
-        <p:nvPr/>
-      </p:nvGrpSpPr>
-      <p:grpSpPr>
-        <a:xfrm>
-          <a:off x="0" y="0"/>
-          <a:ext cx="0" cy="0"/>
-          <a:chOff x="0" y="0"/>
-          <a:chExt cx="0" cy="0"/>
-        </a:xfrm>
-      </p:grpSpPr>
-      <p:sp>
-        <p:nvSpPr>
-          <p:cNvPr id="2" name="Titre 1"/>
-          <p:cNvSpPr>
-            <a:spLocks noGrp="1"/>
-          </p:cNvSpPr>
-          <p:nvPr>
-            <p:ph type="title"/>
-          </p:nvPr>
-        </p:nvSpPr>
-        <p:spPr/>
-        <p:txBody>
-          <a:bodyPr>
-            <a:normAutofit/>
-          </a:bodyPr>
-          <a:lstStyle/>
-          <a:p>
-            <a:r>
-              <a:rPr lang="fr-FR" dirty="0" smtClean="0"/>
-              <a:t>Gestion des erreurs</a:t>
-            </a:r>
-            <a:endParaRPr lang="en-US" dirty="0"/>
-          </a:p>
-        </p:txBody>
-      </p:sp>
-      <p:sp>
-        <p:nvSpPr>
-          <p:cNvPr id="3" name="Espace réservé du contenu 2"/>
-          <p:cNvSpPr>
-            <a:spLocks noGrp="1"/>
-          </p:cNvSpPr>
-          <p:nvPr>
-            <p:ph idx="1"/>
-          </p:nvPr>
-        </p:nvSpPr>
-        <p:spPr>
-          <a:xfrm>
-            <a:off x="254000" y="2552700"/>
-            <a:ext cx="8648700" cy="3624263"/>
-          </a:xfrm>
-        </p:spPr>
-        <p:txBody>
-          <a:bodyPr>
-            <a:normAutofit/>
-          </a:bodyPr>
-          <a:lstStyle/>
-          <a:p>
-            <a:r>
-              <a:rPr lang="fr-FR" dirty="0" smtClean="0"/>
-              <a:t>Définir explicitement les erreurs, les documenter</a:t>
-            </a:r>
-          </a:p>
-          <a:p>
-            <a:r>
-              <a:rPr lang="fr-FR" dirty="0" smtClean="0"/>
-              <a:t>Intercepter les exceptions, retourner des messages d’erreurs clairs</a:t>
-            </a:r>
-          </a:p>
-          <a:p>
-            <a:r>
-              <a:rPr lang="fr-FR" dirty="0" smtClean="0"/>
-              <a:t>Prévoir des mécanismes de </a:t>
-            </a:r>
-            <a:r>
-              <a:rPr lang="fr-FR" dirty="0" err="1" smtClean="0"/>
-              <a:t>rétro-contrôle</a:t>
-            </a:r>
-            <a:endParaRPr lang="fr-FR" dirty="0" smtClean="0"/>
-          </a:p>
-        </p:txBody>
-      </p:sp>
-      <p:sp>
-        <p:nvSpPr>
-          <p:cNvPr id="4" name="Espace réservé du numéro de diapositive 3"/>
-          <p:cNvSpPr>
-            <a:spLocks noGrp="1"/>
-          </p:cNvSpPr>
-          <p:nvPr>
-            <p:ph type="sldNum" sz="quarter" idx="12"/>
-          </p:nvPr>
-        </p:nvSpPr>
-        <p:spPr/>
-        <p:txBody>
-          <a:bodyPr/>
-          <a:lstStyle/>
-          <a:p>
-            <a:fld id="{87D9652F-9609-4EC6-8E0A-C96E14B58A2A}" type="slidenum">
-              <a:rPr lang="fr-FR" smtClean="0"/>
-              <a:pPr/>
-              <a:t>48</a:t>
-            </a:fld>
-            <a:endParaRPr lang="fr-FR" dirty="0"/>
-          </a:p>
-        </p:txBody>
-      </p:sp>
-    </p:spTree>
-    <p:extLst>
-      <p:ext uri="{BB962C8B-B14F-4D97-AF65-F5344CB8AC3E}">
-        <p14:creationId xmlns:p14="http://schemas.microsoft.com/office/powerpoint/2010/main" val="1494570895"/>
-      </p:ext>
-    </p:extLst>
-  </p:cSld>
-  <p:clrMapOvr>
-    <a:masterClrMapping/>
-  </p:clrMapOvr>
-  <p:timing>
-    <p:tnLst>
-      <p:par>
-        <p:cTn id="1" dur="indefinite" restart="never" nodeType="tmRoot"/>
-      </p:par>
-    </p:tnLst>
-  </p:timing>
-</p:sld>
-</file>
-
-<file path=ppt/slides/slide49.xml><?xml version="1.0" encoding="utf-8"?>
-<p:sld xmlns:a="http://schemas.openxmlformats.org/drawingml/2006/main" xmlns:r="http://schemas.openxmlformats.org/officeDocument/2006/relationships" xmlns:p="http://schemas.openxmlformats.org/presentationml/2006/main">
-  <p:cSld>
-    <p:spTree>
-      <p:nvGrpSpPr>
-        <p:cNvPr id="1" name=""/>
-        <p:cNvGrpSpPr/>
-        <p:nvPr/>
-      </p:nvGrpSpPr>
-      <p:grpSpPr>
-        <a:xfrm>
-          <a:off x="0" y="0"/>
-          <a:ext cx="0" cy="0"/>
-          <a:chOff x="0" y="0"/>
-          <a:chExt cx="0" cy="0"/>
-        </a:xfrm>
-      </p:grpSpPr>
-      <p:sp>
-        <p:nvSpPr>
-          <p:cNvPr id="2" name="Titre 1"/>
-          <p:cNvSpPr>
-            <a:spLocks noGrp="1"/>
-          </p:cNvSpPr>
-          <p:nvPr>
-            <p:ph type="title"/>
-          </p:nvPr>
-        </p:nvSpPr>
-        <p:spPr/>
-        <p:txBody>
-          <a:bodyPr/>
-          <a:lstStyle/>
-          <a:p>
-            <a:r>
-              <a:rPr lang="fr-FR" dirty="0" smtClean="0"/>
-              <a:t>Tâches annexes</a:t>
-            </a:r>
-            <a:endParaRPr lang="fr-FR" dirty="0"/>
-          </a:p>
-        </p:txBody>
-      </p:sp>
-      <p:sp>
-        <p:nvSpPr>
-          <p:cNvPr id="3" name="Espace réservé du contenu 2"/>
-          <p:cNvSpPr>
-            <a:spLocks noGrp="1"/>
-          </p:cNvSpPr>
-          <p:nvPr>
-            <p:ph idx="1"/>
-          </p:nvPr>
-        </p:nvSpPr>
-        <p:spPr>
-          <a:xfrm>
-            <a:off x="254000" y="2184400"/>
-            <a:ext cx="8648700" cy="3992563"/>
-          </a:xfrm>
-        </p:spPr>
-        <p:txBody>
-          <a:bodyPr/>
-          <a:lstStyle/>
-          <a:p>
-            <a:r>
-              <a:rPr lang="fr-FR" dirty="0" smtClean="0"/>
-              <a:t>Séparer les traitements pour simplifier au maximum l’application</a:t>
-            </a:r>
-          </a:p>
-          <a:p>
-            <a:pPr lvl="1"/>
-            <a:r>
-              <a:rPr lang="fr-FR" dirty="0" smtClean="0"/>
-              <a:t>Ne pas hésiter à faire plusieurs applications simples plutôt qu’une seule trop complexe</a:t>
-            </a:r>
-          </a:p>
-          <a:p>
-            <a:pPr lvl="1"/>
-            <a:r>
-              <a:rPr lang="fr-FR" dirty="0" smtClean="0"/>
-              <a:t>Déporter les tâches de suppression des reliquats, d’envoi de mails</a:t>
-            </a:r>
-            <a:endParaRPr lang="fr-FR" dirty="0"/>
-          </a:p>
-          <a:p>
-            <a:endParaRPr lang="fr-FR" dirty="0"/>
-          </a:p>
-        </p:txBody>
-      </p:sp>
-      <p:sp>
-        <p:nvSpPr>
-          <p:cNvPr id="4" name="Espace réservé du numéro de diapositive 3"/>
-          <p:cNvSpPr>
-            <a:spLocks noGrp="1"/>
-          </p:cNvSpPr>
-          <p:nvPr>
-            <p:ph type="sldNum" sz="quarter" idx="12"/>
-          </p:nvPr>
-        </p:nvSpPr>
-        <p:spPr/>
-        <p:txBody>
-          <a:bodyPr/>
-          <a:lstStyle/>
-          <a:p>
-            <a:fld id="{87D9652F-9609-4EC6-8E0A-C96E14B58A2A}" type="slidenum">
-              <a:rPr lang="fr-FR" smtClean="0"/>
-              <a:pPr/>
-              <a:t>49</a:t>
-            </a:fld>
-            <a:endParaRPr lang="fr-FR" dirty="0"/>
-          </a:p>
-        </p:txBody>
-      </p:sp>
-    </p:spTree>
-    <p:extLst>
-      <p:ext uri="{BB962C8B-B14F-4D97-AF65-F5344CB8AC3E}">
-        <p14:creationId xmlns:p14="http://schemas.microsoft.com/office/powerpoint/2010/main" val="1318960282"/>
-      </p:ext>
-    </p:extLst>
-  </p:cSld>
-  <p:clrMapOvr>
-    <a:masterClrMapping/>
-  </p:clrMapOvr>
-  <p:timing>
-    <p:tnLst>
-      <p:par>
-        <p:cTn id="1" dur="indefinite" restart="never" nodeType="tmRoot"/>
-      </p:par>
-    </p:tnLst>
-  </p:timing>
-</p:sld>
-</file>
-
-<file path=ppt/slides/slide5.xml><?xml version="1.0" encoding="utf-8"?>
-<p:sld xmlns:a="http://schemas.openxmlformats.org/drawingml/2006/main" xmlns:r="http://schemas.openxmlformats.org/officeDocument/2006/relationships" xmlns:p="http://schemas.openxmlformats.org/presentationml/2006/main">
-  <p:cSld>
-    <p:spTree>
-      <p:nvGrpSpPr>
-        <p:cNvPr id="1" name=""/>
-        <p:cNvGrpSpPr/>
-        <p:nvPr/>
-      </p:nvGrpSpPr>
-      <p:grpSpPr>
-        <a:xfrm>
-          <a:off x="0" y="0"/>
-          <a:ext cx="0" cy="0"/>
-          <a:chOff x="0" y="0"/>
-          <a:chExt cx="0" cy="0"/>
-        </a:xfrm>
-      </p:grpSpPr>
-      <p:sp>
-        <p:nvSpPr>
-          <p:cNvPr id="2" name="Titre 1"/>
-          <p:cNvSpPr>
-            <a:spLocks noGrp="1"/>
-          </p:cNvSpPr>
-          <p:nvPr>
-            <p:ph type="title"/>
-          </p:nvPr>
-        </p:nvSpPr>
-        <p:spPr/>
-        <p:txBody>
-          <a:bodyPr>
-            <a:noAutofit/>
-          </a:bodyPr>
-          <a:lstStyle/>
-          <a:p>
-            <a:r>
-              <a:rPr lang="fr-FR" sz="4000" dirty="0" smtClean="0"/>
-              <a:t>Rupture de la collecte</a:t>
-            </a:r>
-            <a:endParaRPr lang="fr-FR" sz="4000" dirty="0"/>
-          </a:p>
-        </p:txBody>
-      </p:sp>
-      <p:sp>
-        <p:nvSpPr>
-          <p:cNvPr id="4" name="Espace réservé du numéro de diapositive 3"/>
-          <p:cNvSpPr>
-            <a:spLocks noGrp="1"/>
-          </p:cNvSpPr>
-          <p:nvPr>
-            <p:ph type="sldNum" sz="quarter" idx="12"/>
-          </p:nvPr>
-        </p:nvSpPr>
-        <p:spPr/>
-        <p:txBody>
-          <a:bodyPr/>
-          <a:lstStyle/>
-          <a:p>
-            <a:fld id="{87D9652F-9609-4EC6-8E0A-C96E14B58A2A}" type="slidenum">
-              <a:rPr lang="fr-FR" smtClean="0"/>
-              <a:pPr/>
-              <a:t>5</a:t>
             </a:fld>
             <a:endParaRPr lang="fr-FR" dirty="0"/>
           </a:p>
@@ -16158,7 +14757,7 @@
 </p:sld>
 </file>
 
-<file path=ppt/slides/slide50.xml><?xml version="1.0" encoding="utf-8"?>
+<file path=ppt/slides/slide40.xml><?xml version="1.0" encoding="utf-8"?>
 <p:sld xmlns:a="http://schemas.openxmlformats.org/drawingml/2006/main" xmlns:r="http://schemas.openxmlformats.org/officeDocument/2006/relationships" xmlns:p="http://schemas.openxmlformats.org/presentationml/2006/main">
   <p:cSld>
     <p:spTree>
@@ -16177,7 +14776,7 @@
       </p:grpSpPr>
       <p:sp>
         <p:nvSpPr>
-          <p:cNvPr id="2" name="Titre 1"/>
+          <p:cNvPr id="5" name="Titre 4"/>
           <p:cNvSpPr>
             <a:spLocks noGrp="1"/>
           </p:cNvSpPr>
@@ -16187,84 +14786,14 @@
         </p:nvSpPr>
         <p:spPr/>
         <p:txBody>
-          <a:bodyPr>
-            <a:normAutofit/>
-          </a:bodyPr>
+          <a:bodyPr/>
           <a:lstStyle/>
           <a:p>
             <a:r>
               <a:rPr lang="fr-FR" dirty="0" smtClean="0"/>
-              <a:t>Documentation</a:t>
-            </a:r>
-            <a:endParaRPr lang="en-US" dirty="0"/>
-          </a:p>
-        </p:txBody>
-      </p:sp>
-      <p:sp>
-        <p:nvSpPr>
-          <p:cNvPr id="3" name="Espace réservé du contenu 2"/>
-          <p:cNvSpPr>
-            <a:spLocks noGrp="1"/>
-          </p:cNvSpPr>
-          <p:nvPr>
-            <p:ph idx="1"/>
-          </p:nvPr>
-        </p:nvSpPr>
-        <p:spPr>
-          <a:xfrm>
-            <a:off x="254000" y="2347415"/>
-            <a:ext cx="8648700" cy="3829548"/>
-          </a:xfrm>
-        </p:spPr>
-        <p:txBody>
-          <a:bodyPr>
-            <a:normAutofit/>
-          </a:bodyPr>
-          <a:lstStyle/>
-          <a:p>
-            <a:r>
-              <a:rPr lang="fr-FR" dirty="0" smtClean="0"/>
-              <a:t>Commenter le code</a:t>
-            </a:r>
-          </a:p>
-          <a:p>
-            <a:r>
-              <a:rPr lang="fr-FR" dirty="0" smtClean="0"/>
-              <a:t>Ecrire des wikis/tutoriels régulièrement</a:t>
-            </a:r>
-          </a:p>
-          <a:p>
-            <a:r>
-              <a:rPr lang="fr-FR" dirty="0" smtClean="0"/>
-              <a:t>Fournir:</a:t>
-            </a:r>
-          </a:p>
-          <a:p>
-            <a:pPr lvl="1"/>
-            <a:r>
-              <a:rPr lang="fr-FR" dirty="0" smtClean="0"/>
-              <a:t>La structure de l’application</a:t>
-            </a:r>
-          </a:p>
-          <a:p>
-            <a:pPr lvl="1"/>
-            <a:r>
-              <a:rPr lang="fr-FR" dirty="0" smtClean="0"/>
-              <a:t>La chaine de traitements</a:t>
-            </a:r>
-          </a:p>
-          <a:p>
-            <a:pPr lvl="1"/>
-            <a:r>
-              <a:rPr lang="fr-FR" dirty="0" smtClean="0"/>
-              <a:t>Les modèles de données</a:t>
-            </a:r>
-          </a:p>
-          <a:p>
-            <a:endParaRPr lang="fr-FR" dirty="0" smtClean="0"/>
-          </a:p>
-          <a:p>
-            <a:endParaRPr lang="en-US" dirty="0" smtClean="0"/>
+              <a:t>Recommandations générales</a:t>
+            </a:r>
+            <a:endParaRPr lang="fr-FR" dirty="0"/>
           </a:p>
         </p:txBody>
       </p:sp>
@@ -16286,7 +14815,7 @@
             <a:fld id="{87D9652F-9609-4EC6-8E0A-C96E14B58A2A}" type="slidenum">
               <a:rPr lang="fr-FR" smtClean="0"/>
               <a:pPr/>
-              <a:t>50</a:t>
+              <a:t>40</a:t>
             </a:fld>
             <a:endParaRPr lang="fr-FR" dirty="0"/>
           </a:p>
@@ -16295,7 +14824,7 @@
     </p:spTree>
     <p:extLst>
       <p:ext uri="{BB962C8B-B14F-4D97-AF65-F5344CB8AC3E}">
-        <p14:creationId xmlns:p14="http://schemas.microsoft.com/office/powerpoint/2010/main" val="762696903"/>
+        <p14:creationId xmlns:p14="http://schemas.microsoft.com/office/powerpoint/2010/main" val="376906104"/>
       </p:ext>
     </p:extLst>
   </p:cSld>
@@ -16312,7 +14841,7 @@
 </p:sld>
 </file>
 
-<file path=ppt/slides/slide51.xml><?xml version="1.0" encoding="utf-8"?>
+<file path=ppt/slides/slide41.xml><?xml version="1.0" encoding="utf-8"?>
 <p:sld xmlns:a="http://schemas.openxmlformats.org/drawingml/2006/main" xmlns:r="http://schemas.openxmlformats.org/officeDocument/2006/relationships" xmlns:p="http://schemas.openxmlformats.org/presentationml/2006/main">
   <p:cSld>
     <p:spTree>
@@ -16331,70 +14860,6 @@
       </p:grpSpPr>
       <p:sp>
         <p:nvSpPr>
-          <p:cNvPr id="2" name="Titre 1"/>
-          <p:cNvSpPr>
-            <a:spLocks noGrp="1"/>
-          </p:cNvSpPr>
-          <p:nvPr>
-            <p:ph type="title"/>
-          </p:nvPr>
-        </p:nvSpPr>
-        <p:spPr/>
-        <p:txBody>
-          <a:bodyPr/>
-          <a:lstStyle/>
-          <a:p>
-            <a:r>
-              <a:rPr lang="fr-FR" dirty="0" smtClean="0"/>
-              <a:t>Sécurité</a:t>
-            </a:r>
-            <a:endParaRPr lang="fr-FR" dirty="0"/>
-          </a:p>
-        </p:txBody>
-      </p:sp>
-      <p:sp>
-        <p:nvSpPr>
-          <p:cNvPr id="3" name="Espace réservé du contenu 2"/>
-          <p:cNvSpPr>
-            <a:spLocks noGrp="1"/>
-          </p:cNvSpPr>
-          <p:nvPr>
-            <p:ph idx="1"/>
-          </p:nvPr>
-        </p:nvSpPr>
-        <p:spPr>
-          <a:xfrm>
-            <a:off x="254000" y="2921000"/>
-            <a:ext cx="8648700" cy="3255963"/>
-          </a:xfrm>
-        </p:spPr>
-        <p:txBody>
-          <a:bodyPr/>
-          <a:lstStyle/>
-          <a:p>
-            <a:r>
-              <a:rPr lang="fr-FR" b="1" dirty="0" smtClean="0"/>
-              <a:t>Attention </a:t>
-            </a:r>
-            <a:r>
-              <a:rPr lang="fr-FR" b="1" dirty="0" smtClean="0"/>
-              <a:t>au stockage des mots de passe!</a:t>
-            </a:r>
-          </a:p>
-          <a:p>
-            <a:r>
-              <a:rPr lang="fr-FR" dirty="0" smtClean="0"/>
-              <a:t>Choix d’une licence?</a:t>
-            </a:r>
-            <a:endParaRPr lang="fr-FR" dirty="0"/>
-          </a:p>
-          <a:p>
-            <a:endParaRPr lang="fr-FR" dirty="0"/>
-          </a:p>
-        </p:txBody>
-      </p:sp>
-      <p:sp>
-        <p:nvSpPr>
           <p:cNvPr id="4" name="Espace réservé du numéro de diapositive 3"/>
           <p:cNvSpPr>
             <a:spLocks noGrp="1"/>
@@ -16411,8 +14876,74 @@
             <a:fld id="{87D9652F-9609-4EC6-8E0A-C96E14B58A2A}" type="slidenum">
               <a:rPr lang="fr-FR" smtClean="0"/>
               <a:pPr/>
-              <a:t>51</a:t>
+              <a:t>41</a:t>
             </a:fld>
+            <a:endParaRPr lang="fr-FR" dirty="0"/>
+          </a:p>
+        </p:txBody>
+      </p:sp>
+      <p:pic>
+        <p:nvPicPr>
+          <p:cNvPr id="1026" name="Picture 2" descr="http://4.bp.blogspot.com/-iPOXZFL96ug/UIUGP3EFTxI/AAAAAAAAAOI/h4iT8b5QRFc/s1600/maison-malfacon.jpg"/>
+          <p:cNvPicPr>
+            <a:picLocks noGrp="1" noChangeAspect="1" noChangeArrowheads="1"/>
+          </p:cNvPicPr>
+          <p:nvPr>
+            <p:ph idx="1"/>
+          </p:nvPr>
+        </p:nvPicPr>
+        <p:blipFill>
+          <a:blip r:embed="rId2">
+            <a:extLst>
+              <a:ext uri="{28A0092B-C50C-407E-A947-70E740481C1C}">
+                <a14:useLocalDpi xmlns:a14="http://schemas.microsoft.com/office/drawing/2010/main" val="0"/>
+              </a:ext>
+            </a:extLst>
+          </a:blip>
+          <a:srcRect/>
+          <a:stretch>
+            <a:fillRect/>
+          </a:stretch>
+        </p:blipFill>
+        <p:spPr bwMode="auto">
+          <a:xfrm>
+            <a:off x="2936785" y="1639095"/>
+            <a:ext cx="3283130" cy="4386263"/>
+          </a:xfrm>
+          <a:prstGeom prst="rect">
+            <a:avLst/>
+          </a:prstGeom>
+          <a:noFill/>
+          <a:extLst>
+            <a:ext uri="{909E8E84-426E-40DD-AFC4-6F175D3DCCD1}">
+              <a14:hiddenFill xmlns:a14="http://schemas.microsoft.com/office/drawing/2010/main">
+                <a:solidFill>
+                  <a:srgbClr val="FFFFFF"/>
+                </a:solidFill>
+              </a14:hiddenFill>
+            </a:ext>
+          </a:extLst>
+        </p:spPr>
+      </p:pic>
+      <p:sp>
+        <p:nvSpPr>
+          <p:cNvPr id="5" name="Titre 4"/>
+          <p:cNvSpPr>
+            <a:spLocks noGrp="1"/>
+          </p:cNvSpPr>
+          <p:nvPr>
+            <p:ph type="title"/>
+          </p:nvPr>
+        </p:nvSpPr>
+        <p:spPr/>
+        <p:txBody>
+          <a:bodyPr/>
+          <a:lstStyle/>
+          <a:p>
+            <a:r>
+              <a:rPr lang="fr-FR" dirty="0" smtClean="0"/>
+              <a:t>Etat actuel de l’application</a:t>
+            </a:r>
             <a:endParaRPr lang="fr-FR" dirty="0"/>
           </a:p>
         </p:txBody>
@@ -16420,7 +14951,7 @@
     </p:spTree>
     <p:extLst>
       <p:ext uri="{BB962C8B-B14F-4D97-AF65-F5344CB8AC3E}">
-        <p14:creationId xmlns:p14="http://schemas.microsoft.com/office/powerpoint/2010/main" val="3508833578"/>
+        <p14:creationId xmlns:p14="http://schemas.microsoft.com/office/powerpoint/2010/main" val="659987490"/>
       </p:ext>
     </p:extLst>
   </p:cSld>
@@ -16437,7 +14968,7 @@
 </p:sld>
 </file>
 
-<file path=ppt/slides/slide52.xml><?xml version="1.0" encoding="utf-8"?>
+<file path=ppt/slides/slide42.xml><?xml version="1.0" encoding="utf-8"?>
 <p:sld xmlns:a="http://schemas.openxmlformats.org/drawingml/2006/main" xmlns:r="http://schemas.openxmlformats.org/officeDocument/2006/relationships" xmlns:p="http://schemas.openxmlformats.org/presentationml/2006/main">
   <p:cSld>
     <p:spTree>
@@ -16466,33 +14997,16 @@
         </p:nvSpPr>
         <p:spPr/>
         <p:txBody>
-          <a:bodyPr/>
-          <a:lstStyle/>
-          <a:p>
-            <a:r>
-              <a:rPr lang="fr-FR" dirty="0" smtClean="0"/>
-              <a:t>Merci pour votre attention!</a:t>
-            </a:r>
-            <a:endParaRPr lang="fr-FR" dirty="0"/>
-          </a:p>
-        </p:txBody>
-      </p:sp>
-      <p:sp>
-        <p:nvSpPr>
-          <p:cNvPr id="3" name="Espace réservé du contenu 2"/>
-          <p:cNvSpPr>
-            <a:spLocks noGrp="1"/>
-          </p:cNvSpPr>
-          <p:nvPr>
-            <p:ph idx="1"/>
-          </p:nvPr>
-        </p:nvSpPr>
-        <p:spPr/>
-        <p:txBody>
-          <a:bodyPr/>
-          <a:lstStyle/>
-          <a:p>
-            <a:endParaRPr lang="fr-FR" dirty="0"/>
+          <a:bodyPr>
+            <a:normAutofit fontScale="90000"/>
+          </a:bodyPr>
+          <a:lstStyle/>
+          <a:p>
+            <a:r>
+              <a:rPr lang="fr-FR" sz="3600" dirty="0" smtClean="0"/>
+              <a:t>Mes recommandations : redévelopper une nouvelle application</a:t>
+            </a:r>
+            <a:endParaRPr lang="en-US" sz="3600" dirty="0"/>
           </a:p>
         </p:txBody>
       </p:sp>
@@ -16514,7 +15028,349 @@
             <a:fld id="{87D9652F-9609-4EC6-8E0A-C96E14B58A2A}" type="slidenum">
               <a:rPr lang="fr-FR" smtClean="0"/>
               <a:pPr/>
-              <a:t>52</a:t>
+              <a:t>42</a:t>
+            </a:fld>
+            <a:endParaRPr lang="fr-FR" dirty="0"/>
+          </a:p>
+        </p:txBody>
+      </p:sp>
+      <p:pic>
+        <p:nvPicPr>
+          <p:cNvPr id="2052" name="Picture 4" descr="Afficher l'image d'origine"/>
+          <p:cNvPicPr>
+            <a:picLocks noGrp="1" noChangeAspect="1" noChangeArrowheads="1"/>
+          </p:cNvPicPr>
+          <p:nvPr>
+            <p:ph idx="1"/>
+          </p:nvPr>
+        </p:nvPicPr>
+        <p:blipFill>
+          <a:blip r:embed="rId2" cstate="print">
+            <a:extLst>
+              <a:ext uri="{28A0092B-C50C-407E-A947-70E740481C1C}">
+                <a14:useLocalDpi xmlns:a14="http://schemas.microsoft.com/office/drawing/2010/main" val="0"/>
+              </a:ext>
+            </a:extLst>
+          </a:blip>
+          <a:srcRect/>
+          <a:stretch>
+            <a:fillRect/>
+          </a:stretch>
+        </p:blipFill>
+        <p:spPr bwMode="auto">
+          <a:xfrm>
+            <a:off x="2101894" y="1687258"/>
+            <a:ext cx="4952911" cy="3534424"/>
+          </a:xfrm>
+          <a:prstGeom prst="rect">
+            <a:avLst/>
+          </a:prstGeom>
+          <a:noFill/>
+          <a:extLst>
+            <a:ext uri="{909E8E84-426E-40DD-AFC4-6F175D3DCCD1}">
+              <a14:hiddenFill xmlns:a14="http://schemas.microsoft.com/office/drawing/2010/main">
+                <a:solidFill>
+                  <a:srgbClr val="FFFFFF"/>
+                </a:solidFill>
+              </a14:hiddenFill>
+            </a:ext>
+          </a:extLst>
+        </p:spPr>
+      </p:pic>
+      <p:sp>
+        <p:nvSpPr>
+          <p:cNvPr id="9" name="ZoneTexte 8"/>
+          <p:cNvSpPr txBox="1"/>
+          <p:nvPr/>
+        </p:nvSpPr>
+        <p:spPr>
+          <a:xfrm>
+            <a:off x="621360" y="5600837"/>
+            <a:ext cx="8178842" cy="923330"/>
+          </a:xfrm>
+          <a:prstGeom prst="rect">
+            <a:avLst/>
+          </a:prstGeom>
+          <a:noFill/>
+        </p:spPr>
+        <p:txBody>
+          <a:bodyPr wrap="none" rtlCol="0">
+            <a:spAutoFit/>
+          </a:bodyPr>
+          <a:lstStyle/>
+          <a:p>
+            <a:r>
+              <a:rPr lang="fr-FR" dirty="0" smtClean="0"/>
+              <a:t>Maintenir une application mal conçue à la base est une tâche vouée à l’échec.</a:t>
+            </a:r>
+          </a:p>
+          <a:p>
+            <a:r>
+              <a:rPr lang="fr-FR" dirty="0" smtClean="0"/>
+              <a:t>Il est préférable de concevoir une nouvelle application avec des fondations</a:t>
+            </a:r>
+          </a:p>
+          <a:p>
+            <a:r>
+              <a:rPr lang="fr-FR" dirty="0" smtClean="0"/>
+              <a:t>plus solides.</a:t>
+            </a:r>
+            <a:endParaRPr lang="en-US" dirty="0"/>
+          </a:p>
+        </p:txBody>
+      </p:sp>
+    </p:spTree>
+    <p:extLst>
+      <p:ext uri="{BB962C8B-B14F-4D97-AF65-F5344CB8AC3E}">
+        <p14:creationId xmlns:p14="http://schemas.microsoft.com/office/powerpoint/2010/main" val="3623424105"/>
+      </p:ext>
+    </p:extLst>
+  </p:cSld>
+  <p:clrMapOvr>
+    <a:masterClrMapping/>
+  </p:clrMapOvr>
+  <p:timing>
+    <p:tnLst>
+      <p:par>
+        <p:cTn id="1" dur="indefinite" restart="never" nodeType="tmRoot"/>
+      </p:par>
+    </p:tnLst>
+  </p:timing>
+</p:sld>
+</file>
+
+<file path=ppt/slides/slide43.xml><?xml version="1.0" encoding="utf-8"?>
+<p:sld xmlns:a="http://schemas.openxmlformats.org/drawingml/2006/main" xmlns:r="http://schemas.openxmlformats.org/officeDocument/2006/relationships" xmlns:p="http://schemas.openxmlformats.org/presentationml/2006/main">
+  <p:cSld>
+    <p:spTree>
+      <p:nvGrpSpPr>
+        <p:cNvPr id="1" name=""/>
+        <p:cNvGrpSpPr/>
+        <p:nvPr/>
+      </p:nvGrpSpPr>
+      <p:grpSpPr>
+        <a:xfrm>
+          <a:off x="0" y="0"/>
+          <a:ext cx="0" cy="0"/>
+          <a:chOff x="0" y="0"/>
+          <a:chExt cx="0" cy="0"/>
+        </a:xfrm>
+      </p:grpSpPr>
+      <p:sp>
+        <p:nvSpPr>
+          <p:cNvPr id="2" name="Titre 1"/>
+          <p:cNvSpPr>
+            <a:spLocks noGrp="1"/>
+          </p:cNvSpPr>
+          <p:nvPr>
+            <p:ph type="title"/>
+          </p:nvPr>
+        </p:nvSpPr>
+        <p:spPr/>
+        <p:txBody>
+          <a:bodyPr/>
+          <a:lstStyle/>
+          <a:p>
+            <a:r>
+              <a:rPr lang="fr-FR" dirty="0" smtClean="0"/>
+              <a:t>Recommandations</a:t>
+            </a:r>
+            <a:endParaRPr lang="fr-FR" dirty="0"/>
+          </a:p>
+        </p:txBody>
+      </p:sp>
+      <p:sp>
+        <p:nvSpPr>
+          <p:cNvPr id="3" name="Espace réservé du contenu 2"/>
+          <p:cNvSpPr>
+            <a:spLocks noGrp="1"/>
+          </p:cNvSpPr>
+          <p:nvPr>
+            <p:ph idx="1"/>
+          </p:nvPr>
+        </p:nvSpPr>
+        <p:spPr/>
+        <p:txBody>
+          <a:bodyPr>
+            <a:normAutofit fontScale="85000" lnSpcReduction="20000"/>
+          </a:bodyPr>
+          <a:lstStyle/>
+          <a:p>
+            <a:r>
+              <a:rPr lang="fr-FR" dirty="0" smtClean="0"/>
+              <a:t>Définir un cahier des charges</a:t>
+            </a:r>
+          </a:p>
+          <a:p>
+            <a:r>
+              <a:rPr lang="fr-FR" dirty="0" smtClean="0"/>
+              <a:t>Définir les besoins en termes de performance, privilégier la simplicité</a:t>
+            </a:r>
+          </a:p>
+          <a:p>
+            <a:r>
+              <a:rPr lang="fr-FR" dirty="0" smtClean="0"/>
+              <a:t>Structurer l’application, la chaîne de traitement, séparer les tâches annexes</a:t>
+            </a:r>
+          </a:p>
+          <a:p>
+            <a:r>
+              <a:rPr lang="fr-FR" dirty="0" smtClean="0"/>
+              <a:t>Utiliser des outils de gestion de projet</a:t>
+            </a:r>
+          </a:p>
+          <a:p>
+            <a:r>
+              <a:rPr lang="fr-FR" dirty="0" smtClean="0"/>
+              <a:t>Suivre les règles de conception d’une interface graphique (ergonomie)</a:t>
+            </a:r>
+          </a:p>
+          <a:p>
+            <a:r>
+              <a:rPr lang="fr-FR" dirty="0" smtClean="0"/>
+              <a:t>Améliorer la gestion des erreurs</a:t>
+            </a:r>
+          </a:p>
+          <a:p>
+            <a:r>
+              <a:rPr lang="fr-FR" dirty="0" smtClean="0"/>
+              <a:t>Documenter l’application, commenter le code</a:t>
+            </a:r>
+          </a:p>
+          <a:p>
+            <a:r>
+              <a:rPr lang="fr-FR" dirty="0" smtClean="0"/>
+              <a:t>Attention au stockage des mots de passe</a:t>
+            </a:r>
+          </a:p>
+          <a:p>
+            <a:r>
+              <a:rPr lang="fr-FR" dirty="0" smtClean="0"/>
+              <a:t>Choix d’une </a:t>
+            </a:r>
+            <a:r>
+              <a:rPr lang="fr-FR" dirty="0" err="1" smtClean="0"/>
+              <a:t>license</a:t>
+            </a:r>
+            <a:endParaRPr lang="fr-FR" dirty="0"/>
+          </a:p>
+        </p:txBody>
+      </p:sp>
+      <p:sp>
+        <p:nvSpPr>
+          <p:cNvPr id="4" name="Espace réservé du numéro de diapositive 3"/>
+          <p:cNvSpPr>
+            <a:spLocks noGrp="1"/>
+          </p:cNvSpPr>
+          <p:nvPr>
+            <p:ph type="sldNum" sz="quarter" idx="12"/>
+          </p:nvPr>
+        </p:nvSpPr>
+        <p:spPr/>
+        <p:txBody>
+          <a:bodyPr/>
+          <a:lstStyle/>
+          <a:p>
+            <a:fld id="{87D9652F-9609-4EC6-8E0A-C96E14B58A2A}" type="slidenum">
+              <a:rPr lang="fr-FR" smtClean="0"/>
+              <a:pPr/>
+              <a:t>43</a:t>
+            </a:fld>
+            <a:endParaRPr lang="fr-FR" dirty="0"/>
+          </a:p>
+        </p:txBody>
+      </p:sp>
+    </p:spTree>
+    <p:extLst>
+      <p:ext uri="{BB962C8B-B14F-4D97-AF65-F5344CB8AC3E}">
+        <p14:creationId xmlns:p14="http://schemas.microsoft.com/office/powerpoint/2010/main" val="3860333637"/>
+      </p:ext>
+    </p:extLst>
+  </p:cSld>
+  <p:clrMapOvr>
+    <a:masterClrMapping/>
+  </p:clrMapOvr>
+</p:sld>
+</file>
+
+<file path=ppt/slides/slide44.xml><?xml version="1.0" encoding="utf-8"?>
+<p:sld xmlns:a="http://schemas.openxmlformats.org/drawingml/2006/main" xmlns:r="http://schemas.openxmlformats.org/officeDocument/2006/relationships" xmlns:p="http://schemas.openxmlformats.org/presentationml/2006/main">
+  <p:cSld>
+    <p:spTree>
+      <p:nvGrpSpPr>
+        <p:cNvPr id="1" name=""/>
+        <p:cNvGrpSpPr/>
+        <p:nvPr/>
+      </p:nvGrpSpPr>
+      <p:grpSpPr>
+        <a:xfrm>
+          <a:off x="0" y="0"/>
+          <a:ext cx="0" cy="0"/>
+          <a:chOff x="0" y="0"/>
+          <a:chExt cx="0" cy="0"/>
+        </a:xfrm>
+      </p:grpSpPr>
+      <p:sp>
+        <p:nvSpPr>
+          <p:cNvPr id="2" name="Titre 1"/>
+          <p:cNvSpPr>
+            <a:spLocks noGrp="1"/>
+          </p:cNvSpPr>
+          <p:nvPr>
+            <p:ph type="title"/>
+          </p:nvPr>
+        </p:nvSpPr>
+        <p:spPr/>
+        <p:txBody>
+          <a:bodyPr/>
+          <a:lstStyle/>
+          <a:p>
+            <a:r>
+              <a:rPr lang="fr-FR" dirty="0" smtClean="0"/>
+              <a:t>Merci pour votre attention!</a:t>
+            </a:r>
+            <a:endParaRPr lang="fr-FR" dirty="0"/>
+          </a:p>
+        </p:txBody>
+      </p:sp>
+      <p:sp>
+        <p:nvSpPr>
+          <p:cNvPr id="3" name="Espace réservé du contenu 2"/>
+          <p:cNvSpPr>
+            <a:spLocks noGrp="1"/>
+          </p:cNvSpPr>
+          <p:nvPr>
+            <p:ph idx="1"/>
+          </p:nvPr>
+        </p:nvSpPr>
+        <p:spPr/>
+        <p:txBody>
+          <a:bodyPr/>
+          <a:lstStyle/>
+          <a:p>
+            <a:endParaRPr lang="fr-FR" dirty="0"/>
+          </a:p>
+        </p:txBody>
+      </p:sp>
+      <p:sp>
+        <p:nvSpPr>
+          <p:cNvPr id="4" name="Espace réservé du numéro de diapositive 3"/>
+          <p:cNvSpPr>
+            <a:spLocks noGrp="1"/>
+          </p:cNvSpPr>
+          <p:nvPr>
+            <p:ph type="sldNum" sz="quarter" idx="12"/>
+          </p:nvPr>
+        </p:nvSpPr>
+        <p:spPr/>
+        <p:txBody>
+          <a:bodyPr/>
+          <a:lstStyle/>
+          <a:p>
+            <a:fld id="{87D9652F-9609-4EC6-8E0A-C96E14B58A2A}" type="slidenum">
+              <a:rPr lang="fr-FR" smtClean="0"/>
+              <a:pPr/>
+              <a:t>44</a:t>
             </a:fld>
             <a:endParaRPr lang="fr-FR" dirty="0"/>
           </a:p>
@@ -16564,7 +15420,1626 @@
     </p:spTree>
     <p:extLst>
       <p:ext uri="{BB962C8B-B14F-4D97-AF65-F5344CB8AC3E}">
-        <p14:creationId xmlns:p14="http://schemas.microsoft.com/office/powerpoint/2010/main" val="2199942405"/>
+        <p14:creationId xmlns:p14="http://schemas.microsoft.com/office/powerpoint/2010/main" val="2494725306"/>
+      </p:ext>
+    </p:extLst>
+  </p:cSld>
+  <p:clrMapOvr>
+    <a:masterClrMapping/>
+  </p:clrMapOvr>
+  <p:timing>
+    <p:tnLst>
+      <p:par>
+        <p:cTn id="1" dur="indefinite" restart="never" nodeType="tmRoot"/>
+      </p:par>
+    </p:tnLst>
+  </p:timing>
+</p:sld>
+</file>
+
+<file path=ppt/slides/slide45.xml><?xml version="1.0" encoding="utf-8"?>
+<p:sld xmlns:a="http://schemas.openxmlformats.org/drawingml/2006/main" xmlns:r="http://schemas.openxmlformats.org/officeDocument/2006/relationships" xmlns:p="http://schemas.openxmlformats.org/presentationml/2006/main">
+  <p:cSld>
+    <p:spTree>
+      <p:nvGrpSpPr>
+        <p:cNvPr id="1" name=""/>
+        <p:cNvGrpSpPr/>
+        <p:nvPr/>
+      </p:nvGrpSpPr>
+      <p:grpSpPr>
+        <a:xfrm>
+          <a:off x="0" y="0"/>
+          <a:ext cx="0" cy="0"/>
+          <a:chOff x="0" y="0"/>
+          <a:chExt cx="0" cy="0"/>
+        </a:xfrm>
+      </p:grpSpPr>
+      <p:sp>
+        <p:nvSpPr>
+          <p:cNvPr id="2" name="Titre 1"/>
+          <p:cNvSpPr>
+            <a:spLocks noGrp="1"/>
+          </p:cNvSpPr>
+          <p:nvPr>
+            <p:ph type="title"/>
+          </p:nvPr>
+        </p:nvSpPr>
+        <p:spPr/>
+        <p:txBody>
+          <a:bodyPr>
+            <a:noAutofit/>
+          </a:bodyPr>
+          <a:lstStyle/>
+          <a:p>
+            <a:r>
+              <a:rPr lang="fr-FR" sz="3200" dirty="0" smtClean="0"/>
+              <a:t>Nécessité de définir un cahier des charges</a:t>
+            </a:r>
+            <a:endParaRPr lang="en-US" sz="3200" dirty="0"/>
+          </a:p>
+        </p:txBody>
+      </p:sp>
+      <p:sp>
+        <p:nvSpPr>
+          <p:cNvPr id="3" name="Espace réservé du contenu 2"/>
+          <p:cNvSpPr>
+            <a:spLocks noGrp="1"/>
+          </p:cNvSpPr>
+          <p:nvPr>
+            <p:ph idx="1"/>
+          </p:nvPr>
+        </p:nvSpPr>
+        <p:spPr/>
+        <p:txBody>
+          <a:bodyPr/>
+          <a:lstStyle/>
+          <a:p>
+            <a:r>
+              <a:rPr lang="fr-FR" dirty="0" smtClean="0"/>
+              <a:t>Fonctionnalités</a:t>
+            </a:r>
+          </a:p>
+          <a:p>
+            <a:r>
+              <a:rPr lang="fr-FR" dirty="0" smtClean="0"/>
+              <a:t>Environnement (langages, technologies, API)</a:t>
+            </a:r>
+          </a:p>
+          <a:p>
+            <a:r>
+              <a:rPr lang="fr-FR" dirty="0" smtClean="0"/>
+              <a:t>Configuration</a:t>
+            </a:r>
+          </a:p>
+          <a:p>
+            <a:r>
+              <a:rPr lang="fr-FR" dirty="0" smtClean="0"/>
+              <a:t>Modèles de données</a:t>
+            </a:r>
+          </a:p>
+          <a:p>
+            <a:r>
+              <a:rPr lang="fr-FR" dirty="0" smtClean="0"/>
+              <a:t>Interfaces</a:t>
+            </a:r>
+          </a:p>
+          <a:p>
+            <a:r>
+              <a:rPr lang="fr-FR" dirty="0" smtClean="0"/>
+              <a:t>Cartographie des fichiers générés</a:t>
+            </a:r>
+          </a:p>
+          <a:p>
+            <a:r>
+              <a:rPr lang="fr-FR" dirty="0" smtClean="0"/>
+              <a:t>Politique claire de sauvegarde des fichiers</a:t>
+            </a:r>
+          </a:p>
+          <a:p>
+            <a:endParaRPr lang="fr-FR" dirty="0" smtClean="0"/>
+          </a:p>
+          <a:p>
+            <a:endParaRPr lang="fr-FR" dirty="0" smtClean="0"/>
+          </a:p>
+          <a:p>
+            <a:endParaRPr lang="en-US" dirty="0" smtClean="0"/>
+          </a:p>
+        </p:txBody>
+      </p:sp>
+      <p:sp>
+        <p:nvSpPr>
+          <p:cNvPr id="4" name="Espace réservé du numéro de diapositive 3"/>
+          <p:cNvSpPr>
+            <a:spLocks noGrp="1"/>
+          </p:cNvSpPr>
+          <p:nvPr>
+            <p:ph type="sldNum" sz="quarter" idx="12"/>
+          </p:nvPr>
+        </p:nvSpPr>
+        <p:spPr/>
+        <p:txBody>
+          <a:bodyPr/>
+          <a:lstStyle/>
+          <a:p>
+            <a:fld id="{87D9652F-9609-4EC6-8E0A-C96E14B58A2A}" type="slidenum">
+              <a:rPr lang="fr-FR" smtClean="0"/>
+              <a:pPr/>
+              <a:t>45</a:t>
+            </a:fld>
+            <a:endParaRPr lang="fr-FR" dirty="0"/>
+          </a:p>
+        </p:txBody>
+      </p:sp>
+    </p:spTree>
+    <p:extLst>
+      <p:ext uri="{BB962C8B-B14F-4D97-AF65-F5344CB8AC3E}">
+        <p14:creationId xmlns:p14="http://schemas.microsoft.com/office/powerpoint/2010/main" val="4130268211"/>
+      </p:ext>
+    </p:extLst>
+  </p:cSld>
+  <p:clrMapOvr>
+    <a:masterClrMapping/>
+  </p:clrMapOvr>
+  <p:timing>
+    <p:tnLst>
+      <p:par>
+        <p:cTn id="1" dur="indefinite" restart="never" nodeType="tmRoot"/>
+      </p:par>
+    </p:tnLst>
+  </p:timing>
+</p:sld>
+</file>
+
+<file path=ppt/slides/slide46.xml><?xml version="1.0" encoding="utf-8"?>
+<p:sld xmlns:a="http://schemas.openxmlformats.org/drawingml/2006/main" xmlns:r="http://schemas.openxmlformats.org/officeDocument/2006/relationships" xmlns:p="http://schemas.openxmlformats.org/presentationml/2006/main">
+  <p:cSld>
+    <p:spTree>
+      <p:nvGrpSpPr>
+        <p:cNvPr id="1" name=""/>
+        <p:cNvGrpSpPr/>
+        <p:nvPr/>
+      </p:nvGrpSpPr>
+      <p:grpSpPr>
+        <a:xfrm>
+          <a:off x="0" y="0"/>
+          <a:ext cx="0" cy="0"/>
+          <a:chOff x="0" y="0"/>
+          <a:chExt cx="0" cy="0"/>
+        </a:xfrm>
+      </p:grpSpPr>
+      <p:sp>
+        <p:nvSpPr>
+          <p:cNvPr id="2" name="Titre 1"/>
+          <p:cNvSpPr>
+            <a:spLocks noGrp="1"/>
+          </p:cNvSpPr>
+          <p:nvPr>
+            <p:ph type="title"/>
+          </p:nvPr>
+        </p:nvSpPr>
+        <p:spPr/>
+        <p:txBody>
+          <a:bodyPr>
+            <a:normAutofit/>
+          </a:bodyPr>
+          <a:lstStyle/>
+          <a:p>
+            <a:r>
+              <a:rPr lang="fr-FR" dirty="0" smtClean="0"/>
+              <a:t>Commencer simple…</a:t>
+            </a:r>
+            <a:endParaRPr lang="en-US" dirty="0"/>
+          </a:p>
+        </p:txBody>
+      </p:sp>
+      <p:sp>
+        <p:nvSpPr>
+          <p:cNvPr id="3" name="Espace réservé du contenu 2"/>
+          <p:cNvSpPr>
+            <a:spLocks noGrp="1"/>
+          </p:cNvSpPr>
+          <p:nvPr>
+            <p:ph idx="1"/>
+          </p:nvPr>
+        </p:nvSpPr>
+        <p:spPr>
+          <a:xfrm>
+            <a:off x="254000" y="2628900"/>
+            <a:ext cx="8648700" cy="3548063"/>
+          </a:xfrm>
+        </p:spPr>
+        <p:txBody>
+          <a:bodyPr>
+            <a:normAutofit/>
+          </a:bodyPr>
+          <a:lstStyle/>
+          <a:p>
+            <a:r>
+              <a:rPr lang="fr-FR" dirty="0" smtClean="0"/>
+              <a:t>De manière générale, faire l’application la plus simple possible, et la faire évoluer en fonction des besoins.</a:t>
+            </a:r>
+          </a:p>
+          <a:p>
+            <a:r>
+              <a:rPr lang="fr-FR" dirty="0" smtClean="0"/>
+              <a:t>Voir </a:t>
+            </a:r>
+            <a:r>
+              <a:rPr lang="fr-FR" dirty="0" err="1"/>
+              <a:t>extrem</a:t>
+            </a:r>
+            <a:r>
+              <a:rPr lang="fr-FR" dirty="0"/>
+              <a:t> </a:t>
+            </a:r>
+            <a:r>
+              <a:rPr lang="fr-FR" dirty="0" err="1"/>
+              <a:t>programing</a:t>
+            </a:r>
+            <a:r>
+              <a:rPr lang="fr-FR" dirty="0"/>
+              <a:t>, méthode agile, </a:t>
+            </a:r>
+            <a:r>
+              <a:rPr lang="fr-FR" dirty="0" err="1" smtClean="0"/>
+              <a:t>scrum</a:t>
+            </a:r>
+            <a:r>
+              <a:rPr lang="fr-FR" dirty="0" smtClean="0"/>
+              <a:t>,…</a:t>
+            </a:r>
+            <a:endParaRPr lang="fr-FR" dirty="0"/>
+          </a:p>
+          <a:p>
+            <a:endParaRPr lang="fr-FR" dirty="0" smtClean="0"/>
+          </a:p>
+          <a:p>
+            <a:endParaRPr lang="fr-FR" dirty="0" smtClean="0"/>
+          </a:p>
+          <a:p>
+            <a:endParaRPr lang="en-US" dirty="0" smtClean="0"/>
+          </a:p>
+        </p:txBody>
+      </p:sp>
+      <p:sp>
+        <p:nvSpPr>
+          <p:cNvPr id="4" name="Espace réservé du numéro de diapositive 3"/>
+          <p:cNvSpPr>
+            <a:spLocks noGrp="1"/>
+          </p:cNvSpPr>
+          <p:nvPr>
+            <p:ph type="sldNum" sz="quarter" idx="12"/>
+          </p:nvPr>
+        </p:nvSpPr>
+        <p:spPr/>
+        <p:txBody>
+          <a:bodyPr/>
+          <a:lstStyle/>
+          <a:p>
+            <a:fld id="{87D9652F-9609-4EC6-8E0A-C96E14B58A2A}" type="slidenum">
+              <a:rPr lang="fr-FR" smtClean="0"/>
+              <a:pPr/>
+              <a:t>46</a:t>
+            </a:fld>
+            <a:endParaRPr lang="fr-FR" dirty="0"/>
+          </a:p>
+        </p:txBody>
+      </p:sp>
+    </p:spTree>
+    <p:extLst>
+      <p:ext uri="{BB962C8B-B14F-4D97-AF65-F5344CB8AC3E}">
+        <p14:creationId xmlns:p14="http://schemas.microsoft.com/office/powerpoint/2010/main" val="1493917707"/>
+      </p:ext>
+    </p:extLst>
+  </p:cSld>
+  <p:clrMapOvr>
+    <a:masterClrMapping/>
+  </p:clrMapOvr>
+  <p:timing>
+    <p:tnLst>
+      <p:par>
+        <p:cTn id="1" dur="indefinite" restart="never" nodeType="tmRoot"/>
+      </p:par>
+    </p:tnLst>
+  </p:timing>
+</p:sld>
+</file>
+
+<file path=ppt/slides/slide47.xml><?xml version="1.0" encoding="utf-8"?>
+<p:sld xmlns:a="http://schemas.openxmlformats.org/drawingml/2006/main" xmlns:r="http://schemas.openxmlformats.org/officeDocument/2006/relationships" xmlns:p="http://schemas.openxmlformats.org/presentationml/2006/main">
+  <p:cSld>
+    <p:spTree>
+      <p:nvGrpSpPr>
+        <p:cNvPr id="1" name=""/>
+        <p:cNvGrpSpPr/>
+        <p:nvPr/>
+      </p:nvGrpSpPr>
+      <p:grpSpPr>
+        <a:xfrm>
+          <a:off x="0" y="0"/>
+          <a:ext cx="0" cy="0"/>
+          <a:chOff x="0" y="0"/>
+          <a:chExt cx="0" cy="0"/>
+        </a:xfrm>
+      </p:grpSpPr>
+      <p:sp>
+        <p:nvSpPr>
+          <p:cNvPr id="2" name="Titre 1"/>
+          <p:cNvSpPr>
+            <a:spLocks noGrp="1"/>
+          </p:cNvSpPr>
+          <p:nvPr>
+            <p:ph type="title"/>
+          </p:nvPr>
+        </p:nvSpPr>
+        <p:spPr/>
+        <p:txBody>
+          <a:bodyPr>
+            <a:noAutofit/>
+          </a:bodyPr>
+          <a:lstStyle/>
+          <a:p>
+            <a:r>
+              <a:rPr lang="fr-FR" sz="2800" dirty="0" smtClean="0"/>
+              <a:t>Définir les besoins en termes de performances</a:t>
+            </a:r>
+            <a:endParaRPr lang="fr-FR" sz="2800" dirty="0"/>
+          </a:p>
+        </p:txBody>
+      </p:sp>
+      <p:sp>
+        <p:nvSpPr>
+          <p:cNvPr id="3" name="Espace réservé du contenu 2"/>
+          <p:cNvSpPr>
+            <a:spLocks noGrp="1"/>
+          </p:cNvSpPr>
+          <p:nvPr>
+            <p:ph idx="1"/>
+          </p:nvPr>
+        </p:nvSpPr>
+        <p:spPr>
+          <a:xfrm>
+            <a:off x="254000" y="2279176"/>
+            <a:ext cx="8648700" cy="3897787"/>
+          </a:xfrm>
+        </p:spPr>
+        <p:txBody>
+          <a:bodyPr>
+            <a:normAutofit/>
+          </a:bodyPr>
+          <a:lstStyle/>
+          <a:p>
+            <a:pPr marL="0" indent="0">
+              <a:buNone/>
+            </a:pPr>
+            <a:r>
+              <a:rPr lang="fr-FR" sz="2400" dirty="0" smtClean="0"/>
+              <a:t>Ici</a:t>
+            </a:r>
+            <a:r>
+              <a:rPr lang="fr-FR" sz="2400" dirty="0"/>
+              <a:t>, la collecte de flux RSS n’est pas une tâche intensive en termes de puissance de calcul, mais plutôt vis-à-vis des communications réseau. Il n’est donc pas nécessaire de paralléliser tous les traitements, au </a:t>
+            </a:r>
+            <a:r>
+              <a:rPr lang="fr-FR" sz="2400" dirty="0" smtClean="0"/>
+              <a:t>risque </a:t>
+            </a:r>
+            <a:r>
+              <a:rPr lang="fr-FR" sz="2400" dirty="0"/>
+              <a:t>d’introduire des problèmes liés à la synchronisation (en particulier les tâches accédant à la base de données</a:t>
+            </a:r>
+            <a:r>
+              <a:rPr lang="fr-FR" sz="2400" dirty="0" smtClean="0"/>
+              <a:t>).</a:t>
+            </a:r>
+            <a:endParaRPr lang="fr-FR" sz="2400" dirty="0"/>
+          </a:p>
+          <a:p>
+            <a:endParaRPr lang="fr-FR" sz="2400" dirty="0"/>
+          </a:p>
+        </p:txBody>
+      </p:sp>
+      <p:sp>
+        <p:nvSpPr>
+          <p:cNvPr id="4" name="Espace réservé du numéro de diapositive 3"/>
+          <p:cNvSpPr>
+            <a:spLocks noGrp="1"/>
+          </p:cNvSpPr>
+          <p:nvPr>
+            <p:ph type="sldNum" sz="quarter" idx="12"/>
+          </p:nvPr>
+        </p:nvSpPr>
+        <p:spPr/>
+        <p:txBody>
+          <a:bodyPr/>
+          <a:lstStyle/>
+          <a:p>
+            <a:fld id="{87D9652F-9609-4EC6-8E0A-C96E14B58A2A}" type="slidenum">
+              <a:rPr lang="fr-FR" smtClean="0"/>
+              <a:pPr/>
+              <a:t>47</a:t>
+            </a:fld>
+            <a:endParaRPr lang="fr-FR" dirty="0"/>
+          </a:p>
+        </p:txBody>
+      </p:sp>
+    </p:spTree>
+    <p:extLst>
+      <p:ext uri="{BB962C8B-B14F-4D97-AF65-F5344CB8AC3E}">
+        <p14:creationId xmlns:p14="http://schemas.microsoft.com/office/powerpoint/2010/main" val="715453732"/>
+      </p:ext>
+    </p:extLst>
+  </p:cSld>
+  <p:clrMapOvr>
+    <a:masterClrMapping/>
+  </p:clrMapOvr>
+  <p:timing>
+    <p:tnLst>
+      <p:par>
+        <p:cTn id="1" dur="indefinite" restart="never" nodeType="tmRoot"/>
+      </p:par>
+    </p:tnLst>
+  </p:timing>
+</p:sld>
+</file>
+
+<file path=ppt/slides/slide48.xml><?xml version="1.0" encoding="utf-8"?>
+<p:sld xmlns:a="http://schemas.openxmlformats.org/drawingml/2006/main" xmlns:r="http://schemas.openxmlformats.org/officeDocument/2006/relationships" xmlns:p="http://schemas.openxmlformats.org/presentationml/2006/main">
+  <p:cSld>
+    <p:spTree>
+      <p:nvGrpSpPr>
+        <p:cNvPr id="1" name=""/>
+        <p:cNvGrpSpPr/>
+        <p:nvPr/>
+      </p:nvGrpSpPr>
+      <p:grpSpPr>
+        <a:xfrm>
+          <a:off x="0" y="0"/>
+          <a:ext cx="0" cy="0"/>
+          <a:chOff x="0" y="0"/>
+          <a:chExt cx="0" cy="0"/>
+        </a:xfrm>
+      </p:grpSpPr>
+      <p:sp>
+        <p:nvSpPr>
+          <p:cNvPr id="2" name="Titre 1"/>
+          <p:cNvSpPr>
+            <a:spLocks noGrp="1"/>
+          </p:cNvSpPr>
+          <p:nvPr>
+            <p:ph type="title"/>
+          </p:nvPr>
+        </p:nvSpPr>
+        <p:spPr/>
+        <p:txBody>
+          <a:bodyPr>
+            <a:noAutofit/>
+          </a:bodyPr>
+          <a:lstStyle/>
+          <a:p>
+            <a:r>
+              <a:rPr lang="fr-FR" sz="2800" dirty="0" smtClean="0"/>
+              <a:t>Définir la structure de l’application avant de commencer à la coder!</a:t>
+            </a:r>
+            <a:endParaRPr lang="fr-FR" sz="2800" dirty="0"/>
+          </a:p>
+        </p:txBody>
+      </p:sp>
+      <p:sp>
+        <p:nvSpPr>
+          <p:cNvPr id="3" name="Espace réservé du contenu 2"/>
+          <p:cNvSpPr>
+            <a:spLocks noGrp="1"/>
+          </p:cNvSpPr>
+          <p:nvPr>
+            <p:ph idx="1"/>
+          </p:nvPr>
+        </p:nvSpPr>
+        <p:spPr/>
+        <p:txBody>
+          <a:bodyPr>
+            <a:normAutofit/>
+          </a:bodyPr>
+          <a:lstStyle/>
+          <a:p>
+            <a:r>
+              <a:rPr lang="fr-FR" sz="2400" dirty="0" smtClean="0"/>
+              <a:t>Formaliser </a:t>
+            </a:r>
+            <a:r>
+              <a:rPr lang="fr-FR" sz="2400" dirty="0"/>
+              <a:t>la chaine de traitement.</a:t>
+            </a:r>
+          </a:p>
+          <a:p>
+            <a:r>
+              <a:rPr lang="fr-FR" sz="2400" dirty="0"/>
+              <a:t>Séparer chaque étape, quitte à être un peu moins efficace</a:t>
+            </a:r>
+          </a:p>
+          <a:p>
+            <a:r>
+              <a:rPr lang="fr-FR" sz="2400" dirty="0"/>
+              <a:t>Définir un modèle de données clair. Ne pas hésiter à utiliser des bases de données locales pour des traitements intermédiaires (ex: </a:t>
+            </a:r>
+            <a:r>
+              <a:rPr lang="fr-FR" sz="2400" dirty="0" err="1"/>
+              <a:t>dédoublonnage</a:t>
+            </a:r>
+            <a:r>
+              <a:rPr lang="fr-FR" sz="2400" dirty="0" smtClean="0"/>
+              <a:t>)</a:t>
+            </a:r>
+            <a:endParaRPr lang="fr-FR" sz="2400" dirty="0"/>
+          </a:p>
+        </p:txBody>
+      </p:sp>
+      <p:sp>
+        <p:nvSpPr>
+          <p:cNvPr id="4" name="Espace réservé du numéro de diapositive 3"/>
+          <p:cNvSpPr>
+            <a:spLocks noGrp="1"/>
+          </p:cNvSpPr>
+          <p:nvPr>
+            <p:ph type="sldNum" sz="quarter" idx="12"/>
+          </p:nvPr>
+        </p:nvSpPr>
+        <p:spPr/>
+        <p:txBody>
+          <a:bodyPr/>
+          <a:lstStyle/>
+          <a:p>
+            <a:fld id="{87D9652F-9609-4EC6-8E0A-C96E14B58A2A}" type="slidenum">
+              <a:rPr lang="fr-FR" smtClean="0"/>
+              <a:pPr/>
+              <a:t>48</a:t>
+            </a:fld>
+            <a:endParaRPr lang="fr-FR" dirty="0"/>
+          </a:p>
+        </p:txBody>
+      </p:sp>
+    </p:spTree>
+    <p:extLst>
+      <p:ext uri="{BB962C8B-B14F-4D97-AF65-F5344CB8AC3E}">
+        <p14:creationId xmlns:p14="http://schemas.microsoft.com/office/powerpoint/2010/main" val="4240849909"/>
+      </p:ext>
+    </p:extLst>
+  </p:cSld>
+  <p:clrMapOvr>
+    <a:masterClrMapping/>
+  </p:clrMapOvr>
+  <p:timing>
+    <p:tnLst>
+      <p:par>
+        <p:cTn id="1" dur="indefinite" restart="never" nodeType="tmRoot"/>
+      </p:par>
+    </p:tnLst>
+  </p:timing>
+</p:sld>
+</file>
+
+<file path=ppt/slides/slide49.xml><?xml version="1.0" encoding="utf-8"?>
+<p:sld xmlns:a="http://schemas.openxmlformats.org/drawingml/2006/main" xmlns:r="http://schemas.openxmlformats.org/officeDocument/2006/relationships" xmlns:p="http://schemas.openxmlformats.org/presentationml/2006/main">
+  <p:cSld>
+    <p:spTree>
+      <p:nvGrpSpPr>
+        <p:cNvPr id="1" name=""/>
+        <p:cNvGrpSpPr/>
+        <p:nvPr/>
+      </p:nvGrpSpPr>
+      <p:grpSpPr>
+        <a:xfrm>
+          <a:off x="0" y="0"/>
+          <a:ext cx="0" cy="0"/>
+          <a:chOff x="0" y="0"/>
+          <a:chExt cx="0" cy="0"/>
+        </a:xfrm>
+      </p:grpSpPr>
+      <p:sp>
+        <p:nvSpPr>
+          <p:cNvPr id="2" name="Titre 1"/>
+          <p:cNvSpPr>
+            <a:spLocks noGrp="1"/>
+          </p:cNvSpPr>
+          <p:nvPr>
+            <p:ph type="title"/>
+          </p:nvPr>
+        </p:nvSpPr>
+        <p:spPr/>
+        <p:txBody>
+          <a:bodyPr>
+            <a:normAutofit/>
+          </a:bodyPr>
+          <a:lstStyle/>
+          <a:p>
+            <a:r>
+              <a:rPr lang="fr-FR" sz="3600" dirty="0" smtClean="0"/>
+              <a:t>Utiliser des outils de gestion de projet</a:t>
+            </a:r>
+            <a:endParaRPr lang="en-US" sz="3600" dirty="0"/>
+          </a:p>
+        </p:txBody>
+      </p:sp>
+      <p:sp>
+        <p:nvSpPr>
+          <p:cNvPr id="3" name="Espace réservé du contenu 2"/>
+          <p:cNvSpPr>
+            <a:spLocks noGrp="1"/>
+          </p:cNvSpPr>
+          <p:nvPr>
+            <p:ph idx="1"/>
+          </p:nvPr>
+        </p:nvSpPr>
+        <p:spPr/>
+        <p:txBody>
+          <a:bodyPr>
+            <a:normAutofit/>
+          </a:bodyPr>
+          <a:lstStyle/>
+          <a:p>
+            <a:r>
+              <a:rPr lang="fr-FR" dirty="0" smtClean="0"/>
+              <a:t>Décrire les tâches à réaliser, leur dépendances</a:t>
+            </a:r>
+          </a:p>
+          <a:p>
+            <a:r>
+              <a:rPr lang="fr-FR" dirty="0" smtClean="0"/>
+              <a:t>Prévoir un suivi et des objectifs hebdomadaires simples</a:t>
+            </a:r>
+          </a:p>
+          <a:p>
+            <a:r>
+              <a:rPr lang="fr-FR" dirty="0" smtClean="0"/>
+              <a:t>Permettre aux utilisateurs/clients de formaliser leurs demandes</a:t>
+            </a:r>
+          </a:p>
+          <a:p>
+            <a:r>
+              <a:rPr lang="fr-FR" dirty="0" smtClean="0"/>
+              <a:t>Utiliser un gestionnaire de version</a:t>
+            </a:r>
+          </a:p>
+          <a:p>
+            <a:r>
+              <a:rPr lang="fr-FR" dirty="0" smtClean="0"/>
+              <a:t>Ne pas s’attaquer à une grande quantité de tâches simultanément</a:t>
+            </a:r>
+          </a:p>
+        </p:txBody>
+      </p:sp>
+      <p:sp>
+        <p:nvSpPr>
+          <p:cNvPr id="4" name="Espace réservé du numéro de diapositive 3"/>
+          <p:cNvSpPr>
+            <a:spLocks noGrp="1"/>
+          </p:cNvSpPr>
+          <p:nvPr>
+            <p:ph type="sldNum" sz="quarter" idx="12"/>
+          </p:nvPr>
+        </p:nvSpPr>
+        <p:spPr/>
+        <p:txBody>
+          <a:bodyPr/>
+          <a:lstStyle/>
+          <a:p>
+            <a:fld id="{87D9652F-9609-4EC6-8E0A-C96E14B58A2A}" type="slidenum">
+              <a:rPr lang="fr-FR" smtClean="0"/>
+              <a:pPr/>
+              <a:t>49</a:t>
+            </a:fld>
+            <a:endParaRPr lang="fr-FR" dirty="0"/>
+          </a:p>
+        </p:txBody>
+      </p:sp>
+    </p:spTree>
+    <p:extLst>
+      <p:ext uri="{BB962C8B-B14F-4D97-AF65-F5344CB8AC3E}">
+        <p14:creationId xmlns:p14="http://schemas.microsoft.com/office/powerpoint/2010/main" val="1249455323"/>
+      </p:ext>
+    </p:extLst>
+  </p:cSld>
+  <p:clrMapOvr>
+    <a:masterClrMapping/>
+  </p:clrMapOvr>
+  <p:timing>
+    <p:tnLst>
+      <p:par>
+        <p:cTn id="1" dur="indefinite" restart="never" nodeType="tmRoot"/>
+      </p:par>
+    </p:tnLst>
+  </p:timing>
+</p:sld>
+</file>
+
+<file path=ppt/slides/slide5.xml><?xml version="1.0" encoding="utf-8"?>
+<p:sld xmlns:a="http://schemas.openxmlformats.org/drawingml/2006/main" xmlns:r="http://schemas.openxmlformats.org/officeDocument/2006/relationships" xmlns:p="http://schemas.openxmlformats.org/presentationml/2006/main">
+  <p:cSld>
+    <p:spTree>
+      <p:nvGrpSpPr>
+        <p:cNvPr id="1" name=""/>
+        <p:cNvGrpSpPr/>
+        <p:nvPr/>
+      </p:nvGrpSpPr>
+      <p:grpSpPr>
+        <a:xfrm>
+          <a:off x="0" y="0"/>
+          <a:ext cx="0" cy="0"/>
+          <a:chOff x="0" y="0"/>
+          <a:chExt cx="0" cy="0"/>
+        </a:xfrm>
+      </p:grpSpPr>
+      <p:sp>
+        <p:nvSpPr>
+          <p:cNvPr id="2" name="Titre 1"/>
+          <p:cNvSpPr>
+            <a:spLocks noGrp="1"/>
+          </p:cNvSpPr>
+          <p:nvPr>
+            <p:ph type="title"/>
+          </p:nvPr>
+        </p:nvSpPr>
+        <p:spPr/>
+        <p:txBody>
+          <a:bodyPr>
+            <a:noAutofit/>
+          </a:bodyPr>
+          <a:lstStyle/>
+          <a:p>
+            <a:r>
+              <a:rPr lang="fr-FR" sz="3600" dirty="0" smtClean="0"/>
+              <a:t>Problèmes d’extraction des données</a:t>
+            </a:r>
+            <a:endParaRPr lang="fr-FR" sz="3600" dirty="0"/>
+          </a:p>
+        </p:txBody>
+      </p:sp>
+      <p:sp>
+        <p:nvSpPr>
+          <p:cNvPr id="4" name="Espace réservé du numéro de diapositive 3"/>
+          <p:cNvSpPr>
+            <a:spLocks noGrp="1"/>
+          </p:cNvSpPr>
+          <p:nvPr>
+            <p:ph type="sldNum" sz="quarter" idx="12"/>
+          </p:nvPr>
+        </p:nvSpPr>
+        <p:spPr/>
+        <p:txBody>
+          <a:bodyPr/>
+          <a:lstStyle/>
+          <a:p>
+            <a:fld id="{87D9652F-9609-4EC6-8E0A-C96E14B58A2A}" type="slidenum">
+              <a:rPr lang="fr-FR" smtClean="0"/>
+              <a:pPr/>
+              <a:t>5</a:t>
+            </a:fld>
+            <a:endParaRPr lang="fr-FR" dirty="0"/>
+          </a:p>
+        </p:txBody>
+      </p:sp>
+      <p:pic>
+        <p:nvPicPr>
+          <p:cNvPr id="3" name="Image 2"/>
+          <p:cNvPicPr>
+            <a:picLocks noChangeAspect="1"/>
+          </p:cNvPicPr>
+          <p:nvPr/>
+        </p:nvPicPr>
+        <p:blipFill rotWithShape="1">
+          <a:blip r:embed="rId2"/>
+          <a:srcRect l="1" t="9292" r="30693" b="30883"/>
+          <a:stretch/>
+        </p:blipFill>
+        <p:spPr>
+          <a:xfrm>
+            <a:off x="986962" y="2077950"/>
+            <a:ext cx="7225967" cy="3508554"/>
+          </a:xfrm>
+          <a:prstGeom prst="rect">
+            <a:avLst/>
+          </a:prstGeom>
+          <a:ln w="12700">
+            <a:solidFill>
+              <a:schemeClr val="tx1"/>
+            </a:solidFill>
+          </a:ln>
+        </p:spPr>
+      </p:pic>
+      <p:sp>
+        <p:nvSpPr>
+          <p:cNvPr id="11" name="Titre 1"/>
+          <p:cNvSpPr txBox="1">
+            <a:spLocks/>
+          </p:cNvSpPr>
+          <p:nvPr/>
+        </p:nvSpPr>
+        <p:spPr>
+          <a:xfrm>
+            <a:off x="254000" y="1134974"/>
+            <a:ext cx="8648700" cy="942976"/>
+          </a:xfrm>
+          <a:prstGeom prst="rect">
+            <a:avLst/>
+          </a:prstGeom>
+          <a:noFill/>
+        </p:spPr>
+        <p:txBody>
+          <a:bodyPr vert="horz" lIns="91440" tIns="45720" rIns="91440" bIns="45720" rtlCol="0" anchor="ctr">
+            <a:noAutofit/>
+          </a:bodyPr>
+          <a:lstStyle>
+            <a:lvl1pPr algn="l" defTabSz="914400" rtl="0" eaLnBrk="1" latinLnBrk="0" hangingPunct="1">
+              <a:lnSpc>
+                <a:spcPct val="90000"/>
+              </a:lnSpc>
+              <a:spcBef>
+                <a:spcPct val="0"/>
+              </a:spcBef>
+              <a:buNone/>
+              <a:defRPr sz="4400" b="1" kern="1200">
+                <a:ln>
+                  <a:noFill/>
+                </a:ln>
+                <a:solidFill>
+                  <a:schemeClr val="tx1"/>
+                </a:solidFill>
+                <a:latin typeface="+mj-lt"/>
+                <a:ea typeface="+mj-ea"/>
+                <a:cs typeface="+mj-cs"/>
+              </a:defRPr>
+            </a:lvl1pPr>
+          </a:lstStyle>
+          <a:p>
+            <a:pPr marL="457200" indent="-457200">
+              <a:buFont typeface="Arial" panose="020B0604020202020204" pitchFamily="34" charset="0"/>
+              <a:buChar char="•"/>
+            </a:pPr>
+            <a:r>
+              <a:rPr lang="fr-FR" sz="2800" dirty="0" smtClean="0"/>
+              <a:t>Téléchargement impossible</a:t>
+            </a:r>
+            <a:endParaRPr lang="fr-FR" sz="2800" dirty="0"/>
+          </a:p>
+        </p:txBody>
+      </p:sp>
+      <p:sp>
+        <p:nvSpPr>
+          <p:cNvPr id="12" name="Titre 1"/>
+          <p:cNvSpPr txBox="1">
+            <a:spLocks/>
+          </p:cNvSpPr>
+          <p:nvPr/>
+        </p:nvSpPr>
+        <p:spPr>
+          <a:xfrm>
+            <a:off x="254000" y="5586504"/>
+            <a:ext cx="8648700" cy="942976"/>
+          </a:xfrm>
+          <a:prstGeom prst="rect">
+            <a:avLst/>
+          </a:prstGeom>
+          <a:noFill/>
+        </p:spPr>
+        <p:txBody>
+          <a:bodyPr vert="horz" lIns="91440" tIns="45720" rIns="91440" bIns="45720" rtlCol="0" anchor="ctr">
+            <a:noAutofit/>
+          </a:bodyPr>
+          <a:lstStyle>
+            <a:lvl1pPr algn="l" defTabSz="914400" rtl="0" eaLnBrk="1" latinLnBrk="0" hangingPunct="1">
+              <a:lnSpc>
+                <a:spcPct val="90000"/>
+              </a:lnSpc>
+              <a:spcBef>
+                <a:spcPct val="0"/>
+              </a:spcBef>
+              <a:buNone/>
+              <a:defRPr sz="4400" b="1" kern="1200">
+                <a:ln>
+                  <a:noFill/>
+                </a:ln>
+                <a:solidFill>
+                  <a:schemeClr val="tx1"/>
+                </a:solidFill>
+                <a:latin typeface="+mj-lt"/>
+                <a:ea typeface="+mj-ea"/>
+                <a:cs typeface="+mj-cs"/>
+              </a:defRPr>
+            </a:lvl1pPr>
+          </a:lstStyle>
+          <a:p>
+            <a:pPr marL="457200" indent="-457200">
+              <a:buFont typeface="Arial" panose="020B0604020202020204" pitchFamily="34" charset="0"/>
+              <a:buChar char="•"/>
+            </a:pPr>
+            <a:r>
+              <a:rPr lang="fr-FR" sz="2800" dirty="0" smtClean="0"/>
+              <a:t>Extraction incomplète</a:t>
+            </a:r>
+            <a:endParaRPr lang="fr-FR" sz="2800" dirty="0"/>
+          </a:p>
+        </p:txBody>
+      </p:sp>
+    </p:spTree>
+    <p:extLst>
+      <p:ext uri="{BB962C8B-B14F-4D97-AF65-F5344CB8AC3E}">
+        <p14:creationId xmlns:p14="http://schemas.microsoft.com/office/powerpoint/2010/main" val="3045979043"/>
+      </p:ext>
+    </p:extLst>
+  </p:cSld>
+  <p:clrMapOvr>
+    <a:masterClrMapping/>
+  </p:clrMapOvr>
+  <p:timing>
+    <p:tnLst>
+      <p:par>
+        <p:cTn id="1" dur="indefinite" restart="never" nodeType="tmRoot"/>
+      </p:par>
+    </p:tnLst>
+  </p:timing>
+</p:sld>
+</file>
+
+<file path=ppt/slides/slide50.xml><?xml version="1.0" encoding="utf-8"?>
+<p:sld xmlns:a="http://schemas.openxmlformats.org/drawingml/2006/main" xmlns:r="http://schemas.openxmlformats.org/officeDocument/2006/relationships" xmlns:p="http://schemas.openxmlformats.org/presentationml/2006/main">
+  <p:cSld>
+    <p:spTree>
+      <p:nvGrpSpPr>
+        <p:cNvPr id="1" name=""/>
+        <p:cNvGrpSpPr/>
+        <p:nvPr/>
+      </p:nvGrpSpPr>
+      <p:grpSpPr>
+        <a:xfrm>
+          <a:off x="0" y="0"/>
+          <a:ext cx="0" cy="0"/>
+          <a:chOff x="0" y="0"/>
+          <a:chExt cx="0" cy="0"/>
+        </a:xfrm>
+      </p:grpSpPr>
+      <p:sp>
+        <p:nvSpPr>
+          <p:cNvPr id="2" name="Titre 1"/>
+          <p:cNvSpPr>
+            <a:spLocks noGrp="1"/>
+          </p:cNvSpPr>
+          <p:nvPr>
+            <p:ph type="title"/>
+          </p:nvPr>
+        </p:nvSpPr>
+        <p:spPr/>
+        <p:txBody>
+          <a:bodyPr/>
+          <a:lstStyle/>
+          <a:p>
+            <a:r>
+              <a:rPr lang="fr-FR" dirty="0" smtClean="0"/>
+              <a:t>Conception de l’interface</a:t>
+            </a:r>
+            <a:endParaRPr lang="fr-FR" dirty="0"/>
+          </a:p>
+        </p:txBody>
+      </p:sp>
+      <p:sp>
+        <p:nvSpPr>
+          <p:cNvPr id="3" name="Espace réservé du contenu 2"/>
+          <p:cNvSpPr>
+            <a:spLocks noGrp="1"/>
+          </p:cNvSpPr>
+          <p:nvPr>
+            <p:ph idx="1"/>
+          </p:nvPr>
+        </p:nvSpPr>
+        <p:spPr/>
+        <p:txBody>
+          <a:bodyPr>
+            <a:normAutofit/>
+          </a:bodyPr>
+          <a:lstStyle/>
+          <a:p>
+            <a:r>
+              <a:rPr lang="fr-FR" dirty="0" smtClean="0"/>
+              <a:t>Prévoir </a:t>
+            </a:r>
+            <a:r>
+              <a:rPr lang="fr-FR" dirty="0"/>
+              <a:t>une interaction non graphique avec l’application</a:t>
+            </a:r>
+          </a:p>
+          <a:p>
+            <a:r>
+              <a:rPr lang="fr-FR" dirty="0"/>
+              <a:t>Ergonomie : identifier avec les clients les opérations coûteuses en </a:t>
+            </a:r>
+            <a:r>
+              <a:rPr lang="fr-FR" dirty="0" smtClean="0"/>
+              <a:t>termes </a:t>
+            </a:r>
+            <a:r>
+              <a:rPr lang="fr-FR" dirty="0"/>
+              <a:t>de </a:t>
+            </a:r>
+            <a:r>
+              <a:rPr lang="fr-FR" dirty="0" smtClean="0"/>
+              <a:t>clics/temps</a:t>
+            </a:r>
+          </a:p>
+          <a:p>
+            <a:r>
+              <a:rPr lang="fr-FR" dirty="0" smtClean="0"/>
+              <a:t>Réfléchir à une solution viable pour le téléchargement de gros fichiers générés par l’extraction </a:t>
+            </a:r>
+          </a:p>
+          <a:p>
+            <a:pPr lvl="1"/>
+            <a:endParaRPr lang="fr-FR" dirty="0"/>
+          </a:p>
+        </p:txBody>
+      </p:sp>
+      <p:sp>
+        <p:nvSpPr>
+          <p:cNvPr id="4" name="Espace réservé du numéro de diapositive 3"/>
+          <p:cNvSpPr>
+            <a:spLocks noGrp="1"/>
+          </p:cNvSpPr>
+          <p:nvPr>
+            <p:ph type="sldNum" sz="quarter" idx="12"/>
+          </p:nvPr>
+        </p:nvSpPr>
+        <p:spPr/>
+        <p:txBody>
+          <a:bodyPr/>
+          <a:lstStyle/>
+          <a:p>
+            <a:fld id="{87D9652F-9609-4EC6-8E0A-C96E14B58A2A}" type="slidenum">
+              <a:rPr lang="fr-FR" smtClean="0"/>
+              <a:pPr/>
+              <a:t>50</a:t>
+            </a:fld>
+            <a:endParaRPr lang="fr-FR" dirty="0"/>
+          </a:p>
+        </p:txBody>
+      </p:sp>
+    </p:spTree>
+    <p:extLst>
+      <p:ext uri="{BB962C8B-B14F-4D97-AF65-F5344CB8AC3E}">
+        <p14:creationId xmlns:p14="http://schemas.microsoft.com/office/powerpoint/2010/main" val="3857580981"/>
+      </p:ext>
+    </p:extLst>
+  </p:cSld>
+  <p:clrMapOvr>
+    <a:masterClrMapping/>
+  </p:clrMapOvr>
+  <p:timing>
+    <p:tnLst>
+      <p:par>
+        <p:cTn id="1" dur="indefinite" restart="never" nodeType="tmRoot"/>
+      </p:par>
+    </p:tnLst>
+  </p:timing>
+</p:sld>
+</file>
+
+<file path=ppt/slides/slide51.xml><?xml version="1.0" encoding="utf-8"?>
+<p:sld xmlns:a="http://schemas.openxmlformats.org/drawingml/2006/main" xmlns:r="http://schemas.openxmlformats.org/officeDocument/2006/relationships" xmlns:p="http://schemas.openxmlformats.org/presentationml/2006/main">
+  <p:cSld>
+    <p:spTree>
+      <p:nvGrpSpPr>
+        <p:cNvPr id="1" name=""/>
+        <p:cNvGrpSpPr/>
+        <p:nvPr/>
+      </p:nvGrpSpPr>
+      <p:grpSpPr>
+        <a:xfrm>
+          <a:off x="0" y="0"/>
+          <a:ext cx="0" cy="0"/>
+          <a:chOff x="0" y="0"/>
+          <a:chExt cx="0" cy="0"/>
+        </a:xfrm>
+      </p:grpSpPr>
+      <p:sp>
+        <p:nvSpPr>
+          <p:cNvPr id="2" name="Titre 1"/>
+          <p:cNvSpPr>
+            <a:spLocks noGrp="1"/>
+          </p:cNvSpPr>
+          <p:nvPr>
+            <p:ph type="title"/>
+          </p:nvPr>
+        </p:nvSpPr>
+        <p:spPr/>
+        <p:txBody>
+          <a:bodyPr>
+            <a:normAutofit/>
+          </a:bodyPr>
+          <a:lstStyle/>
+          <a:p>
+            <a:r>
+              <a:rPr lang="fr-FR" dirty="0" smtClean="0"/>
+              <a:t>Gestion des erreurs</a:t>
+            </a:r>
+            <a:endParaRPr lang="en-US" dirty="0"/>
+          </a:p>
+        </p:txBody>
+      </p:sp>
+      <p:sp>
+        <p:nvSpPr>
+          <p:cNvPr id="3" name="Espace réservé du contenu 2"/>
+          <p:cNvSpPr>
+            <a:spLocks noGrp="1"/>
+          </p:cNvSpPr>
+          <p:nvPr>
+            <p:ph idx="1"/>
+          </p:nvPr>
+        </p:nvSpPr>
+        <p:spPr>
+          <a:xfrm>
+            <a:off x="254000" y="2552700"/>
+            <a:ext cx="8648700" cy="3624263"/>
+          </a:xfrm>
+        </p:spPr>
+        <p:txBody>
+          <a:bodyPr>
+            <a:normAutofit/>
+          </a:bodyPr>
+          <a:lstStyle/>
+          <a:p>
+            <a:r>
+              <a:rPr lang="fr-FR" dirty="0" smtClean="0"/>
+              <a:t>Définir explicitement les erreurs, les documenter</a:t>
+            </a:r>
+          </a:p>
+          <a:p>
+            <a:r>
+              <a:rPr lang="fr-FR" dirty="0" smtClean="0"/>
+              <a:t>Intercepter les exceptions, retourner des messages d’erreurs clairs</a:t>
+            </a:r>
+          </a:p>
+          <a:p>
+            <a:r>
+              <a:rPr lang="fr-FR" dirty="0" smtClean="0"/>
+              <a:t>Prévoir des mécanismes de </a:t>
+            </a:r>
+            <a:r>
+              <a:rPr lang="fr-FR" dirty="0" err="1" smtClean="0"/>
+              <a:t>rétro-contrôle</a:t>
+            </a:r>
+            <a:endParaRPr lang="fr-FR" dirty="0" smtClean="0"/>
+          </a:p>
+        </p:txBody>
+      </p:sp>
+      <p:sp>
+        <p:nvSpPr>
+          <p:cNvPr id="4" name="Espace réservé du numéro de diapositive 3"/>
+          <p:cNvSpPr>
+            <a:spLocks noGrp="1"/>
+          </p:cNvSpPr>
+          <p:nvPr>
+            <p:ph type="sldNum" sz="quarter" idx="12"/>
+          </p:nvPr>
+        </p:nvSpPr>
+        <p:spPr/>
+        <p:txBody>
+          <a:bodyPr/>
+          <a:lstStyle/>
+          <a:p>
+            <a:fld id="{87D9652F-9609-4EC6-8E0A-C96E14B58A2A}" type="slidenum">
+              <a:rPr lang="fr-FR" smtClean="0"/>
+              <a:pPr/>
+              <a:t>51</a:t>
+            </a:fld>
+            <a:endParaRPr lang="fr-FR" dirty="0"/>
+          </a:p>
+        </p:txBody>
+      </p:sp>
+    </p:spTree>
+    <p:extLst>
+      <p:ext uri="{BB962C8B-B14F-4D97-AF65-F5344CB8AC3E}">
+        <p14:creationId xmlns:p14="http://schemas.microsoft.com/office/powerpoint/2010/main" val="1494570895"/>
+      </p:ext>
+    </p:extLst>
+  </p:cSld>
+  <p:clrMapOvr>
+    <a:masterClrMapping/>
+  </p:clrMapOvr>
+  <p:timing>
+    <p:tnLst>
+      <p:par>
+        <p:cTn id="1" dur="indefinite" restart="never" nodeType="tmRoot"/>
+      </p:par>
+    </p:tnLst>
+  </p:timing>
+</p:sld>
+</file>
+
+<file path=ppt/slides/slide52.xml><?xml version="1.0" encoding="utf-8"?>
+<p:sld xmlns:a="http://schemas.openxmlformats.org/drawingml/2006/main" xmlns:r="http://schemas.openxmlformats.org/officeDocument/2006/relationships" xmlns:p="http://schemas.openxmlformats.org/presentationml/2006/main">
+  <p:cSld>
+    <p:spTree>
+      <p:nvGrpSpPr>
+        <p:cNvPr id="1" name=""/>
+        <p:cNvGrpSpPr/>
+        <p:nvPr/>
+      </p:nvGrpSpPr>
+      <p:grpSpPr>
+        <a:xfrm>
+          <a:off x="0" y="0"/>
+          <a:ext cx="0" cy="0"/>
+          <a:chOff x="0" y="0"/>
+          <a:chExt cx="0" cy="0"/>
+        </a:xfrm>
+      </p:grpSpPr>
+      <p:sp>
+        <p:nvSpPr>
+          <p:cNvPr id="2" name="Titre 1"/>
+          <p:cNvSpPr>
+            <a:spLocks noGrp="1"/>
+          </p:cNvSpPr>
+          <p:nvPr>
+            <p:ph type="title"/>
+          </p:nvPr>
+        </p:nvSpPr>
+        <p:spPr/>
+        <p:txBody>
+          <a:bodyPr/>
+          <a:lstStyle/>
+          <a:p>
+            <a:r>
+              <a:rPr lang="fr-FR" dirty="0" smtClean="0"/>
+              <a:t>Tâches annexes</a:t>
+            </a:r>
+            <a:endParaRPr lang="fr-FR" dirty="0"/>
+          </a:p>
+        </p:txBody>
+      </p:sp>
+      <p:sp>
+        <p:nvSpPr>
+          <p:cNvPr id="3" name="Espace réservé du contenu 2"/>
+          <p:cNvSpPr>
+            <a:spLocks noGrp="1"/>
+          </p:cNvSpPr>
+          <p:nvPr>
+            <p:ph idx="1"/>
+          </p:nvPr>
+        </p:nvSpPr>
+        <p:spPr>
+          <a:xfrm>
+            <a:off x="254000" y="2184400"/>
+            <a:ext cx="8648700" cy="3992563"/>
+          </a:xfrm>
+        </p:spPr>
+        <p:txBody>
+          <a:bodyPr/>
+          <a:lstStyle/>
+          <a:p>
+            <a:r>
+              <a:rPr lang="fr-FR" dirty="0" smtClean="0"/>
+              <a:t>Séparer les traitements pour simplifier au maximum l’application</a:t>
+            </a:r>
+          </a:p>
+          <a:p>
+            <a:pPr lvl="1"/>
+            <a:r>
+              <a:rPr lang="fr-FR" dirty="0" smtClean="0"/>
+              <a:t>Ne pas hésiter à faire plusieurs applications simples plutôt qu’une seule trop complexe</a:t>
+            </a:r>
+          </a:p>
+          <a:p>
+            <a:pPr lvl="1"/>
+            <a:r>
+              <a:rPr lang="fr-FR" dirty="0" smtClean="0"/>
+              <a:t>Déporter les tâches de suppression des reliquats, d’envoi de mails</a:t>
+            </a:r>
+            <a:endParaRPr lang="fr-FR" dirty="0"/>
+          </a:p>
+          <a:p>
+            <a:endParaRPr lang="fr-FR" dirty="0"/>
+          </a:p>
+        </p:txBody>
+      </p:sp>
+      <p:sp>
+        <p:nvSpPr>
+          <p:cNvPr id="4" name="Espace réservé du numéro de diapositive 3"/>
+          <p:cNvSpPr>
+            <a:spLocks noGrp="1"/>
+          </p:cNvSpPr>
+          <p:nvPr>
+            <p:ph type="sldNum" sz="quarter" idx="12"/>
+          </p:nvPr>
+        </p:nvSpPr>
+        <p:spPr/>
+        <p:txBody>
+          <a:bodyPr/>
+          <a:lstStyle/>
+          <a:p>
+            <a:fld id="{87D9652F-9609-4EC6-8E0A-C96E14B58A2A}" type="slidenum">
+              <a:rPr lang="fr-FR" smtClean="0"/>
+              <a:pPr/>
+              <a:t>52</a:t>
+            </a:fld>
+            <a:endParaRPr lang="fr-FR" dirty="0"/>
+          </a:p>
+        </p:txBody>
+      </p:sp>
+    </p:spTree>
+    <p:extLst>
+      <p:ext uri="{BB962C8B-B14F-4D97-AF65-F5344CB8AC3E}">
+        <p14:creationId xmlns:p14="http://schemas.microsoft.com/office/powerpoint/2010/main" val="1318960282"/>
+      </p:ext>
+    </p:extLst>
+  </p:cSld>
+  <p:clrMapOvr>
+    <a:masterClrMapping/>
+  </p:clrMapOvr>
+  <p:timing>
+    <p:tnLst>
+      <p:par>
+        <p:cTn id="1" dur="indefinite" restart="never" nodeType="tmRoot"/>
+      </p:par>
+    </p:tnLst>
+  </p:timing>
+</p:sld>
+</file>
+
+<file path=ppt/slides/slide53.xml><?xml version="1.0" encoding="utf-8"?>
+<p:sld xmlns:a="http://schemas.openxmlformats.org/drawingml/2006/main" xmlns:r="http://schemas.openxmlformats.org/officeDocument/2006/relationships" xmlns:p="http://schemas.openxmlformats.org/presentationml/2006/main">
+  <p:cSld>
+    <p:spTree>
+      <p:nvGrpSpPr>
+        <p:cNvPr id="1" name=""/>
+        <p:cNvGrpSpPr/>
+        <p:nvPr/>
+      </p:nvGrpSpPr>
+      <p:grpSpPr>
+        <a:xfrm>
+          <a:off x="0" y="0"/>
+          <a:ext cx="0" cy="0"/>
+          <a:chOff x="0" y="0"/>
+          <a:chExt cx="0" cy="0"/>
+        </a:xfrm>
+      </p:grpSpPr>
+      <p:sp>
+        <p:nvSpPr>
+          <p:cNvPr id="2" name="Titre 1"/>
+          <p:cNvSpPr>
+            <a:spLocks noGrp="1"/>
+          </p:cNvSpPr>
+          <p:nvPr>
+            <p:ph type="title"/>
+          </p:nvPr>
+        </p:nvSpPr>
+        <p:spPr/>
+        <p:txBody>
+          <a:bodyPr>
+            <a:normAutofit/>
+          </a:bodyPr>
+          <a:lstStyle/>
+          <a:p>
+            <a:r>
+              <a:rPr lang="fr-FR" dirty="0" smtClean="0"/>
+              <a:t>Documentation</a:t>
+            </a:r>
+            <a:endParaRPr lang="en-US" dirty="0"/>
+          </a:p>
+        </p:txBody>
+      </p:sp>
+      <p:sp>
+        <p:nvSpPr>
+          <p:cNvPr id="3" name="Espace réservé du contenu 2"/>
+          <p:cNvSpPr>
+            <a:spLocks noGrp="1"/>
+          </p:cNvSpPr>
+          <p:nvPr>
+            <p:ph idx="1"/>
+          </p:nvPr>
+        </p:nvSpPr>
+        <p:spPr>
+          <a:xfrm>
+            <a:off x="254000" y="2347415"/>
+            <a:ext cx="8648700" cy="3829548"/>
+          </a:xfrm>
+        </p:spPr>
+        <p:txBody>
+          <a:bodyPr>
+            <a:normAutofit/>
+          </a:bodyPr>
+          <a:lstStyle/>
+          <a:p>
+            <a:r>
+              <a:rPr lang="fr-FR" dirty="0" smtClean="0"/>
+              <a:t>Commenter le code</a:t>
+            </a:r>
+          </a:p>
+          <a:p>
+            <a:r>
+              <a:rPr lang="fr-FR" dirty="0" smtClean="0"/>
+              <a:t>Ecrire des wikis/tutoriels régulièrement</a:t>
+            </a:r>
+          </a:p>
+          <a:p>
+            <a:r>
+              <a:rPr lang="fr-FR" dirty="0" smtClean="0"/>
+              <a:t>Fournir:</a:t>
+            </a:r>
+          </a:p>
+          <a:p>
+            <a:pPr lvl="1"/>
+            <a:r>
+              <a:rPr lang="fr-FR" dirty="0" smtClean="0"/>
+              <a:t>La structure de l’application</a:t>
+            </a:r>
+          </a:p>
+          <a:p>
+            <a:pPr lvl="1"/>
+            <a:r>
+              <a:rPr lang="fr-FR" dirty="0" smtClean="0"/>
+              <a:t>La chaine de traitements</a:t>
+            </a:r>
+          </a:p>
+          <a:p>
+            <a:pPr lvl="1"/>
+            <a:r>
+              <a:rPr lang="fr-FR" dirty="0" smtClean="0"/>
+              <a:t>Les modèles de données</a:t>
+            </a:r>
+          </a:p>
+          <a:p>
+            <a:endParaRPr lang="fr-FR" dirty="0" smtClean="0"/>
+          </a:p>
+          <a:p>
+            <a:endParaRPr lang="en-US" dirty="0" smtClean="0"/>
+          </a:p>
+        </p:txBody>
+      </p:sp>
+      <p:sp>
+        <p:nvSpPr>
+          <p:cNvPr id="4" name="Espace réservé du numéro de diapositive 3"/>
+          <p:cNvSpPr>
+            <a:spLocks noGrp="1"/>
+          </p:cNvSpPr>
+          <p:nvPr>
+            <p:ph type="sldNum" sz="quarter" idx="12"/>
+          </p:nvPr>
+        </p:nvSpPr>
+        <p:spPr/>
+        <p:txBody>
+          <a:bodyPr/>
+          <a:lstStyle/>
+          <a:p>
+            <a:fld id="{87D9652F-9609-4EC6-8E0A-C96E14B58A2A}" type="slidenum">
+              <a:rPr lang="fr-FR" smtClean="0"/>
+              <a:pPr/>
+              <a:t>53</a:t>
+            </a:fld>
+            <a:endParaRPr lang="fr-FR" dirty="0"/>
+          </a:p>
+        </p:txBody>
+      </p:sp>
+    </p:spTree>
+    <p:extLst>
+      <p:ext uri="{BB962C8B-B14F-4D97-AF65-F5344CB8AC3E}">
+        <p14:creationId xmlns:p14="http://schemas.microsoft.com/office/powerpoint/2010/main" val="762696903"/>
+      </p:ext>
+    </p:extLst>
+  </p:cSld>
+  <p:clrMapOvr>
+    <a:masterClrMapping/>
+  </p:clrMapOvr>
+  <p:timing>
+    <p:tnLst>
+      <p:par>
+        <p:cTn id="1" dur="indefinite" restart="never" nodeType="tmRoot"/>
+      </p:par>
+    </p:tnLst>
+  </p:timing>
+</p:sld>
+</file>
+
+<file path=ppt/slides/slide54.xml><?xml version="1.0" encoding="utf-8"?>
+<p:sld xmlns:a="http://schemas.openxmlformats.org/drawingml/2006/main" xmlns:r="http://schemas.openxmlformats.org/officeDocument/2006/relationships" xmlns:p="http://schemas.openxmlformats.org/presentationml/2006/main">
+  <p:cSld>
+    <p:spTree>
+      <p:nvGrpSpPr>
+        <p:cNvPr id="1" name=""/>
+        <p:cNvGrpSpPr/>
+        <p:nvPr/>
+      </p:nvGrpSpPr>
+      <p:grpSpPr>
+        <a:xfrm>
+          <a:off x="0" y="0"/>
+          <a:ext cx="0" cy="0"/>
+          <a:chOff x="0" y="0"/>
+          <a:chExt cx="0" cy="0"/>
+        </a:xfrm>
+      </p:grpSpPr>
+      <p:sp>
+        <p:nvSpPr>
+          <p:cNvPr id="2" name="Titre 1"/>
+          <p:cNvSpPr>
+            <a:spLocks noGrp="1"/>
+          </p:cNvSpPr>
+          <p:nvPr>
+            <p:ph type="title"/>
+          </p:nvPr>
+        </p:nvSpPr>
+        <p:spPr/>
+        <p:txBody>
+          <a:bodyPr/>
+          <a:lstStyle/>
+          <a:p>
+            <a:r>
+              <a:rPr lang="fr-FR" dirty="0" smtClean="0"/>
+              <a:t>Sécurité</a:t>
+            </a:r>
+            <a:endParaRPr lang="fr-FR" dirty="0"/>
+          </a:p>
+        </p:txBody>
+      </p:sp>
+      <p:sp>
+        <p:nvSpPr>
+          <p:cNvPr id="3" name="Espace réservé du contenu 2"/>
+          <p:cNvSpPr>
+            <a:spLocks noGrp="1"/>
+          </p:cNvSpPr>
+          <p:nvPr>
+            <p:ph idx="1"/>
+          </p:nvPr>
+        </p:nvSpPr>
+        <p:spPr>
+          <a:xfrm>
+            <a:off x="254000" y="2921000"/>
+            <a:ext cx="8648700" cy="3255963"/>
+          </a:xfrm>
+        </p:spPr>
+        <p:txBody>
+          <a:bodyPr/>
+          <a:lstStyle/>
+          <a:p>
+            <a:r>
+              <a:rPr lang="fr-FR" b="1" dirty="0" smtClean="0"/>
+              <a:t>Attention au stockage des mots de passe!</a:t>
+            </a:r>
+          </a:p>
+          <a:p>
+            <a:r>
+              <a:rPr lang="fr-FR" dirty="0" smtClean="0"/>
+              <a:t>Choix d’une licence?</a:t>
+            </a:r>
+            <a:endParaRPr lang="fr-FR" dirty="0"/>
+          </a:p>
+          <a:p>
+            <a:endParaRPr lang="fr-FR" dirty="0"/>
+          </a:p>
+        </p:txBody>
+      </p:sp>
+      <p:sp>
+        <p:nvSpPr>
+          <p:cNvPr id="4" name="Espace réservé du numéro de diapositive 3"/>
+          <p:cNvSpPr>
+            <a:spLocks noGrp="1"/>
+          </p:cNvSpPr>
+          <p:nvPr>
+            <p:ph type="sldNum" sz="quarter" idx="12"/>
+          </p:nvPr>
+        </p:nvSpPr>
+        <p:spPr/>
+        <p:txBody>
+          <a:bodyPr/>
+          <a:lstStyle/>
+          <a:p>
+            <a:fld id="{87D9652F-9609-4EC6-8E0A-C96E14B58A2A}" type="slidenum">
+              <a:rPr lang="fr-FR" smtClean="0"/>
+              <a:pPr/>
+              <a:t>54</a:t>
+            </a:fld>
+            <a:endParaRPr lang="fr-FR" dirty="0"/>
+          </a:p>
+        </p:txBody>
+      </p:sp>
+    </p:spTree>
+    <p:extLst>
+      <p:ext uri="{BB962C8B-B14F-4D97-AF65-F5344CB8AC3E}">
+        <p14:creationId xmlns:p14="http://schemas.microsoft.com/office/powerpoint/2010/main" val="3508833578"/>
       </p:ext>
     </p:extLst>
   </p:cSld>
@@ -16616,10 +17091,10 @@
           <a:lstStyle/>
           <a:p>
             <a:r>
-              <a:rPr lang="fr-FR" sz="3600" dirty="0" smtClean="0"/>
-              <a:t>Problèmes d’extraction des données</a:t>
-            </a:r>
-            <a:endParaRPr lang="fr-FR" sz="3600" dirty="0"/>
+              <a:rPr lang="fr-FR" sz="4000" dirty="0" smtClean="0"/>
+              <a:t>Ergonomie de l’interface</a:t>
+            </a:r>
+            <a:endParaRPr lang="fr-FR" sz="4000" dirty="0"/>
           </a:p>
         </p:txBody>
       </p:sp>
@@ -16642,234 +17117,6 @@
               <a:rPr lang="fr-FR" smtClean="0"/>
               <a:pPr/>
               <a:t>6</a:t>
-            </a:fld>
-            <a:endParaRPr lang="fr-FR" dirty="0"/>
-          </a:p>
-        </p:txBody>
-      </p:sp>
-      <p:pic>
-        <p:nvPicPr>
-          <p:cNvPr id="3" name="Image 2"/>
-          <p:cNvPicPr>
-            <a:picLocks noChangeAspect="1"/>
-          </p:cNvPicPr>
-          <p:nvPr/>
-        </p:nvPicPr>
-        <p:blipFill rotWithShape="1">
-          <a:blip r:embed="rId2"/>
-          <a:srcRect l="1" t="9292" r="30693" b="30883"/>
-          <a:stretch/>
-        </p:blipFill>
-        <p:spPr>
-          <a:xfrm>
-            <a:off x="986962" y="2077950"/>
-            <a:ext cx="7225967" cy="3508554"/>
-          </a:xfrm>
-          <a:prstGeom prst="rect">
-            <a:avLst/>
-          </a:prstGeom>
-          <a:ln w="12700">
-            <a:solidFill>
-              <a:schemeClr val="tx1"/>
-            </a:solidFill>
-          </a:ln>
-        </p:spPr>
-      </p:pic>
-      <p:sp>
-        <p:nvSpPr>
-          <p:cNvPr id="11" name="Titre 1"/>
-          <p:cNvSpPr txBox="1">
-            <a:spLocks/>
-          </p:cNvSpPr>
-          <p:nvPr/>
-        </p:nvSpPr>
-        <p:spPr>
-          <a:xfrm>
-            <a:off x="254000" y="1134974"/>
-            <a:ext cx="8648700" cy="942976"/>
-          </a:xfrm>
-          <a:prstGeom prst="rect">
-            <a:avLst/>
-          </a:prstGeom>
-          <a:noFill/>
-        </p:spPr>
-        <p:txBody>
-          <a:bodyPr vert="horz" lIns="91440" tIns="45720" rIns="91440" bIns="45720" rtlCol="0" anchor="ctr">
-            <a:noAutofit/>
-          </a:bodyPr>
-          <a:lstStyle>
-            <a:lvl1pPr algn="l" defTabSz="914400" rtl="0" eaLnBrk="1" latinLnBrk="0" hangingPunct="1">
-              <a:lnSpc>
-                <a:spcPct val="90000"/>
-              </a:lnSpc>
-              <a:spcBef>
-                <a:spcPct val="0"/>
-              </a:spcBef>
-              <a:buNone/>
-              <a:defRPr sz="4400" b="1" kern="1200">
-                <a:ln>
-                  <a:noFill/>
-                </a:ln>
-                <a:solidFill>
-                  <a:schemeClr val="tx1"/>
-                </a:solidFill>
-                <a:latin typeface="+mj-lt"/>
-                <a:ea typeface="+mj-ea"/>
-                <a:cs typeface="+mj-cs"/>
-              </a:defRPr>
-            </a:lvl1pPr>
-          </a:lstStyle>
-          <a:p>
-            <a:pPr marL="457200" indent="-457200">
-              <a:buFont typeface="Arial" panose="020B0604020202020204" pitchFamily="34" charset="0"/>
-              <a:buChar char="•"/>
-            </a:pPr>
-            <a:r>
-              <a:rPr lang="fr-FR" sz="2800" dirty="0" smtClean="0"/>
-              <a:t>Téléchargement impossible</a:t>
-            </a:r>
-            <a:endParaRPr lang="fr-FR" sz="2800" dirty="0"/>
-          </a:p>
-        </p:txBody>
-      </p:sp>
-      <p:sp>
-        <p:nvSpPr>
-          <p:cNvPr id="12" name="Titre 1"/>
-          <p:cNvSpPr txBox="1">
-            <a:spLocks/>
-          </p:cNvSpPr>
-          <p:nvPr/>
-        </p:nvSpPr>
-        <p:spPr>
-          <a:xfrm>
-            <a:off x="254000" y="5586504"/>
-            <a:ext cx="8648700" cy="942976"/>
-          </a:xfrm>
-          <a:prstGeom prst="rect">
-            <a:avLst/>
-          </a:prstGeom>
-          <a:noFill/>
-        </p:spPr>
-        <p:txBody>
-          <a:bodyPr vert="horz" lIns="91440" tIns="45720" rIns="91440" bIns="45720" rtlCol="0" anchor="ctr">
-            <a:noAutofit/>
-          </a:bodyPr>
-          <a:lstStyle>
-            <a:lvl1pPr algn="l" defTabSz="914400" rtl="0" eaLnBrk="1" latinLnBrk="0" hangingPunct="1">
-              <a:lnSpc>
-                <a:spcPct val="90000"/>
-              </a:lnSpc>
-              <a:spcBef>
-                <a:spcPct val="0"/>
-              </a:spcBef>
-              <a:buNone/>
-              <a:defRPr sz="4400" b="1" kern="1200">
-                <a:ln>
-                  <a:noFill/>
-                </a:ln>
-                <a:solidFill>
-                  <a:schemeClr val="tx1"/>
-                </a:solidFill>
-                <a:latin typeface="+mj-lt"/>
-                <a:ea typeface="+mj-ea"/>
-                <a:cs typeface="+mj-cs"/>
-              </a:defRPr>
-            </a:lvl1pPr>
-          </a:lstStyle>
-          <a:p>
-            <a:pPr marL="457200" indent="-457200">
-              <a:buFont typeface="Arial" panose="020B0604020202020204" pitchFamily="34" charset="0"/>
-              <a:buChar char="•"/>
-            </a:pPr>
-            <a:r>
-              <a:rPr lang="fr-FR" sz="2800" dirty="0" smtClean="0"/>
-              <a:t>Extraction incomplète</a:t>
-            </a:r>
-            <a:endParaRPr lang="fr-FR" sz="2800" dirty="0"/>
-          </a:p>
-        </p:txBody>
-      </p:sp>
-    </p:spTree>
-    <p:extLst>
-      <p:ext uri="{BB962C8B-B14F-4D97-AF65-F5344CB8AC3E}">
-        <p14:creationId xmlns:p14="http://schemas.microsoft.com/office/powerpoint/2010/main" val="3045979043"/>
-      </p:ext>
-    </p:extLst>
-  </p:cSld>
-  <p:clrMapOvr>
-    <a:masterClrMapping/>
-  </p:clrMapOvr>
-  <p:timing>
-    <p:tnLst>
-      <p:par>
-        <p:cTn id="1" dur="indefinite" restart="never" nodeType="tmRoot"/>
-      </p:par>
-    </p:tnLst>
-  </p:timing>
-</p:sld>
-</file>
-
-<file path=ppt/slides/slide7.xml><?xml version="1.0" encoding="utf-8"?>
-<p:sld xmlns:a="http://schemas.openxmlformats.org/drawingml/2006/main" xmlns:r="http://schemas.openxmlformats.org/officeDocument/2006/relationships" xmlns:p="http://schemas.openxmlformats.org/presentationml/2006/main">
-  <p:cSld>
-    <p:spTree>
-      <p:nvGrpSpPr>
-        <p:cNvPr id="1" name=""/>
-        <p:cNvGrpSpPr/>
-        <p:nvPr/>
-      </p:nvGrpSpPr>
-      <p:grpSpPr>
-        <a:xfrm>
-          <a:off x="0" y="0"/>
-          <a:ext cx="0" cy="0"/>
-          <a:chOff x="0" y="0"/>
-          <a:chExt cx="0" cy="0"/>
-        </a:xfrm>
-      </p:grpSpPr>
-      <p:sp>
-        <p:nvSpPr>
-          <p:cNvPr id="2" name="Titre 1"/>
-          <p:cNvSpPr>
-            <a:spLocks noGrp="1"/>
-          </p:cNvSpPr>
-          <p:nvPr>
-            <p:ph type="title"/>
-          </p:nvPr>
-        </p:nvSpPr>
-        <p:spPr/>
-        <p:txBody>
-          <a:bodyPr>
-            <a:noAutofit/>
-          </a:bodyPr>
-          <a:lstStyle/>
-          <a:p>
-            <a:r>
-              <a:rPr lang="fr-FR" sz="4000" dirty="0" smtClean="0"/>
-              <a:t>Ergonomie de l’interface</a:t>
-            </a:r>
-            <a:endParaRPr lang="fr-FR" sz="4000" dirty="0"/>
-          </a:p>
-        </p:txBody>
-      </p:sp>
-      <p:sp>
-        <p:nvSpPr>
-          <p:cNvPr id="4" name="Espace réservé du numéro de diapositive 3"/>
-          <p:cNvSpPr>
-            <a:spLocks noGrp="1"/>
-          </p:cNvSpPr>
-          <p:nvPr>
-            <p:ph type="sldNum" sz="quarter" idx="12"/>
-          </p:nvPr>
-        </p:nvSpPr>
-        <p:spPr/>
-        <p:txBody>
-          <a:bodyPr/>
-          <a:lstStyle/>
-          <a:p>
-            <a:fld id="{87D9652F-9609-4EC6-8E0A-C96E14B58A2A}" type="slidenum">
-              <a:rPr lang="fr-FR" smtClean="0"/>
-              <a:pPr/>
-              <a:t>7</a:t>
             </a:fld>
             <a:endParaRPr lang="fr-FR" dirty="0"/>
           </a:p>
@@ -16998,7 +17245,7 @@
 </p:sld>
 </file>
 
-<file path=ppt/slides/slide8.xml><?xml version="1.0" encoding="utf-8"?>
+<file path=ppt/slides/slide7.xml><?xml version="1.0" encoding="utf-8"?>
 <p:sld xmlns:a="http://schemas.openxmlformats.org/drawingml/2006/main" xmlns:r="http://schemas.openxmlformats.org/officeDocument/2006/relationships" xmlns:p="http://schemas.openxmlformats.org/presentationml/2006/main">
   <p:cSld>
     <p:spTree>
@@ -17058,7 +17305,7 @@
             <a:fld id="{87D9652F-9609-4EC6-8E0A-C96E14B58A2A}" type="slidenum">
               <a:rPr lang="fr-FR" smtClean="0"/>
               <a:pPr/>
-              <a:t>8</a:t>
+              <a:t>7</a:t>
             </a:fld>
             <a:endParaRPr lang="fr-FR" dirty="0"/>
           </a:p>
@@ -17141,6 +17388,196 @@
           <a:lstStyle/>
           <a:p>
             <a:r>
+              <a:rPr lang="fr-FR" dirty="0" smtClean="0"/>
+              <a:t>Rupture de la collecte</a:t>
+            </a:r>
+          </a:p>
+          <a:p>
+            <a:r>
+              <a:rPr lang="fr-FR" dirty="0" smtClean="0"/>
+              <a:t>Extraction des données</a:t>
+            </a:r>
+          </a:p>
+          <a:p>
+            <a:r>
+              <a:rPr lang="fr-FR" dirty="0" smtClean="0"/>
+              <a:t>Ergonomie de l’interface</a:t>
+            </a:r>
+          </a:p>
+          <a:p>
+            <a:endParaRPr lang="fr-FR" dirty="0" smtClean="0"/>
+          </a:p>
+          <a:p>
+            <a:endParaRPr lang="fr-FR" dirty="0" smtClean="0"/>
+          </a:p>
+          <a:p>
+            <a:endParaRPr lang="en-US" sz="1800" dirty="0"/>
+          </a:p>
+        </p:txBody>
+      </p:sp>
+    </p:spTree>
+    <p:extLst>
+      <p:ext uri="{BB962C8B-B14F-4D97-AF65-F5344CB8AC3E}">
+        <p14:creationId xmlns:p14="http://schemas.microsoft.com/office/powerpoint/2010/main" val="1705748273"/>
+      </p:ext>
+    </p:extLst>
+  </p:cSld>
+  <p:clrMapOvr>
+    <a:masterClrMapping/>
+  </p:clrMapOvr>
+  <p:timing>
+    <p:tnLst>
+      <p:par>
+        <p:cTn id="1" dur="indefinite" restart="never" nodeType="tmRoot"/>
+      </p:par>
+    </p:tnLst>
+  </p:timing>
+</p:sld>
+</file>
+
+<file path=ppt/slides/slide8.xml><?xml version="1.0" encoding="utf-8"?>
+<p:sld xmlns:a="http://schemas.openxmlformats.org/drawingml/2006/main" xmlns:r="http://schemas.openxmlformats.org/officeDocument/2006/relationships" xmlns:p="http://schemas.openxmlformats.org/presentationml/2006/main">
+  <p:cSld>
+    <p:spTree>
+      <p:nvGrpSpPr>
+        <p:cNvPr id="1" name=""/>
+        <p:cNvGrpSpPr/>
+        <p:nvPr/>
+      </p:nvGrpSpPr>
+      <p:grpSpPr>
+        <a:xfrm>
+          <a:off x="0" y="0"/>
+          <a:ext cx="0" cy="0"/>
+          <a:chOff x="0" y="0"/>
+          <a:chExt cx="0" cy="0"/>
+        </a:xfrm>
+      </p:grpSpPr>
+      <p:sp>
+        <p:nvSpPr>
+          <p:cNvPr id="2" name="Titre 1"/>
+          <p:cNvSpPr>
+            <a:spLocks noGrp="1"/>
+          </p:cNvSpPr>
+          <p:nvPr>
+            <p:ph type="title"/>
+          </p:nvPr>
+        </p:nvSpPr>
+        <p:spPr/>
+        <p:txBody>
+          <a:bodyPr>
+            <a:noAutofit/>
+          </a:bodyPr>
+          <a:lstStyle/>
+          <a:p>
+            <a:r>
+              <a:rPr lang="fr-FR" sz="4000" dirty="0" smtClean="0"/>
+              <a:t>Tâches décelées à postériori</a:t>
+            </a:r>
+            <a:endParaRPr lang="fr-FR" sz="4000" dirty="0"/>
+          </a:p>
+        </p:txBody>
+      </p:sp>
+      <p:sp>
+        <p:nvSpPr>
+          <p:cNvPr id="4" name="Espace réservé du numéro de diapositive 3"/>
+          <p:cNvSpPr>
+            <a:spLocks noGrp="1"/>
+          </p:cNvSpPr>
+          <p:nvPr>
+            <p:ph type="sldNum" sz="quarter" idx="12"/>
+          </p:nvPr>
+        </p:nvSpPr>
+        <p:spPr/>
+        <p:txBody>
+          <a:bodyPr/>
+          <a:lstStyle/>
+          <a:p>
+            <a:fld id="{87D9652F-9609-4EC6-8E0A-C96E14B58A2A}" type="slidenum">
+              <a:rPr lang="fr-FR" smtClean="0"/>
+              <a:pPr/>
+              <a:t>8</a:t>
+            </a:fld>
+            <a:endParaRPr lang="fr-FR" dirty="0"/>
+          </a:p>
+        </p:txBody>
+      </p:sp>
+      <p:pic>
+        <p:nvPicPr>
+          <p:cNvPr id="1028" name="Picture 4" descr="http://icons.iconarchive.com/icons/icojam/blue-bits/256/application-icon.png"/>
+          <p:cNvPicPr>
+            <a:picLocks noChangeAspect="1" noChangeArrowheads="1"/>
+          </p:cNvPicPr>
+          <p:nvPr/>
+        </p:nvPicPr>
+        <p:blipFill>
+          <a:blip r:embed="rId2">
+            <a:duotone>
+              <a:schemeClr val="accent2">
+                <a:shade val="45000"/>
+                <a:satMod val="135000"/>
+              </a:schemeClr>
+              <a:prstClr val="white"/>
+            </a:duotone>
+            <a:extLst>
+              <a:ext uri="{28A0092B-C50C-407E-A947-70E740481C1C}">
+                <a14:useLocalDpi xmlns:a14="http://schemas.microsoft.com/office/drawing/2010/main" val="0"/>
+              </a:ext>
+            </a:extLst>
+          </a:blip>
+          <a:srcRect/>
+          <a:stretch>
+            <a:fillRect/>
+          </a:stretch>
+        </p:blipFill>
+        <p:spPr bwMode="auto">
+          <a:xfrm>
+            <a:off x="349534" y="1640625"/>
+            <a:ext cx="2710218" cy="2710218"/>
+          </a:xfrm>
+          <a:prstGeom prst="rect">
+            <a:avLst/>
+          </a:prstGeom>
+          <a:noFill/>
+          <a:extLst>
+            <a:ext uri="{909E8E84-426E-40DD-AFC4-6F175D3DCCD1}">
+              <a14:hiddenFill xmlns:a14="http://schemas.microsoft.com/office/drawing/2010/main">
+                <a:solidFill>
+                  <a:srgbClr val="FFFFFF"/>
+                </a:solidFill>
+              </a14:hiddenFill>
+            </a:ext>
+          </a:extLst>
+        </p:spPr>
+      </p:pic>
+      <p:sp>
+        <p:nvSpPr>
+          <p:cNvPr id="8" name="Espace réservé du contenu 2"/>
+          <p:cNvSpPr>
+            <a:spLocks noGrp="1"/>
+          </p:cNvSpPr>
+          <p:nvPr>
+            <p:ph idx="1"/>
+          </p:nvPr>
+        </p:nvSpPr>
+        <p:spPr>
+          <a:xfrm>
+            <a:off x="3291764" y="2327114"/>
+            <a:ext cx="5421668" cy="3391298"/>
+          </a:xfrm>
+          <a:solidFill>
+            <a:schemeClr val="bg1"/>
+          </a:solidFill>
+          <a:ln>
+            <a:noFill/>
+          </a:ln>
+        </p:spPr>
+        <p:txBody>
+          <a:bodyPr>
+            <a:noAutofit/>
+          </a:bodyPr>
+          <a:lstStyle/>
+          <a:p>
+            <a:r>
               <a:rPr lang="fr-FR" dirty="0" smtClean="0">
                 <a:solidFill>
                   <a:schemeClr val="bg1">
@@ -17148,17 +17585,7 @@
                   </a:schemeClr>
                 </a:solidFill>
               </a:rPr>
-              <a:t>Rupture </a:t>
-            </a:r>
-            <a:r>
-              <a:rPr lang="fr-FR" dirty="0" smtClean="0">
-                <a:solidFill>
-                  <a:schemeClr val="bg1">
-                    <a:lumMod val="75000"/>
-                  </a:schemeClr>
-                </a:solidFill>
-              </a:rPr>
-              <a:t>de la collecte</a:t>
+              <a:t>Rupture de la collecte</a:t>
             </a:r>
           </a:p>
           <a:p>
@@ -17182,27 +17609,7 @@
                   </a:schemeClr>
                 </a:solidFill>
               </a:rPr>
-              <a:t>Ergonomie </a:t>
-            </a:r>
-            <a:r>
-              <a:rPr lang="fr-FR" dirty="0" smtClean="0">
-                <a:solidFill>
-                  <a:schemeClr val="bg1">
-                    <a:lumMod val="75000"/>
-                  </a:schemeClr>
-                </a:solidFill>
-              </a:rPr>
-              <a:t>de </a:t>
-            </a:r>
-            <a:r>
-              <a:rPr lang="fr-FR" dirty="0" smtClean="0">
-                <a:solidFill>
-                  <a:schemeClr val="bg1">
-                    <a:lumMod val="75000"/>
-                  </a:schemeClr>
-                </a:solidFill>
-              </a:rPr>
-              <a:t>l’interface</a:t>
+              <a:t>Ergonomie de l’interface</a:t>
             </a:r>
           </a:p>
           <a:p>
@@ -17321,7 +17728,7 @@
     </p:spTree>
     <p:extLst>
       <p:ext uri="{BB962C8B-B14F-4D97-AF65-F5344CB8AC3E}">
-        <p14:creationId xmlns:p14="http://schemas.microsoft.com/office/powerpoint/2010/main" val="1705748273"/>
+        <p14:creationId xmlns:p14="http://schemas.microsoft.com/office/powerpoint/2010/main" val="4249748202"/>
       </p:ext>
     </p:extLst>
   </p:cSld>
@@ -17357,7 +17764,7 @@
       </p:grpSpPr>
       <p:sp>
         <p:nvSpPr>
-          <p:cNvPr id="2" name="Titre 1"/>
+          <p:cNvPr id="5" name="Titre 4"/>
           <p:cNvSpPr>
             <a:spLocks noGrp="1"/>
           </p:cNvSpPr>
@@ -17367,16 +17774,18 @@
         </p:nvSpPr>
         <p:spPr/>
         <p:txBody>
-          <a:bodyPr>
-            <a:noAutofit/>
-          </a:bodyPr>
-          <a:lstStyle/>
-          <a:p>
-            <a:r>
-              <a:rPr lang="fr-FR" sz="4000" dirty="0" smtClean="0"/>
-              <a:t>Tâches réalisées</a:t>
-            </a:r>
-            <a:endParaRPr lang="fr-FR" sz="4000" dirty="0"/>
+          <a:bodyPr/>
+          <a:lstStyle/>
+          <a:p>
+            <a:r>
+              <a:rPr lang="fr-FR" dirty="0" err="1" smtClean="0"/>
+              <a:t>Réutisabilité</a:t>
+            </a:r>
+            <a:r>
+              <a:rPr lang="fr-FR" dirty="0" smtClean="0"/>
+              <a:t> de l’application</a:t>
+            </a:r>
+            <a:endParaRPr lang="fr-FR" dirty="0"/>
           </a:p>
         </p:txBody>
       </p:sp>
@@ -17404,287 +17813,10 @@
           </a:p>
         </p:txBody>
       </p:sp>
-      <p:pic>
-        <p:nvPicPr>
-          <p:cNvPr id="1028" name="Picture 4" descr="http://icons.iconarchive.com/icons/icojam/blue-bits/256/application-icon.png"/>
-          <p:cNvPicPr>
-            <a:picLocks noChangeAspect="1" noChangeArrowheads="1"/>
-          </p:cNvPicPr>
-          <p:nvPr/>
-        </p:nvPicPr>
-        <p:blipFill>
-          <a:blip r:embed="rId2">
-            <a:duotone>
-              <a:schemeClr val="accent2">
-                <a:shade val="45000"/>
-                <a:satMod val="135000"/>
-              </a:schemeClr>
-              <a:prstClr val="white"/>
-            </a:duotone>
-            <a:extLst>
-              <a:ext uri="{28A0092B-C50C-407E-A947-70E740481C1C}">
-                <a14:useLocalDpi xmlns:a14="http://schemas.microsoft.com/office/drawing/2010/main" val="0"/>
-              </a:ext>
-            </a:extLst>
-          </a:blip>
-          <a:srcRect/>
-          <a:stretch>
-            <a:fillRect/>
-          </a:stretch>
-        </p:blipFill>
-        <p:spPr bwMode="auto">
-          <a:xfrm>
-            <a:off x="254000" y="1170125"/>
-            <a:ext cx="2710218" cy="2710218"/>
-          </a:xfrm>
-          <a:prstGeom prst="rect">
-            <a:avLst/>
-          </a:prstGeom>
-          <a:noFill/>
-          <a:extLst>
-            <a:ext uri="{909E8E84-426E-40DD-AFC4-6F175D3DCCD1}">
-              <a14:hiddenFill xmlns:a14="http://schemas.microsoft.com/office/drawing/2010/main">
-                <a:solidFill>
-                  <a:srgbClr val="FFFFFF"/>
-                </a:solidFill>
-              </a14:hiddenFill>
-            </a:ext>
-          </a:extLst>
-        </p:spPr>
-      </p:pic>
-      <p:pic>
-        <p:nvPicPr>
-          <p:cNvPr id="7" name="Picture 4" descr="http://icons.iconarchive.com/icons/icojam/blue-bits/256/application-icon.png"/>
-          <p:cNvPicPr>
-            <a:picLocks noChangeAspect="1" noChangeArrowheads="1"/>
-          </p:cNvPicPr>
-          <p:nvPr/>
-        </p:nvPicPr>
-        <p:blipFill>
-          <a:blip r:embed="rId2">
-            <a:duotone>
-              <a:schemeClr val="accent3">
-                <a:shade val="45000"/>
-                <a:satMod val="135000"/>
-              </a:schemeClr>
-              <a:prstClr val="white"/>
-            </a:duotone>
-            <a:extLst>
-              <a:ext uri="{28A0092B-C50C-407E-A947-70E740481C1C}">
-                <a14:useLocalDpi xmlns:a14="http://schemas.microsoft.com/office/drawing/2010/main" val="0"/>
-              </a:ext>
-            </a:extLst>
-          </a:blip>
-          <a:srcRect/>
-          <a:stretch>
-            <a:fillRect/>
-          </a:stretch>
-        </p:blipFill>
-        <p:spPr bwMode="auto">
-          <a:xfrm>
-            <a:off x="6192482" y="1170125"/>
-            <a:ext cx="2710218" cy="2710218"/>
-          </a:xfrm>
-          <a:prstGeom prst="rect">
-            <a:avLst/>
-          </a:prstGeom>
-          <a:noFill/>
-          <a:extLst>
-            <a:ext uri="{909E8E84-426E-40DD-AFC4-6F175D3DCCD1}">
-              <a14:hiddenFill xmlns:a14="http://schemas.microsoft.com/office/drawing/2010/main">
-                <a:solidFill>
-                  <a:srgbClr val="FFFFFF"/>
-                </a:solidFill>
-              </a14:hiddenFill>
-            </a:ext>
-          </a:extLst>
-        </p:spPr>
-      </p:pic>
-      <p:cxnSp>
-        <p:nvCxnSpPr>
-          <p:cNvPr id="6" name="Connecteur droit avec flèche 5"/>
-          <p:cNvCxnSpPr/>
-          <p:nvPr/>
-        </p:nvCxnSpPr>
-        <p:spPr>
-          <a:xfrm>
-            <a:off x="3152632" y="2525234"/>
-            <a:ext cx="2880000" cy="0"/>
-          </a:xfrm>
-          <a:prstGeom prst="straightConnector1">
-            <a:avLst/>
-          </a:prstGeom>
-          <a:ln w="73025">
-            <a:solidFill>
-              <a:schemeClr val="tx1"/>
-            </a:solidFill>
-            <a:tailEnd type="triangle"/>
-          </a:ln>
-        </p:spPr>
-        <p:style>
-          <a:lnRef idx="1">
-            <a:schemeClr val="accent1"/>
-          </a:lnRef>
-          <a:fillRef idx="0">
-            <a:schemeClr val="accent1"/>
-          </a:fillRef>
-          <a:effectRef idx="0">
-            <a:schemeClr val="accent1"/>
-          </a:effectRef>
-          <a:fontRef idx="minor">
-            <a:schemeClr val="tx1"/>
-          </a:fontRef>
-        </p:style>
-      </p:cxnSp>
-      <p:pic>
-        <p:nvPicPr>
-          <p:cNvPr id="1030" name="Picture 6" descr="http://thevillagespcrepair.com/wp-content/uploads/2014/03/repair.png"/>
-          <p:cNvPicPr>
-            <a:picLocks noChangeAspect="1" noChangeArrowheads="1"/>
-          </p:cNvPicPr>
-          <p:nvPr/>
-        </p:nvPicPr>
-        <p:blipFill>
-          <a:blip r:embed="rId3">
-            <a:extLst>
-              <a:ext uri="{28A0092B-C50C-407E-A947-70E740481C1C}">
-                <a14:useLocalDpi xmlns:a14="http://schemas.microsoft.com/office/drawing/2010/main" val="0"/>
-              </a:ext>
-            </a:extLst>
-          </a:blip>
-          <a:srcRect/>
-          <a:stretch>
-            <a:fillRect/>
-          </a:stretch>
-        </p:blipFill>
-        <p:spPr bwMode="auto">
-          <a:xfrm>
-            <a:off x="3513986" y="1468433"/>
-            <a:ext cx="2113602" cy="2113602"/>
-          </a:xfrm>
-          <a:prstGeom prst="rect">
-            <a:avLst/>
-          </a:prstGeom>
-          <a:noFill/>
-          <a:extLst>
-            <a:ext uri="{909E8E84-426E-40DD-AFC4-6F175D3DCCD1}">
-              <a14:hiddenFill xmlns:a14="http://schemas.microsoft.com/office/drawing/2010/main">
-                <a:solidFill>
-                  <a:srgbClr val="FFFFFF"/>
-                </a:solidFill>
-              </a14:hiddenFill>
-            </a:ext>
-          </a:extLst>
-        </p:spPr>
-      </p:pic>
-      <p:sp>
-        <p:nvSpPr>
-          <p:cNvPr id="8" name="Espace réservé du contenu 2"/>
-          <p:cNvSpPr>
-            <a:spLocks noGrp="1"/>
-          </p:cNvSpPr>
-          <p:nvPr>
-            <p:ph idx="1"/>
-          </p:nvPr>
-        </p:nvSpPr>
-        <p:spPr>
-          <a:xfrm>
-            <a:off x="2125923" y="4114553"/>
-            <a:ext cx="5421668" cy="2606923"/>
-          </a:xfrm>
-          <a:solidFill>
-            <a:schemeClr val="bg1"/>
-          </a:solidFill>
-          <a:ln>
-            <a:noFill/>
-          </a:ln>
-        </p:spPr>
-        <p:txBody>
-          <a:bodyPr>
-            <a:noAutofit/>
-          </a:bodyPr>
-          <a:lstStyle/>
-          <a:p>
-            <a:r>
-              <a:rPr lang="fr-FR" dirty="0" smtClean="0"/>
-              <a:t>Rupture </a:t>
-            </a:r>
-            <a:r>
-              <a:rPr lang="fr-FR" dirty="0" smtClean="0"/>
-              <a:t>de la collecte</a:t>
-            </a:r>
-          </a:p>
-          <a:p>
-            <a:r>
-              <a:rPr lang="fr-FR" strike="sngStrike" dirty="0" smtClean="0">
-                <a:solidFill>
-                  <a:schemeClr val="bg1">
-                    <a:lumMod val="75000"/>
-                  </a:schemeClr>
-                </a:solidFill>
-              </a:rPr>
-              <a:t>Extraction des données</a:t>
-            </a:r>
-          </a:p>
-          <a:p>
-            <a:r>
-              <a:rPr lang="fr-FR" strike="sngStrike" dirty="0" smtClean="0">
-                <a:solidFill>
-                  <a:schemeClr val="bg1">
-                    <a:lumMod val="75000"/>
-                  </a:schemeClr>
-                </a:solidFill>
-              </a:rPr>
-              <a:t>Ergonomie </a:t>
-            </a:r>
-            <a:r>
-              <a:rPr lang="fr-FR" strike="sngStrike" dirty="0" smtClean="0">
-                <a:solidFill>
-                  <a:schemeClr val="bg1">
-                    <a:lumMod val="75000"/>
-                  </a:schemeClr>
-                </a:solidFill>
-              </a:rPr>
-              <a:t>de </a:t>
-            </a:r>
-            <a:r>
-              <a:rPr lang="fr-FR" strike="sngStrike" dirty="0" smtClean="0">
-                <a:solidFill>
-                  <a:schemeClr val="bg1">
-                    <a:lumMod val="75000"/>
-                  </a:schemeClr>
-                </a:solidFill>
-              </a:rPr>
-              <a:t>l’interface</a:t>
-            </a:r>
-          </a:p>
-          <a:p>
-            <a:r>
-              <a:rPr lang="fr-FR" dirty="0" smtClean="0"/>
-              <a:t>Réutilisabilité </a:t>
-            </a:r>
-            <a:r>
-              <a:rPr lang="fr-FR" dirty="0"/>
-              <a:t>de l’application</a:t>
-            </a:r>
-          </a:p>
-          <a:p>
-            <a:r>
-              <a:rPr lang="fr-FR" dirty="0"/>
-              <a:t>Co-administration du </a:t>
-            </a:r>
-            <a:r>
-              <a:rPr lang="fr-FR" dirty="0" smtClean="0"/>
-              <a:t>serveur</a:t>
-            </a:r>
-            <a:endParaRPr lang="fr-FR" dirty="0"/>
-          </a:p>
-        </p:txBody>
-      </p:sp>
     </p:spTree>
     <p:extLst>
       <p:ext uri="{BB962C8B-B14F-4D97-AF65-F5344CB8AC3E}">
-        <p14:creationId xmlns:p14="http://schemas.microsoft.com/office/powerpoint/2010/main" val="4142302604"/>
+        <p14:creationId xmlns:p14="http://schemas.microsoft.com/office/powerpoint/2010/main" val="2493481457"/>
       </p:ext>
     </p:extLst>
   </p:cSld>

--- a/slides.pptx
+++ b/slides.pptx
@@ -4972,10 +4972,16 @@
           </a:p>
           <a:p>
             <a:r>
+              <a:rPr lang="fr-FR" i="1" dirty="0">
+                <a:latin typeface="Aller" panose="02000503030000020004" pitchFamily="2" charset="0"/>
+              </a:rPr>
+              <a:t>d</a:t>
+            </a:r>
+            <a:r>
               <a:rPr lang="fr-FR" i="1" dirty="0" smtClean="0">
                 <a:latin typeface="Aller" panose="02000503030000020004" pitchFamily="2" charset="0"/>
               </a:rPr>
-              <a:t>first.last@imag.fr</a:t>
+              <a:t>amien.dosimont@bsc.es</a:t>
             </a:r>
             <a:endParaRPr lang="fr-FR" i="1" dirty="0">
               <a:latin typeface="Aller" panose="02000503030000020004" pitchFamily="2" charset="0"/>
